--- a/conversation_930.pptx
+++ b/conversation_930.pptx
@@ -4,19 +4,22 @@
   <p:sldMasterIdLst>
     <p:sldMasterId id="2147483648" r:id="rId1"/>
   </p:sldMasterIdLst>
+  <p:notesMasterIdLst>
+    <p:notesMasterId r:id="rId4"/>
+  </p:notesMasterIdLst>
   <p:sldIdLst>
-    <p:sldId id="264" r:id="rId2"/>
-    <p:sldId id="265" r:id="rId3"/>
-    <p:sldId id="256" r:id="rId4"/>
-    <p:sldId id="257" r:id="rId5"/>
-    <p:sldId id="258" r:id="rId6"/>
-    <p:sldId id="259" r:id="rId7"/>
-    <p:sldId id="260" r:id="rId8"/>
-    <p:sldId id="267" r:id="rId9"/>
-    <p:sldId id="261" r:id="rId10"/>
-    <p:sldId id="262" r:id="rId11"/>
-    <p:sldId id="268" r:id="rId12"/>
-    <p:sldId id="266" r:id="rId13"/>
+    <p:sldId id="264" r:id="rId3"/>
+    <p:sldId id="265" r:id="rId5"/>
+    <p:sldId id="256" r:id="rId6"/>
+    <p:sldId id="257" r:id="rId7"/>
+    <p:sldId id="258" r:id="rId8"/>
+    <p:sldId id="259" r:id="rId9"/>
+    <p:sldId id="260" r:id="rId10"/>
+    <p:sldId id="267" r:id="rId11"/>
+    <p:sldId id="261" r:id="rId12"/>
+    <p:sldId id="262" r:id="rId13"/>
+    <p:sldId id="268" r:id="rId14"/>
+    <p:sldId id="266" r:id="rId15"/>
   </p:sldIdLst>
   <p:sldSz cx="12192000" cy="6858000"/>
   <p:notesSz cx="6858000" cy="9144000"/>
@@ -115,12 +118,1011 @@
       </a:defRPr>
     </a:lvl9pPr>
   </p:defaultTextStyle>
-  <p:extLst>
-    <p:ext uri="{EFAFB233-063F-42B5-8137-9DF3F51BA10A}">
-      <p15:sldGuideLst xmlns:p15="http://schemas.microsoft.com/office/powerpoint/2012/main"/>
-    </p:ext>
-  </p:extLst>
 </p:presentation>
+</file>
+
+<file path=ppt/notesMasters/notesMaster1.xml><?xml version="1.0" encoding="utf-8"?>
+<p:notesMaster xmlns:a="http://schemas.openxmlformats.org/drawingml/2006/main" xmlns:r="http://schemas.openxmlformats.org/officeDocument/2006/relationships" xmlns:p="http://schemas.openxmlformats.org/presentationml/2006/main">
+  <p:cSld>
+    <p:bg>
+      <p:bgRef idx="1001">
+        <a:schemeClr val="bg1"/>
+      </p:bgRef>
+    </p:bg>
+    <p:spTree>
+      <p:nvGrpSpPr>
+        <p:cNvPr id="1" name=""/>
+        <p:cNvGrpSpPr/>
+        <p:nvPr/>
+      </p:nvGrpSpPr>
+      <p:grpSpPr>
+        <a:xfrm>
+          <a:off x="0" y="0"/>
+          <a:ext cx="0" cy="0"/>
+          <a:chOff x="0" y="0"/>
+          <a:chExt cx="0" cy="0"/>
+        </a:xfrm>
+      </p:grpSpPr>
+      <p:sp>
+        <p:nvSpPr>
+          <p:cNvPr id="2" name="Header Placeholder 1"/>
+          <p:cNvSpPr>
+            <a:spLocks noGrp="1"/>
+          </p:cNvSpPr>
+          <p:nvPr>
+            <p:ph type="hdr" sz="quarter"/>
+          </p:nvPr>
+        </p:nvSpPr>
+        <p:spPr>
+          <a:xfrm>
+            <a:off x="0" y="0"/>
+            <a:ext cx="2971800" cy="458788"/>
+          </a:xfrm>
+          <a:prstGeom prst="rect">
+            <a:avLst/>
+          </a:prstGeom>
+        </p:spPr>
+        <p:txBody>
+          <a:bodyPr vert="horz" lIns="91440" tIns="45720" rIns="91440" bIns="45720" rtlCol="0"/>
+          <a:lstStyle>
+            <a:lvl1pPr algn="l">
+              <a:defRPr sz="1200"/>
+            </a:lvl1pPr>
+          </a:lstStyle>
+          <a:p>
+            <a:endParaRPr lang="en-US"/>
+          </a:p>
+        </p:txBody>
+      </p:sp>
+      <p:sp>
+        <p:nvSpPr>
+          <p:cNvPr id="3" name="Date Placeholder 2"/>
+          <p:cNvSpPr>
+            <a:spLocks noGrp="1"/>
+          </p:cNvSpPr>
+          <p:nvPr>
+            <p:ph type="dt" idx="1"/>
+          </p:nvPr>
+        </p:nvSpPr>
+        <p:spPr>
+          <a:xfrm>
+            <a:off x="3884613" y="0"/>
+            <a:ext cx="2971800" cy="458788"/>
+          </a:xfrm>
+          <a:prstGeom prst="rect">
+            <a:avLst/>
+          </a:prstGeom>
+        </p:spPr>
+        <p:txBody>
+          <a:bodyPr vert="horz" lIns="91440" tIns="45720" rIns="91440" bIns="45720" rtlCol="0"/>
+          <a:lstStyle>
+            <a:lvl1pPr algn="r">
+              <a:defRPr sz="1200"/>
+            </a:lvl1pPr>
+          </a:lstStyle>
+          <a:p>
+            <a:fld id="{3EFD42F7-718C-4B98-AAEC-167E6DDD60A7}" type="datetimeFigureOut">
+              <a:rPr lang="en-US" smtClean="0"/>
+            </a:fld>
+            <a:endParaRPr lang="en-US"/>
+          </a:p>
+        </p:txBody>
+      </p:sp>
+      <p:sp>
+        <p:nvSpPr>
+          <p:cNvPr id="4" name="Slide Image Placeholder 3"/>
+          <p:cNvSpPr>
+            <a:spLocks noGrp="1" noRot="1" noChangeAspect="1"/>
+          </p:cNvSpPr>
+          <p:nvPr>
+            <p:ph type="sldImg" idx="2"/>
+          </p:nvPr>
+        </p:nvSpPr>
+        <p:spPr>
+          <a:xfrm>
+            <a:off x="685800" y="1143000"/>
+            <a:ext cx="5486400" cy="3086100"/>
+          </a:xfrm>
+          <a:prstGeom prst="rect">
+            <a:avLst/>
+          </a:prstGeom>
+          <a:noFill/>
+          <a:ln w="12700">
+            <a:solidFill>
+              <a:prstClr val="black"/>
+            </a:solidFill>
+          </a:ln>
+        </p:spPr>
+        <p:txBody>
+          <a:bodyPr vert="horz" lIns="91440" tIns="45720" rIns="91440" bIns="45720" rtlCol="0" anchor="ctr"/>
+          <a:lstStyle/>
+          <a:p>
+            <a:endParaRPr lang="en-US"/>
+          </a:p>
+        </p:txBody>
+      </p:sp>
+      <p:sp>
+        <p:nvSpPr>
+          <p:cNvPr id="5" name="Notes Placeholder 4"/>
+          <p:cNvSpPr>
+            <a:spLocks noGrp="1"/>
+          </p:cNvSpPr>
+          <p:nvPr>
+            <p:ph type="body" sz="quarter" idx="3"/>
+          </p:nvPr>
+        </p:nvSpPr>
+        <p:spPr>
+          <a:xfrm>
+            <a:off x="685800" y="4400550"/>
+            <a:ext cx="5486400" cy="3600450"/>
+          </a:xfrm>
+          <a:prstGeom prst="rect">
+            <a:avLst/>
+          </a:prstGeom>
+        </p:spPr>
+        <p:txBody>
+          <a:bodyPr vert="horz" lIns="91440" tIns="45720" rIns="91440" bIns="45720" rtlCol="0"/>
+          <a:lstStyle/>
+          <a:p>
+            <a:pPr lvl="0"/>
+            <a:r>
+              <a:rPr lang="en-US" smtClean="0"/>
+              <a:t>Click to edit Master text styles</a:t>
+            </a:r>
+            <a:endParaRPr lang="en-US" smtClean="0"/>
+          </a:p>
+          <a:p>
+            <a:pPr lvl="1"/>
+            <a:r>
+              <a:rPr lang="en-US" smtClean="0"/>
+              <a:t>Second level</a:t>
+            </a:r>
+            <a:endParaRPr lang="en-US" smtClean="0"/>
+          </a:p>
+          <a:p>
+            <a:pPr lvl="2"/>
+            <a:r>
+              <a:rPr lang="en-US" smtClean="0"/>
+              <a:t>Third level</a:t>
+            </a:r>
+            <a:endParaRPr lang="en-US" smtClean="0"/>
+          </a:p>
+          <a:p>
+            <a:pPr lvl="3"/>
+            <a:r>
+              <a:rPr lang="en-US" smtClean="0"/>
+              <a:t>Fourth level</a:t>
+            </a:r>
+            <a:endParaRPr lang="en-US" smtClean="0"/>
+          </a:p>
+          <a:p>
+            <a:pPr lvl="4"/>
+            <a:r>
+              <a:rPr lang="en-US" smtClean="0"/>
+              <a:t>Fifth level</a:t>
+            </a:r>
+            <a:endParaRPr lang="en-US"/>
+          </a:p>
+        </p:txBody>
+      </p:sp>
+      <p:sp>
+        <p:nvSpPr>
+          <p:cNvPr id="6" name="Footer Placeholder 5"/>
+          <p:cNvSpPr>
+            <a:spLocks noGrp="1"/>
+          </p:cNvSpPr>
+          <p:nvPr>
+            <p:ph type="ftr" sz="quarter" idx="4"/>
+          </p:nvPr>
+        </p:nvSpPr>
+        <p:spPr>
+          <a:xfrm>
+            <a:off x="0" y="8685213"/>
+            <a:ext cx="2971800" cy="458787"/>
+          </a:xfrm>
+          <a:prstGeom prst="rect">
+            <a:avLst/>
+          </a:prstGeom>
+        </p:spPr>
+        <p:txBody>
+          <a:bodyPr vert="horz" lIns="91440" tIns="45720" rIns="91440" bIns="45720" rtlCol="0" anchor="b"/>
+          <a:lstStyle>
+            <a:lvl1pPr algn="l">
+              <a:defRPr sz="1200"/>
+            </a:lvl1pPr>
+          </a:lstStyle>
+          <a:p>
+            <a:endParaRPr lang="en-US"/>
+          </a:p>
+        </p:txBody>
+      </p:sp>
+      <p:sp>
+        <p:nvSpPr>
+          <p:cNvPr id="7" name="Slide Number Placeholder 6"/>
+          <p:cNvSpPr>
+            <a:spLocks noGrp="1"/>
+          </p:cNvSpPr>
+          <p:nvPr>
+            <p:ph type="sldNum" sz="quarter" idx="5"/>
+          </p:nvPr>
+        </p:nvSpPr>
+        <p:spPr>
+          <a:xfrm>
+            <a:off x="3884613" y="8685213"/>
+            <a:ext cx="2971800" cy="458787"/>
+          </a:xfrm>
+          <a:prstGeom prst="rect">
+            <a:avLst/>
+          </a:prstGeom>
+        </p:spPr>
+        <p:txBody>
+          <a:bodyPr vert="horz" lIns="91440" tIns="45720" rIns="91440" bIns="45720" rtlCol="0" anchor="b"/>
+          <a:lstStyle>
+            <a:lvl1pPr algn="r">
+              <a:defRPr sz="1200"/>
+            </a:lvl1pPr>
+          </a:lstStyle>
+          <a:p>
+            <a:fld id="{21B2AA4F-B828-4D7C-AFD3-893933DAFCB4}" type="slidenum">
+              <a:rPr lang="en-US" smtClean="0"/>
+            </a:fld>
+            <a:endParaRPr lang="en-US"/>
+          </a:p>
+        </p:txBody>
+      </p:sp>
+    </p:spTree>
+  </p:cSld>
+  <p:clrMap bg1="lt1" tx1="dk1" bg2="lt2" tx2="dk2" accent1="accent1" accent2="accent2" accent3="accent3" accent4="accent4" accent5="accent5" accent6="accent6" hlink="hlink" folHlink="folHlink"/>
+  <p:notesStyle>
+    <a:lvl1pPr marL="0" algn="l" defTabSz="914400" rtl="0" eaLnBrk="1" latinLnBrk="0" hangingPunct="1">
+      <a:defRPr sz="1200" kern="1200">
+        <a:solidFill>
+          <a:schemeClr val="tx1"/>
+        </a:solidFill>
+        <a:latin typeface="+mn-lt"/>
+        <a:ea typeface="+mn-ea"/>
+        <a:cs typeface="+mn-cs"/>
+      </a:defRPr>
+    </a:lvl1pPr>
+    <a:lvl2pPr marL="457200" algn="l" defTabSz="914400" rtl="0" eaLnBrk="1" latinLnBrk="0" hangingPunct="1">
+      <a:defRPr sz="1200" kern="1200">
+        <a:solidFill>
+          <a:schemeClr val="tx1"/>
+        </a:solidFill>
+        <a:latin typeface="+mn-lt"/>
+        <a:ea typeface="+mn-ea"/>
+        <a:cs typeface="+mn-cs"/>
+      </a:defRPr>
+    </a:lvl2pPr>
+    <a:lvl3pPr marL="914400" algn="l" defTabSz="914400" rtl="0" eaLnBrk="1" latinLnBrk="0" hangingPunct="1">
+      <a:defRPr sz="1200" kern="1200">
+        <a:solidFill>
+          <a:schemeClr val="tx1"/>
+        </a:solidFill>
+        <a:latin typeface="+mn-lt"/>
+        <a:ea typeface="+mn-ea"/>
+        <a:cs typeface="+mn-cs"/>
+      </a:defRPr>
+    </a:lvl3pPr>
+    <a:lvl4pPr marL="1371600" algn="l" defTabSz="914400" rtl="0" eaLnBrk="1" latinLnBrk="0" hangingPunct="1">
+      <a:defRPr sz="1200" kern="1200">
+        <a:solidFill>
+          <a:schemeClr val="tx1"/>
+        </a:solidFill>
+        <a:latin typeface="+mn-lt"/>
+        <a:ea typeface="+mn-ea"/>
+        <a:cs typeface="+mn-cs"/>
+      </a:defRPr>
+    </a:lvl4pPr>
+    <a:lvl5pPr marL="1828800" algn="l" defTabSz="914400" rtl="0" eaLnBrk="1" latinLnBrk="0" hangingPunct="1">
+      <a:defRPr sz="1200" kern="1200">
+        <a:solidFill>
+          <a:schemeClr val="tx1"/>
+        </a:solidFill>
+        <a:latin typeface="+mn-lt"/>
+        <a:ea typeface="+mn-ea"/>
+        <a:cs typeface="+mn-cs"/>
+      </a:defRPr>
+    </a:lvl5pPr>
+    <a:lvl6pPr marL="2286000" algn="l" defTabSz="914400" rtl="0" eaLnBrk="1" latinLnBrk="0" hangingPunct="1">
+      <a:defRPr sz="1200" kern="1200">
+        <a:solidFill>
+          <a:schemeClr val="tx1"/>
+        </a:solidFill>
+        <a:latin typeface="+mn-lt"/>
+        <a:ea typeface="+mn-ea"/>
+        <a:cs typeface="+mn-cs"/>
+      </a:defRPr>
+    </a:lvl6pPr>
+    <a:lvl7pPr marL="2743200" algn="l" defTabSz="914400" rtl="0" eaLnBrk="1" latinLnBrk="0" hangingPunct="1">
+      <a:defRPr sz="1200" kern="1200">
+        <a:solidFill>
+          <a:schemeClr val="tx1"/>
+        </a:solidFill>
+        <a:latin typeface="+mn-lt"/>
+        <a:ea typeface="+mn-ea"/>
+        <a:cs typeface="+mn-cs"/>
+      </a:defRPr>
+    </a:lvl7pPr>
+    <a:lvl8pPr marL="3200400" algn="l" defTabSz="914400" rtl="0" eaLnBrk="1" latinLnBrk="0" hangingPunct="1">
+      <a:defRPr sz="1200" kern="1200">
+        <a:solidFill>
+          <a:schemeClr val="tx1"/>
+        </a:solidFill>
+        <a:latin typeface="+mn-lt"/>
+        <a:ea typeface="+mn-ea"/>
+        <a:cs typeface="+mn-cs"/>
+      </a:defRPr>
+    </a:lvl8pPr>
+    <a:lvl9pPr marL="3657600" algn="l" defTabSz="914400" rtl="0" eaLnBrk="1" latinLnBrk="0" hangingPunct="1">
+      <a:defRPr sz="1200" kern="1200">
+        <a:solidFill>
+          <a:schemeClr val="tx1"/>
+        </a:solidFill>
+        <a:latin typeface="+mn-lt"/>
+        <a:ea typeface="+mn-ea"/>
+        <a:cs typeface="+mn-cs"/>
+      </a:defRPr>
+    </a:lvl9pPr>
+  </p:notesStyle>
+</p:notesMaster>
+</file>
+
+<file path=ppt/notesSlides/notesSlide1.xml><?xml version="1.0" encoding="utf-8"?>
+<p:notes xmlns:a="http://schemas.openxmlformats.org/drawingml/2006/main" xmlns:r="http://schemas.openxmlformats.org/officeDocument/2006/relationships" xmlns:p="http://schemas.openxmlformats.org/presentationml/2006/main">
+  <p:cSld>
+    <p:spTree>
+      <p:nvGrpSpPr>
+        <p:cNvPr id="1" name=""/>
+        <p:cNvGrpSpPr/>
+        <p:nvPr/>
+      </p:nvGrpSpPr>
+      <p:grpSpPr/>
+      <p:sp>
+        <p:nvSpPr>
+          <p:cNvPr id="2" name="Slide Image Placeholder 1"/>
+          <p:cNvSpPr>
+            <a:spLocks noGrp="1"/>
+          </p:cNvSpPr>
+          <p:nvPr>
+            <p:ph type="sldImg" idx="2"/>
+          </p:nvPr>
+        </p:nvSpPr>
+        <p:spPr/>
+      </p:sp>
+      <p:sp>
+        <p:nvSpPr>
+          <p:cNvPr id="3" name="Text Placeholder 2"/>
+          <p:cNvSpPr>
+            <a:spLocks noGrp="1"/>
+          </p:cNvSpPr>
+          <p:nvPr>
+            <p:ph type="body" idx="3"/>
+          </p:nvPr>
+        </p:nvSpPr>
+        <p:spPr/>
+        <p:txBody>
+          <a:bodyPr/>
+          <a:p>
+            <a:r>
+              <a:rPr lang="en-US" altLang="zh-CN"/>
+              <a:t>DPO</a:t>
+            </a:r>
+            <a:r>
+              <a:rPr lang="zh-CN" altLang="en-US"/>
+              <a:t>：</a:t>
+            </a:r>
+            <a:br>
+              <a:rPr lang="zh-CN" altLang="en-US"/>
+            </a:br>
+            <a:r>
+              <a:rPr lang="zh-CN" altLang="en-US"/>
+              <a:t>尝试了很多方法，</a:t>
+            </a:r>
+            <a:r>
+              <a:rPr lang="en-US" altLang="zh-CN"/>
+              <a:t>Prompt Engineering</a:t>
+            </a:r>
+            <a:r>
+              <a:rPr lang="zh-CN" altLang="en-US"/>
+              <a:t>、监督微调、</a:t>
+            </a:r>
+            <a:r>
+              <a:rPr lang="en-US" altLang="zh-CN"/>
+              <a:t>Steering Vectors</a:t>
+            </a:r>
+            <a:r>
+              <a:rPr lang="zh-CN" altLang="en-US"/>
+              <a:t>等，发现</a:t>
+            </a:r>
+            <a:r>
+              <a:rPr lang="en-US" altLang="zh-CN"/>
+              <a:t>DPO</a:t>
+            </a:r>
+            <a:r>
+              <a:rPr lang="zh-CN" altLang="en-US"/>
+              <a:t>比较好。</a:t>
+            </a:r>
+            <a:endParaRPr lang="zh-CN" altLang="en-US"/>
+          </a:p>
+          <a:p>
+            <a:r>
+              <a:rPr lang="zh-CN" altLang="en-US"/>
+              <a:t>实验设置：</a:t>
+            </a:r>
+            <a:endParaRPr lang="zh-CN" altLang="en-US"/>
+          </a:p>
+          <a:p>
+            <a:r>
+              <a:rPr lang="zh-CN" altLang="en-US"/>
+              <a:t>选择</a:t>
+            </a:r>
+            <a:r>
+              <a:rPr lang="en-US" altLang="zh-CN"/>
+              <a:t>Attention</a:t>
+            </a:r>
+            <a:r>
+              <a:rPr lang="zh-CN" altLang="en-US"/>
+              <a:t>（</a:t>
+            </a:r>
+            <a:r>
+              <a:rPr lang="zh-CN" altLang="en-US"/>
+              <a:t>权重）和</a:t>
+            </a:r>
+            <a:r>
+              <a:rPr lang="en-US" altLang="zh-CN"/>
+              <a:t>MLP</a:t>
+            </a:r>
+            <a:r>
+              <a:rPr lang="zh-CN" altLang="en-US"/>
+              <a:t>（</a:t>
+            </a:r>
+            <a:r>
+              <a:rPr lang="zh-CN" altLang="en-US"/>
+              <a:t>前馈网络）会表达更强</a:t>
+            </a:r>
+            <a:r>
+              <a:rPr lang="zh-CN" altLang="en-US"/>
+              <a:t>一点</a:t>
+            </a:r>
+            <a:endParaRPr lang="zh-CN" altLang="en-US"/>
+          </a:p>
+        </p:txBody>
+      </p:sp>
+    </p:spTree>
+  </p:cSld>
+  <p:clrMapOvr>
+    <a:masterClrMapping/>
+  </p:clrMapOvr>
+</p:notes>
+</file>
+
+<file path=ppt/notesSlides/notesSlide10.xml><?xml version="1.0" encoding="utf-8"?>
+<p:notes xmlns:a="http://schemas.openxmlformats.org/drawingml/2006/main" xmlns:r="http://schemas.openxmlformats.org/officeDocument/2006/relationships" xmlns:p="http://schemas.openxmlformats.org/presentationml/2006/main">
+  <p:cSld>
+    <p:spTree>
+      <p:nvGrpSpPr>
+        <p:cNvPr id="1" name=""/>
+        <p:cNvGrpSpPr/>
+        <p:nvPr/>
+      </p:nvGrpSpPr>
+      <p:grpSpPr/>
+      <p:sp>
+        <p:nvSpPr>
+          <p:cNvPr id="2" name="Slide Image Placeholder 1"/>
+          <p:cNvSpPr>
+            <a:spLocks noGrp="1"/>
+          </p:cNvSpPr>
+          <p:nvPr>
+            <p:ph type="sldImg" idx="2"/>
+          </p:nvPr>
+        </p:nvSpPr>
+        <p:spPr/>
+      </p:sp>
+      <p:sp>
+        <p:nvSpPr>
+          <p:cNvPr id="3" name="Text Placeholder 2"/>
+          <p:cNvSpPr>
+            <a:spLocks noGrp="1"/>
+          </p:cNvSpPr>
+          <p:nvPr>
+            <p:ph type="body" idx="3"/>
+          </p:nvPr>
+        </p:nvSpPr>
+        <p:spPr/>
+        <p:txBody>
+          <a:bodyPr/>
+          <a:p>
+            <a:endParaRPr lang="en-US"/>
+          </a:p>
+        </p:txBody>
+      </p:sp>
+    </p:spTree>
+  </p:cSld>
+  <p:clrMapOvr>
+    <a:masterClrMapping/>
+  </p:clrMapOvr>
+</p:notes>
+</file>
+
+<file path=ppt/notesSlides/notesSlide11.xml><?xml version="1.0" encoding="utf-8"?>
+<p:notes xmlns:a="http://schemas.openxmlformats.org/drawingml/2006/main" xmlns:r="http://schemas.openxmlformats.org/officeDocument/2006/relationships" xmlns:p="http://schemas.openxmlformats.org/presentationml/2006/main">
+  <p:cSld>
+    <p:spTree>
+      <p:nvGrpSpPr>
+        <p:cNvPr id="1" name=""/>
+        <p:cNvGrpSpPr/>
+        <p:nvPr/>
+      </p:nvGrpSpPr>
+      <p:grpSpPr/>
+      <p:sp>
+        <p:nvSpPr>
+          <p:cNvPr id="2" name="Slide Image Placeholder 1"/>
+          <p:cNvSpPr>
+            <a:spLocks noGrp="1"/>
+          </p:cNvSpPr>
+          <p:nvPr>
+            <p:ph type="sldImg" idx="2"/>
+          </p:nvPr>
+        </p:nvSpPr>
+        <p:spPr/>
+      </p:sp>
+      <p:sp>
+        <p:nvSpPr>
+          <p:cNvPr id="3" name="Text Placeholder 2"/>
+          <p:cNvSpPr>
+            <a:spLocks noGrp="1"/>
+          </p:cNvSpPr>
+          <p:nvPr>
+            <p:ph type="body" idx="3"/>
+          </p:nvPr>
+        </p:nvSpPr>
+        <p:spPr/>
+        <p:txBody>
+          <a:bodyPr/>
+          <a:p>
+            <a:endParaRPr lang="en-US"/>
+          </a:p>
+        </p:txBody>
+      </p:sp>
+    </p:spTree>
+  </p:cSld>
+  <p:clrMapOvr>
+    <a:masterClrMapping/>
+  </p:clrMapOvr>
+</p:notes>
+</file>
+
+<file path=ppt/notesSlides/notesSlide12.xml><?xml version="1.0" encoding="utf-8"?>
+<p:notes xmlns:a="http://schemas.openxmlformats.org/drawingml/2006/main" xmlns:r="http://schemas.openxmlformats.org/officeDocument/2006/relationships" xmlns:p="http://schemas.openxmlformats.org/presentationml/2006/main">
+  <p:cSld>
+    <p:spTree>
+      <p:nvGrpSpPr>
+        <p:cNvPr id="1" name=""/>
+        <p:cNvGrpSpPr/>
+        <p:nvPr/>
+      </p:nvGrpSpPr>
+      <p:grpSpPr/>
+      <p:sp>
+        <p:nvSpPr>
+          <p:cNvPr id="2" name="Slide Image Placeholder 1"/>
+          <p:cNvSpPr>
+            <a:spLocks noGrp="1"/>
+          </p:cNvSpPr>
+          <p:nvPr>
+            <p:ph type="sldImg" idx="2"/>
+          </p:nvPr>
+        </p:nvSpPr>
+        <p:spPr/>
+      </p:sp>
+      <p:sp>
+        <p:nvSpPr>
+          <p:cNvPr id="3" name="Text Placeholder 2"/>
+          <p:cNvSpPr>
+            <a:spLocks noGrp="1"/>
+          </p:cNvSpPr>
+          <p:nvPr>
+            <p:ph type="body" idx="3"/>
+          </p:nvPr>
+        </p:nvSpPr>
+        <p:spPr/>
+        <p:txBody>
+          <a:bodyPr/>
+          <a:p>
+            <a:endParaRPr lang="en-US"/>
+          </a:p>
+        </p:txBody>
+      </p:sp>
+    </p:spTree>
+  </p:cSld>
+  <p:clrMapOvr>
+    <a:masterClrMapping/>
+  </p:clrMapOvr>
+</p:notes>
+</file>
+
+<file path=ppt/notesSlides/notesSlide2.xml><?xml version="1.0" encoding="utf-8"?>
+<p:notes xmlns:a="http://schemas.openxmlformats.org/drawingml/2006/main" xmlns:r="http://schemas.openxmlformats.org/officeDocument/2006/relationships" xmlns:p="http://schemas.openxmlformats.org/presentationml/2006/main">
+  <p:cSld>
+    <p:spTree>
+      <p:nvGrpSpPr>
+        <p:cNvPr id="1" name=""/>
+        <p:cNvGrpSpPr/>
+        <p:nvPr/>
+      </p:nvGrpSpPr>
+      <p:grpSpPr/>
+      <p:sp>
+        <p:nvSpPr>
+          <p:cNvPr id="2" name="Slide Image Placeholder 1"/>
+          <p:cNvSpPr>
+            <a:spLocks noGrp="1"/>
+          </p:cNvSpPr>
+          <p:nvPr>
+            <p:ph type="sldImg" idx="2"/>
+          </p:nvPr>
+        </p:nvSpPr>
+        <p:spPr/>
+      </p:sp>
+      <p:sp>
+        <p:nvSpPr>
+          <p:cNvPr id="3" name="Text Placeholder 2"/>
+          <p:cNvSpPr>
+            <a:spLocks noGrp="1"/>
+          </p:cNvSpPr>
+          <p:nvPr>
+            <p:ph type="body" idx="3"/>
+          </p:nvPr>
+        </p:nvSpPr>
+        <p:spPr/>
+        <p:txBody>
+          <a:bodyPr/>
+          <a:p>
+            <a:endParaRPr lang="en-US"/>
+          </a:p>
+        </p:txBody>
+      </p:sp>
+    </p:spTree>
+  </p:cSld>
+  <p:clrMapOvr>
+    <a:masterClrMapping/>
+  </p:clrMapOvr>
+</p:notes>
+</file>
+
+<file path=ppt/notesSlides/notesSlide3.xml><?xml version="1.0" encoding="utf-8"?>
+<p:notes xmlns:a="http://schemas.openxmlformats.org/drawingml/2006/main" xmlns:r="http://schemas.openxmlformats.org/officeDocument/2006/relationships" xmlns:p="http://schemas.openxmlformats.org/presentationml/2006/main">
+  <p:cSld>
+    <p:spTree>
+      <p:nvGrpSpPr>
+        <p:cNvPr id="1" name=""/>
+        <p:cNvGrpSpPr/>
+        <p:nvPr/>
+      </p:nvGrpSpPr>
+      <p:grpSpPr/>
+      <p:sp>
+        <p:nvSpPr>
+          <p:cNvPr id="2" name="Slide Image Placeholder 1"/>
+          <p:cNvSpPr>
+            <a:spLocks noGrp="1"/>
+          </p:cNvSpPr>
+          <p:nvPr>
+            <p:ph type="sldImg" idx="2"/>
+          </p:nvPr>
+        </p:nvSpPr>
+        <p:spPr/>
+      </p:sp>
+      <p:sp>
+        <p:nvSpPr>
+          <p:cNvPr id="3" name="Text Placeholder 2"/>
+          <p:cNvSpPr>
+            <a:spLocks noGrp="1"/>
+          </p:cNvSpPr>
+          <p:nvPr>
+            <p:ph type="body" idx="3"/>
+          </p:nvPr>
+        </p:nvSpPr>
+        <p:spPr/>
+        <p:txBody>
+          <a:bodyPr/>
+          <a:p>
+            <a:endParaRPr lang="en-US"/>
+          </a:p>
+        </p:txBody>
+      </p:sp>
+    </p:spTree>
+  </p:cSld>
+  <p:clrMapOvr>
+    <a:masterClrMapping/>
+  </p:clrMapOvr>
+</p:notes>
+</file>
+
+<file path=ppt/notesSlides/notesSlide4.xml><?xml version="1.0" encoding="utf-8"?>
+<p:notes xmlns:a="http://schemas.openxmlformats.org/drawingml/2006/main" xmlns:r="http://schemas.openxmlformats.org/officeDocument/2006/relationships" xmlns:p="http://schemas.openxmlformats.org/presentationml/2006/main">
+  <p:cSld>
+    <p:spTree>
+      <p:nvGrpSpPr>
+        <p:cNvPr id="1" name=""/>
+        <p:cNvGrpSpPr/>
+        <p:nvPr/>
+      </p:nvGrpSpPr>
+      <p:grpSpPr/>
+      <p:sp>
+        <p:nvSpPr>
+          <p:cNvPr id="2" name="Slide Image Placeholder 1"/>
+          <p:cNvSpPr>
+            <a:spLocks noGrp="1"/>
+          </p:cNvSpPr>
+          <p:nvPr>
+            <p:ph type="sldImg" idx="2"/>
+          </p:nvPr>
+        </p:nvSpPr>
+        <p:spPr/>
+      </p:sp>
+      <p:sp>
+        <p:nvSpPr>
+          <p:cNvPr id="3" name="Text Placeholder 2"/>
+          <p:cNvSpPr>
+            <a:spLocks noGrp="1"/>
+          </p:cNvSpPr>
+          <p:nvPr>
+            <p:ph type="body" idx="3"/>
+          </p:nvPr>
+        </p:nvSpPr>
+        <p:spPr/>
+        <p:txBody>
+          <a:bodyPr/>
+          <a:p>
+            <a:endParaRPr lang="en-US"/>
+          </a:p>
+        </p:txBody>
+      </p:sp>
+    </p:spTree>
+  </p:cSld>
+  <p:clrMapOvr>
+    <a:masterClrMapping/>
+  </p:clrMapOvr>
+</p:notes>
+</file>
+
+<file path=ppt/notesSlides/notesSlide5.xml><?xml version="1.0" encoding="utf-8"?>
+<p:notes xmlns:a="http://schemas.openxmlformats.org/drawingml/2006/main" xmlns:r="http://schemas.openxmlformats.org/officeDocument/2006/relationships" xmlns:p="http://schemas.openxmlformats.org/presentationml/2006/main">
+  <p:cSld>
+    <p:spTree>
+      <p:nvGrpSpPr>
+        <p:cNvPr id="1" name=""/>
+        <p:cNvGrpSpPr/>
+        <p:nvPr/>
+      </p:nvGrpSpPr>
+      <p:grpSpPr/>
+      <p:sp>
+        <p:nvSpPr>
+          <p:cNvPr id="2" name="Slide Image Placeholder 1"/>
+          <p:cNvSpPr>
+            <a:spLocks noGrp="1"/>
+          </p:cNvSpPr>
+          <p:nvPr>
+            <p:ph type="sldImg" idx="2"/>
+          </p:nvPr>
+        </p:nvSpPr>
+        <p:spPr/>
+      </p:sp>
+      <p:sp>
+        <p:nvSpPr>
+          <p:cNvPr id="3" name="Text Placeholder 2"/>
+          <p:cNvSpPr>
+            <a:spLocks noGrp="1"/>
+          </p:cNvSpPr>
+          <p:nvPr>
+            <p:ph type="body" idx="3"/>
+          </p:nvPr>
+        </p:nvSpPr>
+        <p:spPr/>
+        <p:txBody>
+          <a:bodyPr/>
+          <a:p>
+            <a:endParaRPr lang="en-US"/>
+          </a:p>
+        </p:txBody>
+      </p:sp>
+    </p:spTree>
+  </p:cSld>
+  <p:clrMapOvr>
+    <a:masterClrMapping/>
+  </p:clrMapOvr>
+</p:notes>
+</file>
+
+<file path=ppt/notesSlides/notesSlide6.xml><?xml version="1.0" encoding="utf-8"?>
+<p:notes xmlns:a="http://schemas.openxmlformats.org/drawingml/2006/main" xmlns:r="http://schemas.openxmlformats.org/officeDocument/2006/relationships" xmlns:p="http://schemas.openxmlformats.org/presentationml/2006/main">
+  <p:cSld>
+    <p:spTree>
+      <p:nvGrpSpPr>
+        <p:cNvPr id="1" name=""/>
+        <p:cNvGrpSpPr/>
+        <p:nvPr/>
+      </p:nvGrpSpPr>
+      <p:grpSpPr/>
+      <p:sp>
+        <p:nvSpPr>
+          <p:cNvPr id="2" name="Slide Image Placeholder 1"/>
+          <p:cNvSpPr>
+            <a:spLocks noGrp="1"/>
+          </p:cNvSpPr>
+          <p:nvPr>
+            <p:ph type="sldImg" idx="2"/>
+          </p:nvPr>
+        </p:nvSpPr>
+        <p:spPr/>
+      </p:sp>
+      <p:sp>
+        <p:nvSpPr>
+          <p:cNvPr id="3" name="Text Placeholder 2"/>
+          <p:cNvSpPr>
+            <a:spLocks noGrp="1"/>
+          </p:cNvSpPr>
+          <p:nvPr>
+            <p:ph type="body" idx="3"/>
+          </p:nvPr>
+        </p:nvSpPr>
+        <p:spPr/>
+        <p:txBody>
+          <a:bodyPr/>
+          <a:p>
+            <a:endParaRPr lang="en-US"/>
+          </a:p>
+        </p:txBody>
+      </p:sp>
+    </p:spTree>
+  </p:cSld>
+  <p:clrMapOvr>
+    <a:masterClrMapping/>
+  </p:clrMapOvr>
+</p:notes>
+</file>
+
+<file path=ppt/notesSlides/notesSlide7.xml><?xml version="1.0" encoding="utf-8"?>
+<p:notes xmlns:a="http://schemas.openxmlformats.org/drawingml/2006/main" xmlns:r="http://schemas.openxmlformats.org/officeDocument/2006/relationships" xmlns:p="http://schemas.openxmlformats.org/presentationml/2006/main">
+  <p:cSld>
+    <p:spTree>
+      <p:nvGrpSpPr>
+        <p:cNvPr id="1" name=""/>
+        <p:cNvGrpSpPr/>
+        <p:nvPr/>
+      </p:nvGrpSpPr>
+      <p:grpSpPr/>
+      <p:sp>
+        <p:nvSpPr>
+          <p:cNvPr id="2" name="Slide Image Placeholder 1"/>
+          <p:cNvSpPr>
+            <a:spLocks noGrp="1"/>
+          </p:cNvSpPr>
+          <p:nvPr>
+            <p:ph type="sldImg" idx="2"/>
+          </p:nvPr>
+        </p:nvSpPr>
+        <p:spPr/>
+      </p:sp>
+      <p:sp>
+        <p:nvSpPr>
+          <p:cNvPr id="3" name="Text Placeholder 2"/>
+          <p:cNvSpPr>
+            <a:spLocks noGrp="1"/>
+          </p:cNvSpPr>
+          <p:nvPr>
+            <p:ph type="body" idx="3"/>
+          </p:nvPr>
+        </p:nvSpPr>
+        <p:spPr/>
+        <p:txBody>
+          <a:bodyPr/>
+          <a:p>
+            <a:endParaRPr lang="en-US"/>
+          </a:p>
+        </p:txBody>
+      </p:sp>
+    </p:spTree>
+  </p:cSld>
+  <p:clrMapOvr>
+    <a:masterClrMapping/>
+  </p:clrMapOvr>
+</p:notes>
+</file>
+
+<file path=ppt/notesSlides/notesSlide8.xml><?xml version="1.0" encoding="utf-8"?>
+<p:notes xmlns:a="http://schemas.openxmlformats.org/drawingml/2006/main" xmlns:r="http://schemas.openxmlformats.org/officeDocument/2006/relationships" xmlns:p="http://schemas.openxmlformats.org/presentationml/2006/main">
+  <p:cSld>
+    <p:spTree>
+      <p:nvGrpSpPr>
+        <p:cNvPr id="1" name=""/>
+        <p:cNvGrpSpPr/>
+        <p:nvPr/>
+      </p:nvGrpSpPr>
+      <p:grpSpPr/>
+      <p:sp>
+        <p:nvSpPr>
+          <p:cNvPr id="2" name="Slide Image Placeholder 1"/>
+          <p:cNvSpPr>
+            <a:spLocks noGrp="1"/>
+          </p:cNvSpPr>
+          <p:nvPr>
+            <p:ph type="sldImg" idx="2"/>
+          </p:nvPr>
+        </p:nvSpPr>
+        <p:spPr/>
+      </p:sp>
+      <p:sp>
+        <p:nvSpPr>
+          <p:cNvPr id="3" name="Text Placeholder 2"/>
+          <p:cNvSpPr>
+            <a:spLocks noGrp="1"/>
+          </p:cNvSpPr>
+          <p:nvPr>
+            <p:ph type="body" idx="3"/>
+          </p:nvPr>
+        </p:nvSpPr>
+        <p:spPr/>
+        <p:txBody>
+          <a:bodyPr/>
+          <a:p>
+            <a:endParaRPr lang="en-US"/>
+          </a:p>
+        </p:txBody>
+      </p:sp>
+    </p:spTree>
+  </p:cSld>
+  <p:clrMapOvr>
+    <a:masterClrMapping/>
+  </p:clrMapOvr>
+</p:notes>
+</file>
+
+<file path=ppt/notesSlides/notesSlide9.xml><?xml version="1.0" encoding="utf-8"?>
+<p:notes xmlns:a="http://schemas.openxmlformats.org/drawingml/2006/main" xmlns:r="http://schemas.openxmlformats.org/officeDocument/2006/relationships" xmlns:p="http://schemas.openxmlformats.org/presentationml/2006/main">
+  <p:cSld>
+    <p:spTree>
+      <p:nvGrpSpPr>
+        <p:cNvPr id="1" name=""/>
+        <p:cNvGrpSpPr/>
+        <p:nvPr/>
+      </p:nvGrpSpPr>
+      <p:grpSpPr/>
+      <p:sp>
+        <p:nvSpPr>
+          <p:cNvPr id="2" name="Slide Image Placeholder 1"/>
+          <p:cNvSpPr>
+            <a:spLocks noGrp="1"/>
+          </p:cNvSpPr>
+          <p:nvPr>
+            <p:ph type="sldImg" idx="2"/>
+          </p:nvPr>
+        </p:nvSpPr>
+        <p:spPr/>
+      </p:sp>
+      <p:sp>
+        <p:nvSpPr>
+          <p:cNvPr id="3" name="Text Placeholder 2"/>
+          <p:cNvSpPr>
+            <a:spLocks noGrp="1"/>
+          </p:cNvSpPr>
+          <p:nvPr>
+            <p:ph type="body" idx="3"/>
+          </p:nvPr>
+        </p:nvSpPr>
+        <p:spPr/>
+        <p:txBody>
+          <a:bodyPr/>
+          <a:p>
+            <a:endParaRPr lang="en-US"/>
+          </a:p>
+        </p:txBody>
+      </p:sp>
+    </p:spTree>
+  </p:cSld>
+  <p:clrMapOvr>
+    <a:masterClrMapping/>
+  </p:clrMapOvr>
+</p:notes>
 </file>
 
 <file path=ppt/slideLayouts/slideLayout1.xml><?xml version="1.0" encoding="utf-8"?>
@@ -168,6 +1170,7 @@
               <a:rPr lang="zh-CN" altLang="en-US"/>
               <a:t>单击此处编辑母版标题样式</a:t>
             </a:r>
+            <a:endParaRPr lang="zh-CN" altLang="en-US"/>
           </a:p>
         </p:txBody>
       </p:sp>
@@ -232,6 +1235,7 @@
               <a:rPr lang="zh-CN" altLang="en-US"/>
               <a:t>单击此处编辑母版副标题样式</a:t>
             </a:r>
+            <a:endParaRPr lang="zh-CN" altLang="en-US"/>
           </a:p>
         </p:txBody>
       </p:sp>
@@ -252,7 +1256,6 @@
           <a:p>
             <a:fld id="{5DBE7A26-477D-4F8F-B01B-26D7E3F64A21}" type="datetimeFigureOut">
               <a:rPr lang="zh-CN" altLang="en-US" smtClean="0"/>
-              <a:t>2025/9/30</a:t>
             </a:fld>
             <a:endParaRPr lang="zh-CN" altLang="en-US"/>
           </a:p>
@@ -294,7 +1297,6 @@
           <a:p>
             <a:fld id="{3091BE82-848D-4D9F-B8E6-BC3B544687F8}" type="slidenum">
               <a:rPr lang="zh-CN" altLang="en-US" smtClean="0"/>
-              <a:t>‹#›</a:t>
             </a:fld>
             <a:endParaRPr lang="zh-CN" altLang="en-US"/>
           </a:p>
@@ -344,6 +1346,7 @@
               <a:rPr lang="zh-CN" altLang="en-US"/>
               <a:t>单击此处编辑母版标题样式</a:t>
             </a:r>
+            <a:endParaRPr lang="zh-CN" altLang="en-US"/>
           </a:p>
         </p:txBody>
       </p:sp>
@@ -367,6 +1370,7 @@
               <a:rPr lang="zh-CN" altLang="en-US"/>
               <a:t>编辑母版文本样式</a:t>
             </a:r>
+            <a:endParaRPr lang="zh-CN" altLang="en-US"/>
           </a:p>
           <a:p>
             <a:pPr lvl="1"/>
@@ -374,6 +1378,7 @@
               <a:rPr lang="zh-CN" altLang="en-US"/>
               <a:t>第二级</a:t>
             </a:r>
+            <a:endParaRPr lang="zh-CN" altLang="en-US"/>
           </a:p>
           <a:p>
             <a:pPr lvl="2"/>
@@ -381,6 +1386,7 @@
               <a:rPr lang="zh-CN" altLang="en-US"/>
               <a:t>第三级</a:t>
             </a:r>
+            <a:endParaRPr lang="zh-CN" altLang="en-US"/>
           </a:p>
           <a:p>
             <a:pPr lvl="3"/>
@@ -388,6 +1394,7 @@
               <a:rPr lang="zh-CN" altLang="en-US"/>
               <a:t>第四级</a:t>
             </a:r>
+            <a:endParaRPr lang="zh-CN" altLang="en-US"/>
           </a:p>
           <a:p>
             <a:pPr lvl="4"/>
@@ -395,6 +1402,7 @@
               <a:rPr lang="zh-CN" altLang="en-US"/>
               <a:t>第五级</a:t>
             </a:r>
+            <a:endParaRPr lang="zh-CN" altLang="en-US"/>
           </a:p>
         </p:txBody>
       </p:sp>
@@ -415,7 +1423,6 @@
           <a:p>
             <a:fld id="{5DBE7A26-477D-4F8F-B01B-26D7E3F64A21}" type="datetimeFigureOut">
               <a:rPr lang="zh-CN" altLang="en-US" smtClean="0"/>
-              <a:t>2025/9/30</a:t>
             </a:fld>
             <a:endParaRPr lang="zh-CN" altLang="en-US"/>
           </a:p>
@@ -457,7 +1464,6 @@
           <a:p>
             <a:fld id="{3091BE82-848D-4D9F-B8E6-BC3B544687F8}" type="slidenum">
               <a:rPr lang="zh-CN" altLang="en-US" smtClean="0"/>
-              <a:t>‹#›</a:t>
             </a:fld>
             <a:endParaRPr lang="zh-CN" altLang="en-US"/>
           </a:p>
@@ -512,6 +1518,7 @@
               <a:rPr lang="zh-CN" altLang="en-US"/>
               <a:t>单击此处编辑母版标题样式</a:t>
             </a:r>
+            <a:endParaRPr lang="zh-CN" altLang="en-US"/>
           </a:p>
         </p:txBody>
       </p:sp>
@@ -540,6 +1547,7 @@
               <a:rPr lang="zh-CN" altLang="en-US"/>
               <a:t>编辑母版文本样式</a:t>
             </a:r>
+            <a:endParaRPr lang="zh-CN" altLang="en-US"/>
           </a:p>
           <a:p>
             <a:pPr lvl="1"/>
@@ -547,6 +1555,7 @@
               <a:rPr lang="zh-CN" altLang="en-US"/>
               <a:t>第二级</a:t>
             </a:r>
+            <a:endParaRPr lang="zh-CN" altLang="en-US"/>
           </a:p>
           <a:p>
             <a:pPr lvl="2"/>
@@ -554,6 +1563,7 @@
               <a:rPr lang="zh-CN" altLang="en-US"/>
               <a:t>第三级</a:t>
             </a:r>
+            <a:endParaRPr lang="zh-CN" altLang="en-US"/>
           </a:p>
           <a:p>
             <a:pPr lvl="3"/>
@@ -561,6 +1571,7 @@
               <a:rPr lang="zh-CN" altLang="en-US"/>
               <a:t>第四级</a:t>
             </a:r>
+            <a:endParaRPr lang="zh-CN" altLang="en-US"/>
           </a:p>
           <a:p>
             <a:pPr lvl="4"/>
@@ -568,6 +1579,7 @@
               <a:rPr lang="zh-CN" altLang="en-US"/>
               <a:t>第五级</a:t>
             </a:r>
+            <a:endParaRPr lang="zh-CN" altLang="en-US"/>
           </a:p>
         </p:txBody>
       </p:sp>
@@ -588,7 +1600,6 @@
           <a:p>
             <a:fld id="{5DBE7A26-477D-4F8F-B01B-26D7E3F64A21}" type="datetimeFigureOut">
               <a:rPr lang="zh-CN" altLang="en-US" smtClean="0"/>
-              <a:t>2025/9/30</a:t>
             </a:fld>
             <a:endParaRPr lang="zh-CN" altLang="en-US"/>
           </a:p>
@@ -630,7 +1641,6 @@
           <a:p>
             <a:fld id="{3091BE82-848D-4D9F-B8E6-BC3B544687F8}" type="slidenum">
               <a:rPr lang="zh-CN" altLang="en-US" smtClean="0"/>
-              <a:t>‹#›</a:t>
             </a:fld>
             <a:endParaRPr lang="zh-CN" altLang="en-US"/>
           </a:p>
@@ -680,6 +1690,7 @@
               <a:rPr lang="zh-CN" altLang="en-US"/>
               <a:t>单击此处编辑母版标题样式</a:t>
             </a:r>
+            <a:endParaRPr lang="zh-CN" altLang="en-US"/>
           </a:p>
         </p:txBody>
       </p:sp>
@@ -703,6 +1714,7 @@
               <a:rPr lang="zh-CN" altLang="en-US"/>
               <a:t>编辑母版文本样式</a:t>
             </a:r>
+            <a:endParaRPr lang="zh-CN" altLang="en-US"/>
           </a:p>
           <a:p>
             <a:pPr lvl="1"/>
@@ -710,6 +1722,7 @@
               <a:rPr lang="zh-CN" altLang="en-US"/>
               <a:t>第二级</a:t>
             </a:r>
+            <a:endParaRPr lang="zh-CN" altLang="en-US"/>
           </a:p>
           <a:p>
             <a:pPr lvl="2"/>
@@ -717,6 +1730,7 @@
               <a:rPr lang="zh-CN" altLang="en-US"/>
               <a:t>第三级</a:t>
             </a:r>
+            <a:endParaRPr lang="zh-CN" altLang="en-US"/>
           </a:p>
           <a:p>
             <a:pPr lvl="3"/>
@@ -724,6 +1738,7 @@
               <a:rPr lang="zh-CN" altLang="en-US"/>
               <a:t>第四级</a:t>
             </a:r>
+            <a:endParaRPr lang="zh-CN" altLang="en-US"/>
           </a:p>
           <a:p>
             <a:pPr lvl="4"/>
@@ -731,6 +1746,7 @@
               <a:rPr lang="zh-CN" altLang="en-US"/>
               <a:t>第五级</a:t>
             </a:r>
+            <a:endParaRPr lang="zh-CN" altLang="en-US"/>
           </a:p>
         </p:txBody>
       </p:sp>
@@ -751,7 +1767,6 @@
           <a:p>
             <a:fld id="{5DBE7A26-477D-4F8F-B01B-26D7E3F64A21}" type="datetimeFigureOut">
               <a:rPr lang="zh-CN" altLang="en-US" smtClean="0"/>
-              <a:t>2025/9/30</a:t>
             </a:fld>
             <a:endParaRPr lang="zh-CN" altLang="en-US"/>
           </a:p>
@@ -793,7 +1808,6 @@
           <a:p>
             <a:fld id="{3091BE82-848D-4D9F-B8E6-BC3B544687F8}" type="slidenum">
               <a:rPr lang="zh-CN" altLang="en-US" smtClean="0"/>
-              <a:t>‹#›</a:t>
             </a:fld>
             <a:endParaRPr lang="zh-CN" altLang="en-US"/>
           </a:p>
@@ -852,6 +1866,7 @@
               <a:rPr lang="zh-CN" altLang="en-US"/>
               <a:t>单击此处编辑母版标题样式</a:t>
             </a:r>
+            <a:endParaRPr lang="zh-CN" altLang="en-US"/>
           </a:p>
         </p:txBody>
       </p:sp>
@@ -971,6 +1986,7 @@
               <a:rPr lang="zh-CN" altLang="en-US"/>
               <a:t>编辑母版文本样式</a:t>
             </a:r>
+            <a:endParaRPr lang="zh-CN" altLang="en-US"/>
           </a:p>
         </p:txBody>
       </p:sp>
@@ -991,7 +2007,6 @@
           <a:p>
             <a:fld id="{5DBE7A26-477D-4F8F-B01B-26D7E3F64A21}" type="datetimeFigureOut">
               <a:rPr lang="zh-CN" altLang="en-US" smtClean="0"/>
-              <a:t>2025/9/30</a:t>
             </a:fld>
             <a:endParaRPr lang="zh-CN" altLang="en-US"/>
           </a:p>
@@ -1033,7 +2048,6 @@
           <a:p>
             <a:fld id="{3091BE82-848D-4D9F-B8E6-BC3B544687F8}" type="slidenum">
               <a:rPr lang="zh-CN" altLang="en-US" smtClean="0"/>
-              <a:t>‹#›</a:t>
             </a:fld>
             <a:endParaRPr lang="zh-CN" altLang="en-US"/>
           </a:p>
@@ -1083,6 +2097,7 @@
               <a:rPr lang="zh-CN" altLang="en-US"/>
               <a:t>单击此处编辑母版标题样式</a:t>
             </a:r>
+            <a:endParaRPr lang="zh-CN" altLang="en-US"/>
           </a:p>
         </p:txBody>
       </p:sp>
@@ -1111,6 +2126,7 @@
               <a:rPr lang="zh-CN" altLang="en-US"/>
               <a:t>编辑母版文本样式</a:t>
             </a:r>
+            <a:endParaRPr lang="zh-CN" altLang="en-US"/>
           </a:p>
           <a:p>
             <a:pPr lvl="1"/>
@@ -1118,6 +2134,7 @@
               <a:rPr lang="zh-CN" altLang="en-US"/>
               <a:t>第二级</a:t>
             </a:r>
+            <a:endParaRPr lang="zh-CN" altLang="en-US"/>
           </a:p>
           <a:p>
             <a:pPr lvl="2"/>
@@ -1125,6 +2142,7 @@
               <a:rPr lang="zh-CN" altLang="en-US"/>
               <a:t>第三级</a:t>
             </a:r>
+            <a:endParaRPr lang="zh-CN" altLang="en-US"/>
           </a:p>
           <a:p>
             <a:pPr lvl="3"/>
@@ -1132,6 +2150,7 @@
               <a:rPr lang="zh-CN" altLang="en-US"/>
               <a:t>第四级</a:t>
             </a:r>
+            <a:endParaRPr lang="zh-CN" altLang="en-US"/>
           </a:p>
           <a:p>
             <a:pPr lvl="4"/>
@@ -1139,6 +2158,7 @@
               <a:rPr lang="zh-CN" altLang="en-US"/>
               <a:t>第五级</a:t>
             </a:r>
+            <a:endParaRPr lang="zh-CN" altLang="en-US"/>
           </a:p>
         </p:txBody>
       </p:sp>
@@ -1167,6 +2187,7 @@
               <a:rPr lang="zh-CN" altLang="en-US"/>
               <a:t>编辑母版文本样式</a:t>
             </a:r>
+            <a:endParaRPr lang="zh-CN" altLang="en-US"/>
           </a:p>
           <a:p>
             <a:pPr lvl="1"/>
@@ -1174,6 +2195,7 @@
               <a:rPr lang="zh-CN" altLang="en-US"/>
               <a:t>第二级</a:t>
             </a:r>
+            <a:endParaRPr lang="zh-CN" altLang="en-US"/>
           </a:p>
           <a:p>
             <a:pPr lvl="2"/>
@@ -1181,6 +2203,7 @@
               <a:rPr lang="zh-CN" altLang="en-US"/>
               <a:t>第三级</a:t>
             </a:r>
+            <a:endParaRPr lang="zh-CN" altLang="en-US"/>
           </a:p>
           <a:p>
             <a:pPr lvl="3"/>
@@ -1188,6 +2211,7 @@
               <a:rPr lang="zh-CN" altLang="en-US"/>
               <a:t>第四级</a:t>
             </a:r>
+            <a:endParaRPr lang="zh-CN" altLang="en-US"/>
           </a:p>
           <a:p>
             <a:pPr lvl="4"/>
@@ -1195,6 +2219,7 @@
               <a:rPr lang="zh-CN" altLang="en-US"/>
               <a:t>第五级</a:t>
             </a:r>
+            <a:endParaRPr lang="zh-CN" altLang="en-US"/>
           </a:p>
         </p:txBody>
       </p:sp>
@@ -1215,7 +2240,6 @@
           <a:p>
             <a:fld id="{5DBE7A26-477D-4F8F-B01B-26D7E3F64A21}" type="datetimeFigureOut">
               <a:rPr lang="zh-CN" altLang="en-US" smtClean="0"/>
-              <a:t>2025/9/30</a:t>
             </a:fld>
             <a:endParaRPr lang="zh-CN" altLang="en-US"/>
           </a:p>
@@ -1257,7 +2281,6 @@
           <a:p>
             <a:fld id="{3091BE82-848D-4D9F-B8E6-BC3B544687F8}" type="slidenum">
               <a:rPr lang="zh-CN" altLang="en-US" smtClean="0"/>
-              <a:t>‹#›</a:t>
             </a:fld>
             <a:endParaRPr lang="zh-CN" altLang="en-US"/>
           </a:p>
@@ -1312,6 +2335,7 @@
               <a:rPr lang="zh-CN" altLang="en-US"/>
               <a:t>单击此处编辑母版标题样式</a:t>
             </a:r>
+            <a:endParaRPr lang="zh-CN" altLang="en-US"/>
           </a:p>
         </p:txBody>
       </p:sp>
@@ -1377,6 +2401,7 @@
               <a:rPr lang="zh-CN" altLang="en-US"/>
               <a:t>编辑母版文本样式</a:t>
             </a:r>
+            <a:endParaRPr lang="zh-CN" altLang="en-US"/>
           </a:p>
         </p:txBody>
       </p:sp>
@@ -1405,6 +2430,7 @@
               <a:rPr lang="zh-CN" altLang="en-US"/>
               <a:t>编辑母版文本样式</a:t>
             </a:r>
+            <a:endParaRPr lang="zh-CN" altLang="en-US"/>
           </a:p>
           <a:p>
             <a:pPr lvl="1"/>
@@ -1412,6 +2438,7 @@
               <a:rPr lang="zh-CN" altLang="en-US"/>
               <a:t>第二级</a:t>
             </a:r>
+            <a:endParaRPr lang="zh-CN" altLang="en-US"/>
           </a:p>
           <a:p>
             <a:pPr lvl="2"/>
@@ -1419,6 +2446,7 @@
               <a:rPr lang="zh-CN" altLang="en-US"/>
               <a:t>第三级</a:t>
             </a:r>
+            <a:endParaRPr lang="zh-CN" altLang="en-US"/>
           </a:p>
           <a:p>
             <a:pPr lvl="3"/>
@@ -1426,6 +2454,7 @@
               <a:rPr lang="zh-CN" altLang="en-US"/>
               <a:t>第四级</a:t>
             </a:r>
+            <a:endParaRPr lang="zh-CN" altLang="en-US"/>
           </a:p>
           <a:p>
             <a:pPr lvl="4"/>
@@ -1433,6 +2462,7 @@
               <a:rPr lang="zh-CN" altLang="en-US"/>
               <a:t>第五级</a:t>
             </a:r>
+            <a:endParaRPr lang="zh-CN" altLang="en-US"/>
           </a:p>
         </p:txBody>
       </p:sp>
@@ -1498,6 +2528,7 @@
               <a:rPr lang="zh-CN" altLang="en-US"/>
               <a:t>编辑母版文本样式</a:t>
             </a:r>
+            <a:endParaRPr lang="zh-CN" altLang="en-US"/>
           </a:p>
         </p:txBody>
       </p:sp>
@@ -1526,6 +2557,7 @@
               <a:rPr lang="zh-CN" altLang="en-US"/>
               <a:t>编辑母版文本样式</a:t>
             </a:r>
+            <a:endParaRPr lang="zh-CN" altLang="en-US"/>
           </a:p>
           <a:p>
             <a:pPr lvl="1"/>
@@ -1533,6 +2565,7 @@
               <a:rPr lang="zh-CN" altLang="en-US"/>
               <a:t>第二级</a:t>
             </a:r>
+            <a:endParaRPr lang="zh-CN" altLang="en-US"/>
           </a:p>
           <a:p>
             <a:pPr lvl="2"/>
@@ -1540,6 +2573,7 @@
               <a:rPr lang="zh-CN" altLang="en-US"/>
               <a:t>第三级</a:t>
             </a:r>
+            <a:endParaRPr lang="zh-CN" altLang="en-US"/>
           </a:p>
           <a:p>
             <a:pPr lvl="3"/>
@@ -1547,6 +2581,7 @@
               <a:rPr lang="zh-CN" altLang="en-US"/>
               <a:t>第四级</a:t>
             </a:r>
+            <a:endParaRPr lang="zh-CN" altLang="en-US"/>
           </a:p>
           <a:p>
             <a:pPr lvl="4"/>
@@ -1554,6 +2589,7 @@
               <a:rPr lang="zh-CN" altLang="en-US"/>
               <a:t>第五级</a:t>
             </a:r>
+            <a:endParaRPr lang="zh-CN" altLang="en-US"/>
           </a:p>
         </p:txBody>
       </p:sp>
@@ -1574,7 +2610,6 @@
           <a:p>
             <a:fld id="{5DBE7A26-477D-4F8F-B01B-26D7E3F64A21}" type="datetimeFigureOut">
               <a:rPr lang="zh-CN" altLang="en-US" smtClean="0"/>
-              <a:t>2025/9/30</a:t>
             </a:fld>
             <a:endParaRPr lang="zh-CN" altLang="en-US"/>
           </a:p>
@@ -1616,7 +2651,6 @@
           <a:p>
             <a:fld id="{3091BE82-848D-4D9F-B8E6-BC3B544687F8}" type="slidenum">
               <a:rPr lang="zh-CN" altLang="en-US" smtClean="0"/>
-              <a:t>‹#›</a:t>
             </a:fld>
             <a:endParaRPr lang="zh-CN" altLang="en-US"/>
           </a:p>
@@ -1666,6 +2700,7 @@
               <a:rPr lang="zh-CN" altLang="en-US"/>
               <a:t>单击此处编辑母版标题样式</a:t>
             </a:r>
+            <a:endParaRPr lang="zh-CN" altLang="en-US"/>
           </a:p>
         </p:txBody>
       </p:sp>
@@ -1686,7 +2721,6 @@
           <a:p>
             <a:fld id="{5DBE7A26-477D-4F8F-B01B-26D7E3F64A21}" type="datetimeFigureOut">
               <a:rPr lang="zh-CN" altLang="en-US" smtClean="0"/>
-              <a:t>2025/9/30</a:t>
             </a:fld>
             <a:endParaRPr lang="zh-CN" altLang="en-US"/>
           </a:p>
@@ -1728,7 +2762,6 @@
           <a:p>
             <a:fld id="{3091BE82-848D-4D9F-B8E6-BC3B544687F8}" type="slidenum">
               <a:rPr lang="zh-CN" altLang="en-US" smtClean="0"/>
-              <a:t>‹#›</a:t>
             </a:fld>
             <a:endParaRPr lang="zh-CN" altLang="en-US"/>
           </a:p>
@@ -1776,7 +2809,6 @@
           <a:p>
             <a:fld id="{5DBE7A26-477D-4F8F-B01B-26D7E3F64A21}" type="datetimeFigureOut">
               <a:rPr lang="zh-CN" altLang="en-US" smtClean="0"/>
-              <a:t>2025/9/30</a:t>
             </a:fld>
             <a:endParaRPr lang="zh-CN" altLang="en-US"/>
           </a:p>
@@ -1818,7 +2850,6 @@
           <a:p>
             <a:fld id="{3091BE82-848D-4D9F-B8E6-BC3B544687F8}" type="slidenum">
               <a:rPr lang="zh-CN" altLang="en-US" smtClean="0"/>
-              <a:t>‹#›</a:t>
             </a:fld>
             <a:endParaRPr lang="zh-CN" altLang="en-US"/>
           </a:p>
@@ -1877,6 +2908,7 @@
               <a:rPr lang="zh-CN" altLang="en-US"/>
               <a:t>单击此处编辑母版标题样式</a:t>
             </a:r>
+            <a:endParaRPr lang="zh-CN" altLang="en-US"/>
           </a:p>
         </p:txBody>
       </p:sp>
@@ -1933,6 +2965,7 @@
               <a:rPr lang="zh-CN" altLang="en-US"/>
               <a:t>编辑母版文本样式</a:t>
             </a:r>
+            <a:endParaRPr lang="zh-CN" altLang="en-US"/>
           </a:p>
           <a:p>
             <a:pPr lvl="1"/>
@@ -1940,6 +2973,7 @@
               <a:rPr lang="zh-CN" altLang="en-US"/>
               <a:t>第二级</a:t>
             </a:r>
+            <a:endParaRPr lang="zh-CN" altLang="en-US"/>
           </a:p>
           <a:p>
             <a:pPr lvl="2"/>
@@ -1947,6 +2981,7 @@
               <a:rPr lang="zh-CN" altLang="en-US"/>
               <a:t>第三级</a:t>
             </a:r>
+            <a:endParaRPr lang="zh-CN" altLang="en-US"/>
           </a:p>
           <a:p>
             <a:pPr lvl="3"/>
@@ -1954,6 +2989,7 @@
               <a:rPr lang="zh-CN" altLang="en-US"/>
               <a:t>第四级</a:t>
             </a:r>
+            <a:endParaRPr lang="zh-CN" altLang="en-US"/>
           </a:p>
           <a:p>
             <a:pPr lvl="4"/>
@@ -1961,6 +2997,7 @@
               <a:rPr lang="zh-CN" altLang="en-US"/>
               <a:t>第五级</a:t>
             </a:r>
+            <a:endParaRPr lang="zh-CN" altLang="en-US"/>
           </a:p>
         </p:txBody>
       </p:sp>
@@ -2026,6 +3063,7 @@
               <a:rPr lang="zh-CN" altLang="en-US"/>
               <a:t>编辑母版文本样式</a:t>
             </a:r>
+            <a:endParaRPr lang="zh-CN" altLang="en-US"/>
           </a:p>
         </p:txBody>
       </p:sp>
@@ -2046,7 +3084,6 @@
           <a:p>
             <a:fld id="{5DBE7A26-477D-4F8F-B01B-26D7E3F64A21}" type="datetimeFigureOut">
               <a:rPr lang="zh-CN" altLang="en-US" smtClean="0"/>
-              <a:t>2025/9/30</a:t>
             </a:fld>
             <a:endParaRPr lang="zh-CN" altLang="en-US"/>
           </a:p>
@@ -2088,7 +3125,6 @@
           <a:p>
             <a:fld id="{3091BE82-848D-4D9F-B8E6-BC3B544687F8}" type="slidenum">
               <a:rPr lang="zh-CN" altLang="en-US" smtClean="0"/>
-              <a:t>‹#›</a:t>
             </a:fld>
             <a:endParaRPr lang="zh-CN" altLang="en-US"/>
           </a:p>
@@ -2147,6 +3183,7 @@
               <a:rPr lang="zh-CN" altLang="en-US"/>
               <a:t>单击此处编辑母版标题样式</a:t>
             </a:r>
+            <a:endParaRPr lang="zh-CN" altLang="en-US"/>
           </a:p>
         </p:txBody>
       </p:sp>
@@ -2273,6 +3310,7 @@
               <a:rPr lang="zh-CN" altLang="en-US"/>
               <a:t>编辑母版文本样式</a:t>
             </a:r>
+            <a:endParaRPr lang="zh-CN" altLang="en-US"/>
           </a:p>
         </p:txBody>
       </p:sp>
@@ -2293,7 +3331,6 @@
           <a:p>
             <a:fld id="{5DBE7A26-477D-4F8F-B01B-26D7E3F64A21}" type="datetimeFigureOut">
               <a:rPr lang="zh-CN" altLang="en-US" smtClean="0"/>
-              <a:t>2025/9/30</a:t>
             </a:fld>
             <a:endParaRPr lang="zh-CN" altLang="en-US"/>
           </a:p>
@@ -2335,7 +3372,6 @@
           <a:p>
             <a:fld id="{3091BE82-848D-4D9F-B8E6-BC3B544687F8}" type="slidenum">
               <a:rPr lang="zh-CN" altLang="en-US" smtClean="0"/>
-              <a:t>‹#›</a:t>
             </a:fld>
             <a:endParaRPr lang="zh-CN" altLang="en-US"/>
           </a:p>
@@ -2400,6 +3436,7 @@
               <a:rPr lang="zh-CN" altLang="en-US"/>
               <a:t>单击此处编辑母版标题样式</a:t>
             </a:r>
+            <a:endParaRPr lang="zh-CN" altLang="en-US"/>
           </a:p>
         </p:txBody>
       </p:sp>
@@ -2433,6 +3470,7 @@
               <a:rPr lang="zh-CN" altLang="en-US"/>
               <a:t>编辑母版文本样式</a:t>
             </a:r>
+            <a:endParaRPr lang="zh-CN" altLang="en-US"/>
           </a:p>
           <a:p>
             <a:pPr lvl="1"/>
@@ -2440,6 +3478,7 @@
               <a:rPr lang="zh-CN" altLang="en-US"/>
               <a:t>第二级</a:t>
             </a:r>
+            <a:endParaRPr lang="zh-CN" altLang="en-US"/>
           </a:p>
           <a:p>
             <a:pPr lvl="2"/>
@@ -2447,6 +3486,7 @@
               <a:rPr lang="zh-CN" altLang="en-US"/>
               <a:t>第三级</a:t>
             </a:r>
+            <a:endParaRPr lang="zh-CN" altLang="en-US"/>
           </a:p>
           <a:p>
             <a:pPr lvl="3"/>
@@ -2454,6 +3494,7 @@
               <a:rPr lang="zh-CN" altLang="en-US"/>
               <a:t>第四级</a:t>
             </a:r>
+            <a:endParaRPr lang="zh-CN" altLang="en-US"/>
           </a:p>
           <a:p>
             <a:pPr lvl="4"/>
@@ -2461,6 +3502,7 @@
               <a:rPr lang="zh-CN" altLang="en-US"/>
               <a:t>第五级</a:t>
             </a:r>
+            <a:endParaRPr lang="zh-CN" altLang="en-US"/>
           </a:p>
         </p:txBody>
       </p:sp>
@@ -2499,7 +3541,6 @@
           <a:p>
             <a:fld id="{5DBE7A26-477D-4F8F-B01B-26D7E3F64A21}" type="datetimeFigureOut">
               <a:rPr lang="zh-CN" altLang="en-US" smtClean="0"/>
-              <a:t>2025/9/30</a:t>
             </a:fld>
             <a:endParaRPr lang="zh-CN" altLang="en-US"/>
           </a:p>
@@ -2577,7 +3618,6 @@
           <a:p>
             <a:fld id="{3091BE82-848D-4D9F-B8E6-BC3B544687F8}" type="slidenum">
               <a:rPr lang="zh-CN" altLang="en-US" smtClean="0"/>
-              <a:t>‹#›</a:t>
             </a:fld>
             <a:endParaRPr lang="zh-CN" altLang="en-US"/>
           </a:p>
@@ -2911,20 +3951,26 @@
         </p:nvSpPr>
         <p:spPr>
           <a:xfrm>
-            <a:off x="503068" y="0"/>
-            <a:ext cx="5036598" cy="870011"/>
+            <a:off x="726440" y="283845"/>
+            <a:ext cx="4173220" cy="510540"/>
           </a:xfrm>
         </p:spPr>
         <p:txBody>
           <a:bodyPr>
-            <a:normAutofit fontScale="90000"/>
+            <a:normAutofit/>
           </a:bodyPr>
           <a:lstStyle/>
           <a:p>
-            <a:r>
-              <a:rPr lang="zh-CN" altLang="en-US" sz="4400" dirty="0"/>
-              <a:t>大语言模型性格微调</a:t>
-            </a:r>
+            <a:pPr algn="l"/>
+            <a:r>
+              <a:rPr lang="zh-CN" altLang="en-US" sz="2800" dirty="0"/>
+              <a:t>大模型性格</a:t>
+            </a:r>
+            <a:r>
+              <a:rPr lang="zh-CN" altLang="en-US" sz="2800" dirty="0"/>
+              <a:t>调控</a:t>
+            </a:r>
+            <a:endParaRPr lang="zh-CN" altLang="en-US" sz="2800" dirty="0"/>
           </a:p>
         </p:txBody>
       </p:sp>
@@ -2940,17 +3986,21 @@
         </p:nvSpPr>
         <p:spPr>
           <a:xfrm>
-            <a:off x="742765" y="1087523"/>
-            <a:ext cx="9475433" cy="5695016"/>
+            <a:off x="726440" y="870585"/>
+            <a:ext cx="9827260" cy="5836920"/>
           </a:xfrm>
         </p:spPr>
         <p:txBody>
           <a:bodyPr>
-            <a:normAutofit lnSpcReduction="10000"/>
+            <a:normAutofit fontScale="80000"/>
           </a:bodyPr>
           <a:lstStyle/>
           <a:p>
-            <a:pPr algn="l"/>
+            <a:pPr algn="l">
+              <a:lnSpc>
+                <a:spcPct val="150000"/>
+              </a:lnSpc>
+            </a:pPr>
             <a:r>
               <a:rPr lang="zh-CN" altLang="en-US" dirty="0"/>
               <a:t>性格评估框架：</a:t>
@@ -2960,6 +4010,96 @@
               <a:t>MBTI</a:t>
             </a:r>
             <a:endParaRPr lang="en-US" altLang="zh-CN" sz="1900" dirty="0"/>
+          </a:p>
+          <a:p>
+            <a:pPr marL="342900" indent="-342900" algn="l">
+              <a:lnSpc>
+                <a:spcPct val="150000"/>
+              </a:lnSpc>
+              <a:buFont typeface="Arial" panose="020B0604020202090204" pitchFamily="34" charset="0"/>
+              <a:buChar char="•"/>
+            </a:pPr>
+            <a:r>
+              <a:rPr lang="zh-CN" altLang="en-US" sz="1900" dirty="0"/>
+              <a:t>框架特点：有四个评价维度，每个维度都是二元的，天然适配</a:t>
+            </a:r>
+            <a:r>
+              <a:rPr lang="en-US" altLang="zh-CN" sz="1900" dirty="0"/>
+              <a:t>DPO</a:t>
+            </a:r>
+            <a:r>
+              <a:rPr lang="zh-CN" altLang="en-US" sz="1900" dirty="0"/>
+              <a:t>。</a:t>
+            </a:r>
+            <a:endParaRPr lang="en-US" altLang="zh-CN" sz="1900" dirty="0"/>
+          </a:p>
+          <a:p>
+            <a:pPr marL="342900" indent="-342900" algn="l">
+              <a:lnSpc>
+                <a:spcPct val="150000"/>
+              </a:lnSpc>
+              <a:buFont typeface="Arial" panose="020B0604020202090204" pitchFamily="34" charset="0"/>
+              <a:buChar char="•"/>
+            </a:pPr>
+            <a:r>
+              <a:rPr lang="zh-CN" altLang="en-US" sz="1900" dirty="0"/>
+              <a:t>微调维度：</a:t>
+            </a:r>
+            <a:r>
+              <a:rPr lang="en-US" altLang="zh-CN" sz="1900" dirty="0"/>
+              <a:t>Decision</a:t>
+            </a:r>
+            <a:r>
+              <a:rPr lang="zh-CN" altLang="en-US" sz="1900" dirty="0"/>
+              <a:t>维度，包含</a:t>
+            </a:r>
+            <a:r>
+              <a:rPr lang="en-US" altLang="zh-CN" sz="1900" dirty="0"/>
+              <a:t>Thinking</a:t>
+            </a:r>
+            <a:r>
+              <a:rPr lang="zh-CN" altLang="en-US" sz="1900" dirty="0"/>
+              <a:t>和</a:t>
+            </a:r>
+            <a:r>
+              <a:rPr lang="en-US" altLang="zh-CN" sz="1900" dirty="0"/>
+              <a:t>Feeling</a:t>
+            </a:r>
+            <a:r>
+              <a:rPr lang="zh-CN" altLang="en-US" sz="1900" dirty="0"/>
+              <a:t>两种模式。</a:t>
+            </a:r>
+            <a:endParaRPr lang="en-US" altLang="zh-CN" dirty="0"/>
+          </a:p>
+          <a:p>
+            <a:pPr algn="l"/>
+            <a:endParaRPr lang="en-US" altLang="zh-CN" dirty="0"/>
+          </a:p>
+          <a:p>
+            <a:pPr algn="l"/>
+            <a:r>
+              <a:rPr lang="zh-CN" altLang="en-US" dirty="0"/>
+              <a:t>微调方法：</a:t>
+            </a:r>
+            <a:r>
+              <a:rPr lang="en-US" altLang="zh-CN" dirty="0"/>
+              <a:t>DPO (Direct Preference Optimasation)</a:t>
+            </a:r>
+            <a:endParaRPr lang="en-US" altLang="zh-CN" sz="1900" dirty="0"/>
+          </a:p>
+          <a:p>
+            <a:pPr marL="342900" indent="-342900" algn="l">
+              <a:lnSpc>
+                <a:spcPct val="150000"/>
+              </a:lnSpc>
+              <a:buFont typeface="Arial" panose="020B0604020202090204" pitchFamily="34" charset="0"/>
+              <a:buChar char="•"/>
+            </a:pPr>
+            <a:r>
+              <a:rPr lang="zh-CN" altLang="en-US" sz="2000" dirty="0"/>
+              <a:t>方法特点：直接基于偏好对比数据（preferred vs. dispreferred），使模型输出更符合目标偏好。无需奖励模型，训练稳定简单。</a:t>
+            </a:r>
+            <a:endParaRPr lang="zh-CN" altLang="en-US" sz="2000" dirty="0"/>
           </a:p>
           <a:p>
             <a:pPr marL="342900" indent="-342900" algn="l">
@@ -2968,17 +4108,45 @@
             </a:pPr>
             <a:r>
               <a:rPr lang="zh-CN" altLang="en-US" sz="1900" dirty="0"/>
-              <a:t>框架特点：有四个评价维度，每个维度都是二元的，天然适配</a:t>
+              <a:t>主要参数：</a:t>
             </a:r>
             <a:r>
               <a:rPr lang="en-US" altLang="zh-CN" sz="1900" dirty="0"/>
-              <a:t>DPO</a:t>
+              <a:t>β = 1.0</a:t>
             </a:r>
             <a:r>
               <a:rPr lang="zh-CN" altLang="en-US" sz="1900" dirty="0"/>
-              <a:t>。</a:t>
-            </a:r>
-            <a:endParaRPr lang="en-US" altLang="zh-CN" sz="1900" dirty="0"/>
+              <a:t>（</a:t>
+            </a:r>
+            <a:r>
+              <a:rPr lang="en-US" altLang="en-US" sz="1900" dirty="0"/>
+              <a:t>β </a:t>
+            </a:r>
+            <a:r>
+              <a:rPr lang="zh-CN" altLang="en-US" sz="1900" dirty="0"/>
+              <a:t>是</a:t>
+            </a:r>
+            <a:r>
+              <a:rPr lang="en-US" altLang="en-US" sz="1900" dirty="0"/>
+              <a:t> DPO </a:t>
+            </a:r>
+            <a:r>
+              <a:rPr lang="zh-CN" altLang="en-US" sz="1900" dirty="0"/>
+              <a:t>的偏好放大系数）</a:t>
+            </a:r>
+            <a:endParaRPr lang="en-US" altLang="zh-CN" dirty="0"/>
+          </a:p>
+          <a:p>
+            <a:pPr algn="l"/>
+            <a:endParaRPr lang="en-US" altLang="zh-CN" dirty="0"/>
+          </a:p>
+          <a:p>
+            <a:pPr algn="l"/>
+            <a:r>
+              <a:rPr lang="zh-CN" altLang="en-US" dirty="0"/>
+              <a:t>实验设置</a:t>
+            </a:r>
+            <a:endParaRPr lang="en-US" altLang="zh-CN" dirty="0"/>
           </a:p>
           <a:p>
             <a:pPr marL="342900" indent="-342900" algn="l">
@@ -2986,48 +4154,20 @@
               <a:buChar char="•"/>
             </a:pPr>
             <a:r>
+              <a:rPr lang="en-US" altLang="zh-CN" sz="1900" dirty="0"/>
+              <a:t>Base</a:t>
+            </a:r>
+            <a:r>
               <a:rPr lang="zh-CN" altLang="en-US" sz="1900" dirty="0"/>
-              <a:t>微调维度：</a:t>
+              <a:t>模型：</a:t>
+            </a:r>
+            <a:r>
+              <a:rPr lang="en-US" altLang="zh-CN" sz="1900" dirty="0" err="1"/>
+              <a:t>LLaMA</a:t>
             </a:r>
             <a:r>
               <a:rPr lang="en-US" altLang="zh-CN" sz="1900" dirty="0"/>
-              <a:t>Decision</a:t>
-            </a:r>
-            <a:r>
-              <a:rPr lang="zh-CN" altLang="en-US" sz="1900" dirty="0"/>
-              <a:t>维度，包含</a:t>
-            </a:r>
-            <a:r>
-              <a:rPr lang="en-US" altLang="zh-CN" sz="1900" dirty="0"/>
-              <a:t>Thinking</a:t>
-            </a:r>
-            <a:r>
-              <a:rPr lang="zh-CN" altLang="en-US" sz="1900" dirty="0"/>
-              <a:t>和</a:t>
-            </a:r>
-            <a:r>
-              <a:rPr lang="en-US" altLang="zh-CN" sz="1900" dirty="0"/>
-              <a:t>Feeling</a:t>
-            </a:r>
-            <a:r>
-              <a:rPr lang="zh-CN" altLang="en-US" sz="1900" dirty="0"/>
-              <a:t>两种模式。</a:t>
-            </a:r>
-            <a:endParaRPr lang="en-US" altLang="zh-CN" dirty="0"/>
-          </a:p>
-          <a:p>
-            <a:pPr algn="l"/>
-            <a:endParaRPr lang="en-US" altLang="zh-CN" dirty="0"/>
-          </a:p>
-          <a:p>
-            <a:pPr algn="l"/>
-            <a:r>
-              <a:rPr lang="zh-CN" altLang="en-US" dirty="0"/>
-              <a:t>微调方法：</a:t>
-            </a:r>
-            <a:r>
-              <a:rPr lang="en-US" altLang="zh-CN" dirty="0"/>
-              <a:t>DPO</a:t>
+              <a:t> 3.2B-Instruct</a:t>
             </a:r>
             <a:endParaRPr lang="en-US" altLang="zh-CN" sz="1900" dirty="0"/>
           </a:p>
@@ -3037,16 +4177,32 @@
               <a:buChar char="•"/>
             </a:pPr>
             <a:r>
-              <a:rPr lang="zh-CN" altLang="en-US" sz="2000" dirty="0"/>
-              <a:t>方法特点：</a:t>
-            </a:r>
-            <a:r>
-              <a:rPr lang="zh-CN" altLang="en-US" sz="2000" b="1" dirty="0"/>
-              <a:t>直接基于偏好数据对齐，训练稳定且可控性强，适配</a:t>
-            </a:r>
-            <a:r>
-              <a:rPr lang="en-US" altLang="zh-CN" sz="2000" b="1" dirty="0"/>
-              <a:t>MBTI</a:t>
+              <a:rPr lang="zh-CN" altLang="en-US" sz="1900" dirty="0"/>
+              <a:t>参数高效化：</a:t>
+            </a:r>
+            <a:r>
+              <a:rPr lang="en-US" altLang="zh-CN" sz="1900" dirty="0" err="1"/>
+              <a:t>LoRA</a:t>
+            </a:r>
+            <a:r>
+              <a:rPr lang="en-US" altLang="zh-CN" sz="1900" dirty="0"/>
+              <a:t> (r=32, </a:t>
+            </a:r>
+            <a:r>
+              <a:rPr lang="el-GR" altLang="zh-CN" sz="1900" dirty="0"/>
+              <a:t>α=64, </a:t>
+            </a:r>
+            <a:r>
+              <a:rPr lang="en-US" altLang="zh-CN" sz="1900" dirty="0"/>
+              <a:t>dropout=0.1)</a:t>
+            </a:r>
+            <a:r>
+              <a:rPr lang="zh-CN" altLang="en-US" sz="1900" dirty="0"/>
+              <a:t>，目标层覆盖 </a:t>
+            </a:r>
+            <a:r>
+              <a:rPr lang="en-US" altLang="zh-CN" sz="1900" dirty="0"/>
+              <a:t>Attention &amp; MLP</a:t>
             </a:r>
             <a:endParaRPr lang="en-US" altLang="zh-CN" sz="1900" dirty="0"/>
           </a:p>
@@ -3057,45 +4213,37 @@
             </a:pPr>
             <a:r>
               <a:rPr lang="zh-CN" altLang="en-US" sz="1900" dirty="0"/>
-              <a:t>主要参数：</a:t>
+              <a:t>训练策略：</a:t>
             </a:r>
             <a:r>
               <a:rPr lang="en-US" altLang="zh-CN" sz="1900" dirty="0"/>
-              <a:t>β = 1.0</a:t>
+              <a:t>Batch = 16 × </a:t>
             </a:r>
             <a:r>
               <a:rPr lang="zh-CN" altLang="en-US" sz="1900" dirty="0"/>
-              <a:t>（</a:t>
-            </a:r>
-            <a:r>
-              <a:rPr lang="en-US" altLang="en-US" sz="1900" dirty="0"/>
-              <a:t>β </a:t>
+              <a:t>累积 </a:t>
+            </a:r>
+            <a:r>
+              <a:rPr lang="en-US" altLang="zh-CN" sz="1900" dirty="0"/>
+              <a:t>2 → </a:t>
             </a:r>
             <a:r>
               <a:rPr lang="zh-CN" altLang="en-US" sz="1900" dirty="0"/>
-              <a:t>是</a:t>
-            </a:r>
-            <a:r>
-              <a:rPr lang="en-US" altLang="en-US" sz="1900" dirty="0"/>
-              <a:t> DPO </a:t>
+              <a:t>有效 </a:t>
+            </a:r>
+            <a:r>
+              <a:rPr lang="en-US" altLang="zh-CN" sz="1900" dirty="0"/>
+              <a:t>32</a:t>
             </a:r>
             <a:r>
               <a:rPr lang="zh-CN" altLang="en-US" sz="1900" dirty="0"/>
-              <a:t>的偏好放大系数）</a:t>
-            </a:r>
-            <a:endParaRPr lang="en-US" altLang="zh-CN" dirty="0"/>
-          </a:p>
-          <a:p>
-            <a:pPr algn="l"/>
-            <a:endParaRPr lang="en-US" altLang="zh-CN" dirty="0"/>
-          </a:p>
-          <a:p>
-            <a:pPr algn="l"/>
-            <a:r>
-              <a:rPr lang="zh-CN" altLang="en-US" dirty="0"/>
-              <a:t>实验设置</a:t>
-            </a:r>
-            <a:endParaRPr lang="en-US" altLang="zh-CN" dirty="0"/>
+              <a:t>；</a:t>
+            </a:r>
+            <a:r>
+              <a:rPr lang="en-US" altLang="zh-CN" sz="1900" dirty="0"/>
+              <a:t> Epoch = 4，LR = 2e-5</a:t>
+            </a:r>
+            <a:endParaRPr lang="en-US" altLang="zh-CN" sz="1900" dirty="0"/>
           </a:p>
           <a:p>
             <a:pPr marL="342900" indent="-342900" algn="l">
@@ -3103,152 +4251,48 @@
               <a:buChar char="•"/>
             </a:pPr>
             <a:r>
-              <a:rPr lang="en-US" altLang="zh-CN" sz="1900" dirty="0"/>
-              <a:t>Base</a:t>
-            </a:r>
-            <a:r>
-              <a:rPr lang="zh-CN" altLang="en-US" sz="1900" dirty="0"/>
-              <a:t>模型：</a:t>
-            </a:r>
-            <a:r>
-              <a:rPr lang="en-US" altLang="zh-CN" sz="1900" dirty="0" err="1"/>
-              <a:t>LLaMA</a:t>
-            </a:r>
-            <a:r>
-              <a:rPr lang="en-US" altLang="zh-CN" sz="1900" dirty="0"/>
-              <a:t> 3.2B-Instruct</a:t>
-            </a:r>
-          </a:p>
-          <a:p>
-            <a:pPr marL="342900" indent="-342900" algn="l">
-              <a:buFont typeface="Arial" panose="020B0604020202090204" pitchFamily="34" charset="0"/>
-              <a:buChar char="•"/>
-            </a:pPr>
-            <a:r>
-              <a:rPr lang="zh-CN" altLang="en-US" sz="1900" dirty="0"/>
-              <a:t>参数高效化：</a:t>
-            </a:r>
-            <a:r>
-              <a:rPr lang="en-US" altLang="zh-CN" sz="1900" dirty="0" err="1"/>
-              <a:t>LoRA</a:t>
-            </a:r>
-            <a:r>
-              <a:rPr lang="en-US" altLang="zh-CN" sz="1900" dirty="0"/>
-              <a:t> (r=32, </a:t>
-            </a:r>
-            <a:r>
-              <a:rPr lang="el-GR" altLang="zh-CN" sz="1900" dirty="0"/>
-              <a:t>α=64, </a:t>
-            </a:r>
-            <a:r>
-              <a:rPr lang="en-US" altLang="zh-CN" sz="1900" dirty="0"/>
-              <a:t>dropout=0.1)</a:t>
-            </a:r>
-            <a:r>
-              <a:rPr lang="zh-CN" altLang="en-US" sz="1900" dirty="0"/>
-              <a:t>，目标层覆盖 </a:t>
-            </a:r>
-            <a:r>
-              <a:rPr lang="en-US" altLang="zh-CN" sz="1900" dirty="0"/>
-              <a:t>Attention &amp; MLP</a:t>
-            </a:r>
-          </a:p>
-          <a:p>
-            <a:pPr marL="342900" indent="-342900" algn="l">
-              <a:buFont typeface="Arial" panose="020B0604020202090204" pitchFamily="34" charset="0"/>
-              <a:buChar char="•"/>
-            </a:pPr>
-            <a:r>
-              <a:rPr lang="zh-CN" altLang="en-US" sz="1900" dirty="0"/>
-              <a:t>训练策略：</a:t>
-            </a:r>
-            <a:r>
-              <a:rPr lang="en-US" altLang="zh-CN" sz="1900" dirty="0"/>
-              <a:t>Batch = 16 × </a:t>
-            </a:r>
-            <a:r>
-              <a:rPr lang="zh-CN" altLang="en-US" sz="1900" dirty="0"/>
-              <a:t>累积 </a:t>
-            </a:r>
-            <a:r>
-              <a:rPr lang="en-US" altLang="zh-CN" sz="1900" dirty="0"/>
-              <a:t>2 → </a:t>
-            </a:r>
-            <a:r>
-              <a:rPr lang="zh-CN" altLang="en-US" sz="1900" dirty="0"/>
-              <a:t>有效 </a:t>
-            </a:r>
-            <a:r>
-              <a:rPr lang="en-US" altLang="zh-CN" sz="1900" dirty="0"/>
-              <a:t>32</a:t>
-            </a:r>
-          </a:p>
-          <a:p>
-            <a:pPr marL="800100" lvl="1" indent="-342900" algn="l">
-              <a:buFont typeface="Arial" panose="020B0604020202090204" pitchFamily="34" charset="0"/>
-              <a:buChar char="•"/>
-            </a:pPr>
-            <a:r>
-              <a:rPr lang="en-US" altLang="zh-CN" sz="1500" dirty="0"/>
-              <a:t>Epoch = 4</a:t>
-            </a:r>
-            <a:r>
-              <a:rPr lang="zh-CN" altLang="en-US" sz="1500" dirty="0"/>
-              <a:t>，</a:t>
-            </a:r>
-            <a:r>
-              <a:rPr lang="en-US" altLang="zh-CN" sz="1500" dirty="0"/>
-              <a:t>LR = 2e-5</a:t>
-            </a:r>
-          </a:p>
-          <a:p>
-            <a:pPr marL="342900" indent="-342900" algn="l">
-              <a:buFont typeface="Arial" panose="020B0604020202090204" pitchFamily="34" charset="0"/>
-              <a:buChar char="•"/>
-            </a:pPr>
-            <a:r>
               <a:rPr lang="zh-CN" altLang="en-US" sz="1900" dirty="0"/>
               <a:t>数据来源：</a:t>
             </a:r>
             <a:r>
               <a:rPr lang="en-US" altLang="zh-CN" sz="1900" dirty="0">
-                <a:hlinkClick r:id="rId2"/>
+                <a:hlinkClick r:id="rId1"/>
               </a:rPr>
               <a:t>Cui, </a:t>
             </a:r>
             <a:r>
               <a:rPr lang="en-US" altLang="zh-CN" sz="1900" dirty="0" err="1">
-                <a:hlinkClick r:id="rId2"/>
+                <a:hlinkClick r:id="rId1"/>
               </a:rPr>
               <a:t>Jiaxi</a:t>
             </a:r>
             <a:r>
               <a:rPr lang="en-US" altLang="zh-CN" sz="1900" dirty="0">
-                <a:hlinkClick r:id="rId2"/>
+                <a:hlinkClick r:id="rId1"/>
               </a:rPr>
               <a:t>, et al. "Machine mindset: An </a:t>
             </a:r>
             <a:r>
               <a:rPr lang="en-US" altLang="zh-CN" sz="1900" dirty="0" err="1">
-                <a:hlinkClick r:id="rId2"/>
+                <a:hlinkClick r:id="rId1"/>
               </a:rPr>
               <a:t>mbti</a:t>
             </a:r>
             <a:r>
               <a:rPr lang="en-US" altLang="zh-CN" sz="1900" dirty="0">
-                <a:hlinkClick r:id="rId2"/>
+                <a:hlinkClick r:id="rId1"/>
               </a:rPr>
               <a:t> exploration of large language models." </a:t>
             </a:r>
             <a:r>
               <a:rPr lang="en-US" altLang="zh-CN" sz="1900" dirty="0" err="1">
-                <a:hlinkClick r:id="rId2"/>
+                <a:hlinkClick r:id="rId1"/>
               </a:rPr>
               <a:t>arXiv</a:t>
             </a:r>
             <a:r>
               <a:rPr lang="en-US" altLang="zh-CN" sz="1900" dirty="0">
-                <a:hlinkClick r:id="rId2"/>
+                <a:hlinkClick r:id="rId1"/>
               </a:rPr>
               <a:t> preprint arXiv:2312.12999 (2023).</a:t>
             </a:r>
@@ -3275,102 +4319,6 @@
           <a:p>
             <a:pPr algn="l"/>
             <a:endParaRPr lang="zh-CN" altLang="en-US" dirty="0"/>
-          </a:p>
-        </p:txBody>
-      </p:sp>
-      <p:sp>
-        <p:nvSpPr>
-          <p:cNvPr id="5" name="Rectangle 1"/>
-          <p:cNvSpPr>
-            <a:spLocks noChangeArrowheads="1"/>
-          </p:cNvSpPr>
-          <p:nvPr/>
-        </p:nvSpPr>
-        <p:spPr bwMode="auto">
-          <a:xfrm>
-            <a:off x="4010025" y="3163888"/>
-            <a:ext cx="12192000" cy="0"/>
-          </a:xfrm>
-          <a:prstGeom prst="rect">
-            <a:avLst/>
-          </a:prstGeom>
-          <a:noFill/>
-          <a:ln>
-            <a:noFill/>
-          </a:ln>
-          <a:effectLst/>
-          <a:extLst>
-            <a:ext uri="{909E8E84-426E-40DD-AFC4-6F175D3DCCD1}">
-              <a14:hiddenFill xmlns:a14="http://schemas.microsoft.com/office/drawing/2010/main">
-                <a:solidFill>
-                  <a:schemeClr val="accent1"/>
-                </a:solidFill>
-              </a14:hiddenFill>
-            </a:ext>
-            <a:ext uri="{91240B29-F687-4F45-9708-019B960494DF}">
-              <a14:hiddenLine xmlns:a14="http://schemas.microsoft.com/office/drawing/2010/main" w="9525">
-                <a:solidFill>
-                  <a:schemeClr val="tx1"/>
-                </a:solidFill>
-                <a:miter lim="800000"/>
-                <a:headEnd/>
-                <a:tailEnd/>
-              </a14:hiddenLine>
-            </a:ext>
-            <a:ext uri="{AF507438-7753-43E0-B8FC-AC1667EBCBE1}">
-              <a14:hiddenEffects xmlns:a14="http://schemas.microsoft.com/office/drawing/2010/main">
-                <a:effectLst>
-                  <a:outerShdw dist="35921" dir="2700000" algn="ctr" rotWithShape="0">
-                    <a:schemeClr val="bg2"/>
-                  </a:outerShdw>
-                </a:effectLst>
-              </a14:hiddenEffects>
-            </a:ext>
-          </a:extLst>
-        </p:spPr>
-        <p:txBody>
-          <a:bodyPr vert="horz" wrap="none" lIns="91440" tIns="45720" rIns="91440" bIns="45720" numCol="1" anchor="ctr" anchorCtr="0" compatLnSpc="1">
-            <a:spAutoFit/>
-          </a:bodyPr>
-          <a:lstStyle/>
-          <a:p>
-            <a:pPr marL="0" marR="0" lvl="0" indent="0" algn="l" defTabSz="914400" rtl="0" eaLnBrk="0" fontAlgn="base" latinLnBrk="0" hangingPunct="0">
-              <a:lnSpc>
-                <a:spcPct val="100000"/>
-              </a:lnSpc>
-              <a:spcBef>
-                <a:spcPct val="0"/>
-              </a:spcBef>
-              <a:spcAft>
-                <a:spcPct val="0"/>
-              </a:spcAft>
-              <a:buClrTx/>
-              <a:buSzTx/>
-              <a:buFontTx/>
-              <a:buNone/>
-            </a:pPr>
-            <a:br>
-              <a:rPr kumimoji="0" lang="zh-CN" altLang="zh-CN" sz="1800" b="0" i="0" u="none" strike="noStrike" cap="none" normalizeH="0" baseline="0">
-                <a:ln>
-                  <a:noFill/>
-                </a:ln>
-                <a:solidFill>
-                  <a:schemeClr val="tx1"/>
-                </a:solidFill>
-                <a:effectLst/>
-                <a:latin typeface="Arial" panose="020B0604020202090204" pitchFamily="34" charset="0"/>
-              </a:rPr>
-            </a:br>
-            <a:endParaRPr kumimoji="0" lang="zh-CN" altLang="zh-CN" sz="1800" b="0" i="0" u="none" strike="noStrike" cap="none" normalizeH="0" baseline="0">
-              <a:ln>
-                <a:noFill/>
-              </a:ln>
-              <a:solidFill>
-                <a:schemeClr val="tx1"/>
-              </a:solidFill>
-              <a:effectLst/>
-              <a:latin typeface="Arial" panose="020B0604020202090204" pitchFamily="34" charset="0"/>
-            </a:endParaRPr>
           </a:p>
         </p:txBody>
       </p:sp>
@@ -3433,13 +4381,7 @@
           <p:cNvGraphicFramePr>
             <a:graphicFrameLocks noGrp="1"/>
           </p:cNvGraphicFramePr>
-          <p:nvPr>
-            <p:extLst>
-              <p:ext uri="{D42A27DB-BD31-4B8C-83A1-F6EECF244321}">
-                <p14:modId xmlns:p14="http://schemas.microsoft.com/office/powerpoint/2010/main" val="2464759426"/>
-              </p:ext>
-            </p:extLst>
-          </p:nvPr>
+          <p:nvPr/>
         </p:nvGraphicFramePr>
         <p:xfrm>
           <a:off x="1050092" y="781235"/>
@@ -3452,62 +4394,14 @@
                 <a:tableStyleId>{2D5ABB26-0587-4C30-8999-92F81FD0307C}</a:tableStyleId>
               </a:tblPr>
               <a:tblGrid>
-                <a:gridCol w="1137282">
-                  <a:extLst>
-                    <a:ext uri="{9D8B030D-6E8A-4147-A177-3AD203B41FA5}">
-                      <a16:colId xmlns:a16="http://schemas.microsoft.com/office/drawing/2014/main" val="20000"/>
-                    </a:ext>
-                  </a:extLst>
-                </a:gridCol>
-                <a:gridCol w="1137282">
-                  <a:extLst>
-                    <a:ext uri="{9D8B030D-6E8A-4147-A177-3AD203B41FA5}">
-                      <a16:colId xmlns:a16="http://schemas.microsoft.com/office/drawing/2014/main" val="20001"/>
-                    </a:ext>
-                  </a:extLst>
-                </a:gridCol>
-                <a:gridCol w="1137282">
-                  <a:extLst>
-                    <a:ext uri="{9D8B030D-6E8A-4147-A177-3AD203B41FA5}">
-                      <a16:colId xmlns:a16="http://schemas.microsoft.com/office/drawing/2014/main" val="20002"/>
-                    </a:ext>
-                  </a:extLst>
-                </a:gridCol>
-                <a:gridCol w="1326303">
-                  <a:extLst>
-                    <a:ext uri="{9D8B030D-6E8A-4147-A177-3AD203B41FA5}">
-                      <a16:colId xmlns:a16="http://schemas.microsoft.com/office/drawing/2014/main" val="20003"/>
-                    </a:ext>
-                  </a:extLst>
-                </a:gridCol>
-                <a:gridCol w="948261">
-                  <a:extLst>
-                    <a:ext uri="{9D8B030D-6E8A-4147-A177-3AD203B41FA5}">
-                      <a16:colId xmlns:a16="http://schemas.microsoft.com/office/drawing/2014/main" val="20004"/>
-                    </a:ext>
-                  </a:extLst>
-                </a:gridCol>
-                <a:gridCol w="1137282">
-                  <a:extLst>
-                    <a:ext uri="{9D8B030D-6E8A-4147-A177-3AD203B41FA5}">
-                      <a16:colId xmlns:a16="http://schemas.microsoft.com/office/drawing/2014/main" val="20005"/>
-                    </a:ext>
-                  </a:extLst>
-                </a:gridCol>
-                <a:gridCol w="1137282">
-                  <a:extLst>
-                    <a:ext uri="{9D8B030D-6E8A-4147-A177-3AD203B41FA5}">
-                      <a16:colId xmlns:a16="http://schemas.microsoft.com/office/drawing/2014/main" val="20006"/>
-                    </a:ext>
-                  </a:extLst>
-                </a:gridCol>
-                <a:gridCol w="1137282">
-                  <a:extLst>
-                    <a:ext uri="{9D8B030D-6E8A-4147-A177-3AD203B41FA5}">
-                      <a16:colId xmlns:a16="http://schemas.microsoft.com/office/drawing/2014/main" val="20007"/>
-                    </a:ext>
-                  </a:extLst>
-                </a:gridCol>
+                <a:gridCol w="1137282"/>
+                <a:gridCol w="1137282"/>
+                <a:gridCol w="1137282"/>
+                <a:gridCol w="1326303"/>
+                <a:gridCol w="948261"/>
+                <a:gridCol w="1137282"/>
+                <a:gridCol w="1137282"/>
+                <a:gridCol w="1137282"/>
               </a:tblGrid>
               <a:tr h="316461">
                 <a:tc>
@@ -3519,6 +4413,7 @@
                         <a:rPr lang="en-US" sz="1600" dirty="0"/>
                         <a:t>dataset</a:t>
                       </a:r>
+                      <a:endParaRPr lang="en-US" sz="1600" dirty="0"/>
                     </a:p>
                   </a:txBody>
                   <a:tcPr marL="79115" marR="79115" marT="39558" marB="39558" anchor="ctr">
@@ -3569,6 +4464,7 @@
                         <a:rPr lang="en-US" sz="1600"/>
                         <a:t>class</a:t>
                       </a:r>
+                      <a:endParaRPr lang="en-US" sz="1600"/>
                     </a:p>
                   </a:txBody>
                   <a:tcPr marL="79115" marR="79115" marT="39558" marB="39558" anchor="ctr">
@@ -3623,6 +4519,7 @@
                         <a:rPr lang="en-US" altLang="zh-CN" sz="1600" dirty="0"/>
                         <a:t>First)</a:t>
                       </a:r>
+                      <a:endParaRPr lang="en-US" altLang="zh-CN" sz="1600" dirty="0"/>
                     </a:p>
                   </a:txBody>
                   <a:tcPr marL="79115" marR="79115" marT="39558" marB="39558" anchor="ctr">
@@ -3677,6 +4574,7 @@
                         <a:rPr lang="en-US" altLang="zh-CN" sz="1600" dirty="0"/>
                         <a:t>Second)</a:t>
                       </a:r>
+                      <a:endParaRPr lang="en-US" altLang="zh-CN" sz="1600" dirty="0"/>
                     </a:p>
                   </a:txBody>
                   <a:tcPr marL="79115" marR="79115" marT="39558" marB="39558" anchor="ctr">
@@ -3731,6 +4629,7 @@
                         <a:rPr lang="en-US" altLang="zh-CN" sz="1600" dirty="0"/>
                         <a:t>First)</a:t>
                       </a:r>
+                      <a:endParaRPr lang="en-US" altLang="zh-CN" sz="1600" dirty="0"/>
                     </a:p>
                   </a:txBody>
                   <a:tcPr marL="79115" marR="79115" marT="39558" marB="39558" anchor="ctr">
@@ -3785,6 +4684,7 @@
                         <a:rPr lang="en-US" altLang="zh-CN" sz="1600" dirty="0"/>
                         <a:t>Second)</a:t>
                       </a:r>
+                      <a:endParaRPr lang="en-US" altLang="zh-CN" sz="1600" dirty="0"/>
                     </a:p>
                   </a:txBody>
                   <a:tcPr marL="79115" marR="79115" marT="39558" marB="39558" anchor="ctr">
@@ -3839,6 +4739,7 @@
                         <a:rPr lang="en-US" altLang="zh-CN" sz="1600" dirty="0"/>
                         <a:t>First)</a:t>
                       </a:r>
+                      <a:endParaRPr lang="en-US" altLang="zh-CN" sz="1600" dirty="0"/>
                     </a:p>
                   </a:txBody>
                   <a:tcPr marL="79115" marR="79115" marT="39558" marB="39558" anchor="ctr">
@@ -3893,6 +4794,7 @@
                         <a:rPr lang="en-US" altLang="zh-CN" sz="1600" dirty="0"/>
                         <a:t>Second)</a:t>
                       </a:r>
+                      <a:endParaRPr lang="en-US" altLang="zh-CN" sz="1600" dirty="0"/>
                     </a:p>
                   </a:txBody>
                   <a:tcPr marL="79115" marR="79115" marT="39558" marB="39558" anchor="ctr">
@@ -3934,11 +4836,6 @@
                     </a:lnB>
                   </a:tcPr>
                 </a:tc>
-                <a:extLst>
-                  <a:ext uri="{0D108BD9-81ED-4DB2-BD59-A6C34878D82A}">
-                    <a16:rowId xmlns:a16="http://schemas.microsoft.com/office/drawing/2014/main" val="10000"/>
-                  </a:ext>
-                </a:extLst>
               </a:tr>
               <a:tr h="316461">
                 <a:tc>
@@ -3950,6 +4847,7 @@
                         <a:rPr lang="en-US" sz="1600"/>
                         <a:t>mental</a:t>
                       </a:r>
+                      <a:endParaRPr lang="en-US" sz="1600"/>
                     </a:p>
                   </a:txBody>
                   <a:tcPr marL="79115" marR="79115" marT="39558" marB="39558" anchor="ctr">
@@ -3973,6 +4871,7 @@
                         <a:rPr lang="en-US" sz="1600"/>
                         <a:t>depression</a:t>
                       </a:r>
+                      <a:endParaRPr lang="en-US" sz="1600"/>
                     </a:p>
                   </a:txBody>
                   <a:tcPr marL="79115" marR="79115" marT="39558" marB="39558" anchor="ctr">
@@ -3993,9 +4892,18 @@
                     <a:lstStyle/>
                     <a:p>
                       <a:r>
-                        <a:rPr lang="en-US" altLang="zh-CN" sz="1600" b="1" dirty="0"/>
+                        <a:rPr lang="en-US" altLang="zh-CN" sz="1600" b="1" dirty="0">
+                          <a:solidFill>
+                            <a:srgbClr val="FF0000"/>
+                          </a:solidFill>
+                        </a:rPr>
                         <a:t>0.70</a:t>
                       </a:r>
+                      <a:endParaRPr lang="en-US" altLang="zh-CN" sz="1600" b="1" dirty="0">
+                        <a:solidFill>
+                          <a:srgbClr val="FF0000"/>
+                        </a:solidFill>
+                      </a:endParaRPr>
                     </a:p>
                   </a:txBody>
                   <a:tcPr marL="79115" marR="79115" marT="39558" marB="39558" anchor="ctr">
@@ -4019,6 +4927,7 @@
                         <a:rPr lang="en-US" altLang="zh-CN" sz="1600" dirty="0"/>
                         <a:t>0.70</a:t>
                       </a:r>
+                      <a:endParaRPr lang="en-US" altLang="zh-CN" sz="1600" dirty="0"/>
                     </a:p>
                   </a:txBody>
                   <a:tcPr marL="79115" marR="79115" marT="39558" marB="39558" anchor="ctr">
@@ -4042,6 +4951,7 @@
                         <a:rPr lang="en-US" altLang="zh-CN" sz="1600"/>
                         <a:t>0.69</a:t>
                       </a:r>
+                      <a:endParaRPr lang="en-US" altLang="zh-CN" sz="1600"/>
                     </a:p>
                   </a:txBody>
                   <a:tcPr marL="79115" marR="79115" marT="39558" marB="39558" anchor="ctr">
@@ -4065,6 +4975,7 @@
                         <a:rPr lang="en-US" altLang="zh-CN" sz="1600"/>
                         <a:t>0.68</a:t>
                       </a:r>
+                      <a:endParaRPr lang="en-US" altLang="zh-CN" sz="1600"/>
                     </a:p>
                   </a:txBody>
                   <a:tcPr marL="79115" marR="79115" marT="39558" marB="39558" anchor="ctr">
@@ -4088,6 +4999,7 @@
                         <a:rPr lang="en-US" altLang="zh-CN" sz="1600"/>
                         <a:t>0.70</a:t>
                       </a:r>
+                      <a:endParaRPr lang="en-US" altLang="zh-CN" sz="1600"/>
                     </a:p>
                   </a:txBody>
                   <a:tcPr marL="79115" marR="79115" marT="39558" marB="39558" anchor="ctr">
@@ -4111,6 +5023,7 @@
                         <a:rPr lang="en-US" altLang="zh-CN" sz="1600"/>
                         <a:t>0.70</a:t>
                       </a:r>
+                      <a:endParaRPr lang="en-US" altLang="zh-CN" sz="1600"/>
                     </a:p>
                   </a:txBody>
                   <a:tcPr marL="79115" marR="79115" marT="39558" marB="39558" anchor="ctr">
@@ -4125,11 +5038,6 @@
                     </a:lnT>
                   </a:tcPr>
                 </a:tc>
-                <a:extLst>
-                  <a:ext uri="{0D108BD9-81ED-4DB2-BD59-A6C34878D82A}">
-                    <a16:rowId xmlns:a16="http://schemas.microsoft.com/office/drawing/2014/main" val="10001"/>
-                  </a:ext>
-                </a:extLst>
               </a:tr>
               <a:tr h="316461">
                 <a:tc>
@@ -4161,6 +5069,7 @@
                         <a:rPr lang="en-US" sz="1600"/>
                         <a:t>normal</a:t>
                       </a:r>
+                      <a:endParaRPr lang="en-US" sz="1600"/>
                     </a:p>
                   </a:txBody>
                   <a:tcPr marL="79115" marR="79115" marT="39558" marB="39558" anchor="ctr">
@@ -4181,9 +5090,18 @@
                     <a:lstStyle/>
                     <a:p>
                       <a:r>
-                        <a:rPr lang="en-US" altLang="zh-CN" sz="1600" b="1" dirty="0"/>
+                        <a:rPr lang="en-US" altLang="zh-CN" sz="1600" b="1" dirty="0">
+                          <a:solidFill>
+                            <a:srgbClr val="FF0000"/>
+                          </a:solidFill>
+                        </a:rPr>
                         <a:t>0.40</a:t>
                       </a:r>
+                      <a:endParaRPr lang="en-US" altLang="zh-CN" sz="1600" b="1" dirty="0">
+                        <a:solidFill>
+                          <a:srgbClr val="FF0000"/>
+                        </a:solidFill>
+                      </a:endParaRPr>
                     </a:p>
                   </a:txBody>
                   <a:tcPr marL="79115" marR="79115" marT="39558" marB="39558" anchor="ctr">
@@ -4207,6 +5125,7 @@
                         <a:rPr lang="en-US" altLang="zh-CN" sz="1600"/>
                         <a:t>0.38</a:t>
                       </a:r>
+                      <a:endParaRPr lang="en-US" altLang="zh-CN" sz="1600"/>
                     </a:p>
                   </a:txBody>
                   <a:tcPr marL="79115" marR="79115" marT="39558" marB="39558" anchor="ctr">
@@ -4230,6 +5149,7 @@
                         <a:rPr lang="en-US" altLang="zh-CN" sz="1600" dirty="0"/>
                         <a:t>0.33</a:t>
                       </a:r>
+                      <a:endParaRPr lang="en-US" altLang="zh-CN" sz="1600" dirty="0"/>
                     </a:p>
                   </a:txBody>
                   <a:tcPr marL="79115" marR="79115" marT="39558" marB="39558" anchor="ctr">
@@ -4253,6 +5173,7 @@
                         <a:rPr lang="en-US" altLang="zh-CN" sz="1600"/>
                         <a:t>0.25</a:t>
                       </a:r>
+                      <a:endParaRPr lang="en-US" altLang="zh-CN" sz="1600"/>
                     </a:p>
                   </a:txBody>
                   <a:tcPr marL="79115" marR="79115" marT="39558" marB="39558" anchor="ctr">
@@ -4276,6 +5197,7 @@
                         <a:rPr lang="en-US" altLang="zh-CN" sz="1600"/>
                         <a:t>0.39</a:t>
                       </a:r>
+                      <a:endParaRPr lang="en-US" altLang="zh-CN" sz="1600"/>
                     </a:p>
                   </a:txBody>
                   <a:tcPr marL="79115" marR="79115" marT="39558" marB="39558" anchor="ctr">
@@ -4299,6 +5221,7 @@
                         <a:rPr lang="en-US" altLang="zh-CN" sz="1600" dirty="0"/>
                         <a:t>0.39</a:t>
                       </a:r>
+                      <a:endParaRPr lang="en-US" altLang="zh-CN" sz="1600" dirty="0"/>
                     </a:p>
                   </a:txBody>
                   <a:tcPr marL="79115" marR="79115" marT="39558" marB="39558" anchor="ctr">
@@ -4313,11 +5236,6 @@
                     </a:lnB>
                   </a:tcPr>
                 </a:tc>
-                <a:extLst>
-                  <a:ext uri="{0D108BD9-81ED-4DB2-BD59-A6C34878D82A}">
-                    <a16:rowId xmlns:a16="http://schemas.microsoft.com/office/drawing/2014/main" val="10002"/>
-                  </a:ext>
-                </a:extLst>
               </a:tr>
               <a:tr h="316461">
                 <a:tc>
@@ -4329,6 +5247,7 @@
                         <a:rPr lang="en-US" sz="1600"/>
                         <a:t>news</a:t>
                       </a:r>
+                      <a:endParaRPr lang="en-US" sz="1600"/>
                     </a:p>
                   </a:txBody>
                   <a:tcPr marL="79115" marR="79115" marT="39558" marB="39558" anchor="ctr">
@@ -4352,6 +5271,7 @@
                         <a:rPr lang="en-US" sz="1600"/>
                         <a:t>bearish</a:t>
                       </a:r>
+                      <a:endParaRPr lang="en-US" sz="1600"/>
                     </a:p>
                   </a:txBody>
                   <a:tcPr marL="79115" marR="79115" marT="39558" marB="39558" anchor="ctr">
@@ -4375,6 +5295,7 @@
                         <a:rPr lang="en-US" altLang="zh-CN" sz="1600"/>
                         <a:t>0.64</a:t>
                       </a:r>
+                      <a:endParaRPr lang="en-US" altLang="zh-CN" sz="1600"/>
                     </a:p>
                   </a:txBody>
                   <a:tcPr marL="79115" marR="79115" marT="39558" marB="39558" anchor="ctr">
@@ -4398,6 +5319,7 @@
                         <a:rPr lang="en-US" altLang="zh-CN" sz="1600"/>
                         <a:t>0.57</a:t>
                       </a:r>
+                      <a:endParaRPr lang="en-US" altLang="zh-CN" sz="1600"/>
                     </a:p>
                   </a:txBody>
                   <a:tcPr marL="79115" marR="79115" marT="39558" marB="39558" anchor="ctr">
@@ -4421,6 +5343,7 @@
                         <a:rPr lang="en-US" altLang="zh-CN" sz="1600"/>
                         <a:t>0.64</a:t>
                       </a:r>
+                      <a:endParaRPr lang="en-US" altLang="zh-CN" sz="1600"/>
                     </a:p>
                   </a:txBody>
                   <a:tcPr marL="79115" marR="79115" marT="39558" marB="39558" anchor="ctr">
@@ -4444,6 +5367,7 @@
                         <a:rPr lang="en-US" altLang="zh-CN" sz="1600"/>
                         <a:t>0.56</a:t>
                       </a:r>
+                      <a:endParaRPr lang="en-US" altLang="zh-CN" sz="1600"/>
                     </a:p>
                   </a:txBody>
                   <a:tcPr marL="79115" marR="79115" marT="39558" marB="39558" anchor="ctr">
@@ -4464,7 +5388,11 @@
                     <a:lstStyle/>
                     <a:p>
                       <a:r>
-                        <a:rPr lang="en-US" altLang="zh-CN" sz="1600" b="1" dirty="0"/>
+                        <a:rPr lang="en-US" altLang="zh-CN" sz="1600" b="1" dirty="0">
+                          <a:solidFill>
+                            <a:srgbClr val="FF0000"/>
+                          </a:solidFill>
+                        </a:rPr>
                         <a:t>0.66</a:t>
                       </a:r>
                       <a:endParaRPr lang="en-US" altLang="zh-CN" sz="1600" b="1" dirty="0">
@@ -4495,6 +5423,7 @@
                         <a:rPr lang="en-US" altLang="zh-CN" sz="1600"/>
                         <a:t>0.60</a:t>
                       </a:r>
+                      <a:endParaRPr lang="en-US" altLang="zh-CN" sz="1600"/>
                     </a:p>
                   </a:txBody>
                   <a:tcPr marL="79115" marR="79115" marT="39558" marB="39558" anchor="ctr">
@@ -4509,11 +5438,6 @@
                     </a:lnT>
                   </a:tcPr>
                 </a:tc>
-                <a:extLst>
-                  <a:ext uri="{0D108BD9-81ED-4DB2-BD59-A6C34878D82A}">
-                    <a16:rowId xmlns:a16="http://schemas.microsoft.com/office/drawing/2014/main" val="10003"/>
-                  </a:ext>
-                </a:extLst>
               </a:tr>
               <a:tr h="316461">
                 <a:tc>
@@ -4535,6 +5459,7 @@
                         <a:rPr lang="en-US" sz="1600"/>
                         <a:t>bullish</a:t>
                       </a:r>
+                      <a:endParaRPr lang="en-US" sz="1600"/>
                     </a:p>
                   </a:txBody>
                   <a:tcPr marL="79115" marR="79115" marT="39558" marB="39558" anchor="ctr"/>
@@ -4548,6 +5473,7 @@
                         <a:rPr lang="en-US" altLang="zh-CN" sz="1600"/>
                         <a:t>0.57</a:t>
                       </a:r>
+                      <a:endParaRPr lang="en-US" altLang="zh-CN" sz="1600"/>
                     </a:p>
                   </a:txBody>
                   <a:tcPr marL="79115" marR="79115" marT="39558" marB="39558" anchor="ctr"/>
@@ -4561,6 +5487,7 @@
                         <a:rPr lang="en-US" altLang="zh-CN" sz="1600"/>
                         <a:t>0.59</a:t>
                       </a:r>
+                      <a:endParaRPr lang="en-US" altLang="zh-CN" sz="1600"/>
                     </a:p>
                   </a:txBody>
                   <a:tcPr marL="79115" marR="79115" marT="39558" marB="39558" anchor="ctr"/>
@@ -4574,6 +5501,7 @@
                         <a:rPr lang="en-US" altLang="zh-CN" sz="1600"/>
                         <a:t>0.55</a:t>
                       </a:r>
+                      <a:endParaRPr lang="en-US" altLang="zh-CN" sz="1600"/>
                     </a:p>
                   </a:txBody>
                   <a:tcPr marL="79115" marR="79115" marT="39558" marB="39558" anchor="ctr"/>
@@ -4587,6 +5515,7 @@
                         <a:rPr lang="en-US" altLang="zh-CN" sz="1600"/>
                         <a:t>0.56</a:t>
                       </a:r>
+                      <a:endParaRPr lang="en-US" altLang="zh-CN" sz="1600"/>
                     </a:p>
                   </a:txBody>
                   <a:tcPr marL="79115" marR="79115" marT="39558" marB="39558" anchor="ctr"/>
@@ -4600,6 +5529,7 @@
                         <a:rPr lang="en-US" altLang="zh-CN" sz="1600"/>
                         <a:t>0.62</a:t>
                       </a:r>
+                      <a:endParaRPr lang="en-US" altLang="zh-CN" sz="1600"/>
                     </a:p>
                   </a:txBody>
                   <a:tcPr marL="79115" marR="79115" marT="39558" marB="39558" anchor="ctr"/>
@@ -4610,7 +5540,11 @@
                     <a:lstStyle/>
                     <a:p>
                       <a:r>
-                        <a:rPr lang="en-US" altLang="zh-CN" sz="1600" b="1" dirty="0"/>
+                        <a:rPr lang="en-US" altLang="zh-CN" sz="1600" b="1" dirty="0">
+                          <a:solidFill>
+                            <a:srgbClr val="FF0000"/>
+                          </a:solidFill>
+                        </a:rPr>
                         <a:t>0.64</a:t>
                       </a:r>
                       <a:endParaRPr lang="en-US" altLang="zh-CN" sz="1600" b="1" dirty="0">
@@ -4622,11 +5556,6 @@
                   </a:txBody>
                   <a:tcPr marL="79115" marR="79115" marT="39558" marB="39558" anchor="ctr"/>
                 </a:tc>
-                <a:extLst>
-                  <a:ext uri="{0D108BD9-81ED-4DB2-BD59-A6C34878D82A}">
-                    <a16:rowId xmlns:a16="http://schemas.microsoft.com/office/drawing/2014/main" val="10004"/>
-                  </a:ext>
-                </a:extLst>
               </a:tr>
               <a:tr h="316461">
                 <a:tc>
@@ -4658,6 +5587,7 @@
                         <a:rPr lang="en-US" sz="1600"/>
                         <a:t>neutral</a:t>
                       </a:r>
+                      <a:endParaRPr lang="en-US" sz="1600"/>
                     </a:p>
                   </a:txBody>
                   <a:tcPr marL="79115" marR="79115" marT="39558" marB="39558" anchor="ctr">
@@ -4681,6 +5611,7 @@
                         <a:rPr lang="en-US" altLang="zh-CN" sz="1600"/>
                         <a:t>0.60</a:t>
                       </a:r>
+                      <a:endParaRPr lang="en-US" altLang="zh-CN" sz="1600"/>
                     </a:p>
                   </a:txBody>
                   <a:tcPr marL="79115" marR="79115" marT="39558" marB="39558" anchor="ctr">
@@ -4704,6 +5635,7 @@
                         <a:rPr lang="en-US" altLang="zh-CN" sz="1600"/>
                         <a:t>0.58</a:t>
                       </a:r>
+                      <a:endParaRPr lang="en-US" altLang="zh-CN" sz="1600"/>
                     </a:p>
                   </a:txBody>
                   <a:tcPr marL="79115" marR="79115" marT="39558" marB="39558" anchor="ctr">
@@ -4727,6 +5659,7 @@
                         <a:rPr lang="en-US" altLang="zh-CN" sz="1600"/>
                         <a:t>0.55</a:t>
                       </a:r>
+                      <a:endParaRPr lang="en-US" altLang="zh-CN" sz="1600"/>
                     </a:p>
                   </a:txBody>
                   <a:tcPr marL="79115" marR="79115" marT="39558" marB="39558" anchor="ctr">
@@ -4750,6 +5683,7 @@
                         <a:rPr lang="en-US" altLang="zh-CN" sz="1600"/>
                         <a:t>0.47</a:t>
                       </a:r>
+                      <a:endParaRPr lang="en-US" altLang="zh-CN" sz="1600"/>
                     </a:p>
                   </a:txBody>
                   <a:tcPr marL="79115" marR="79115" marT="39558" marB="39558" anchor="ctr">
@@ -4770,7 +5704,11 @@
                     <a:lstStyle/>
                     <a:p>
                       <a:r>
-                        <a:rPr lang="en-US" altLang="zh-CN" sz="1600" b="1" dirty="0"/>
+                        <a:rPr lang="en-US" altLang="zh-CN" sz="1600" b="1" dirty="0">
+                          <a:solidFill>
+                            <a:srgbClr val="FF0000"/>
+                          </a:solidFill>
+                        </a:rPr>
                         <a:t>0.70</a:t>
                       </a:r>
                       <a:endParaRPr lang="en-US" altLang="zh-CN" sz="1600" b="1" dirty="0">
@@ -4801,6 +5739,7 @@
                         <a:rPr lang="en-US" altLang="zh-CN" sz="1600" dirty="0"/>
                         <a:t>0.67</a:t>
                       </a:r>
+                      <a:endParaRPr lang="en-US" altLang="zh-CN" sz="1600" dirty="0"/>
                     </a:p>
                   </a:txBody>
                   <a:tcPr marL="79115" marR="79115" marT="39558" marB="39558" anchor="ctr">
@@ -4815,11 +5754,6 @@
                     </a:lnB>
                   </a:tcPr>
                 </a:tc>
-                <a:extLst>
-                  <a:ext uri="{0D108BD9-81ED-4DB2-BD59-A6C34878D82A}">
-                    <a16:rowId xmlns:a16="http://schemas.microsoft.com/office/drawing/2014/main" val="10005"/>
-                  </a:ext>
-                </a:extLst>
               </a:tr>
               <a:tr h="316461">
                 <a:tc>
@@ -4831,6 +5765,7 @@
                         <a:rPr lang="en-US" sz="1600"/>
                         <a:t>fiqasa</a:t>
                       </a:r>
+                      <a:endParaRPr lang="en-US" sz="1600"/>
                     </a:p>
                   </a:txBody>
                   <a:tcPr marL="79115" marR="79115" marT="39558" marB="39558" anchor="ctr">
@@ -4854,6 +5789,7 @@
                         <a:rPr lang="en-US" sz="1600"/>
                         <a:t>negative</a:t>
                       </a:r>
+                      <a:endParaRPr lang="en-US" sz="1600"/>
                     </a:p>
                   </a:txBody>
                   <a:tcPr marL="79115" marR="79115" marT="39558" marB="39558" anchor="ctr">
@@ -4877,6 +5813,7 @@
                         <a:rPr lang="en-US" altLang="zh-CN" sz="1600"/>
                         <a:t>0.69</a:t>
                       </a:r>
+                      <a:endParaRPr lang="en-US" altLang="zh-CN" sz="1600"/>
                     </a:p>
                   </a:txBody>
                   <a:tcPr marL="79115" marR="79115" marT="39558" marB="39558" anchor="ctr">
@@ -4900,6 +5837,7 @@
                         <a:rPr lang="en-US" altLang="zh-CN" sz="1600"/>
                         <a:t>0.70</a:t>
                       </a:r>
+                      <a:endParaRPr lang="en-US" altLang="zh-CN" sz="1600"/>
                     </a:p>
                   </a:txBody>
                   <a:tcPr marL="79115" marR="79115" marT="39558" marB="39558" anchor="ctr">
@@ -4923,6 +5861,7 @@
                         <a:rPr lang="en-US" altLang="zh-CN" sz="1600"/>
                         <a:t>0.74</a:t>
                       </a:r>
+                      <a:endParaRPr lang="en-US" altLang="zh-CN" sz="1600"/>
                     </a:p>
                   </a:txBody>
                   <a:tcPr marL="79115" marR="79115" marT="39558" marB="39558" anchor="ctr">
@@ -4943,7 +5882,11 @@
                     <a:lstStyle/>
                     <a:p>
                       <a:r>
-                        <a:rPr lang="en-US" altLang="zh-CN" sz="1600" b="1" dirty="0"/>
+                        <a:rPr lang="en-US" altLang="zh-CN" sz="1600" b="1" dirty="0">
+                          <a:solidFill>
+                            <a:srgbClr val="FF0000"/>
+                          </a:solidFill>
+                        </a:rPr>
                         <a:t>0.75</a:t>
                       </a:r>
                       <a:endParaRPr lang="en-US" altLang="zh-CN" sz="1600" b="1" dirty="0">
@@ -4974,6 +5917,7 @@
                         <a:rPr lang="en-US" altLang="zh-CN" sz="1600"/>
                         <a:t>0.69</a:t>
                       </a:r>
+                      <a:endParaRPr lang="en-US" altLang="zh-CN" sz="1600"/>
                     </a:p>
                   </a:txBody>
                   <a:tcPr marL="79115" marR="79115" marT="39558" marB="39558" anchor="ctr">
@@ -4997,6 +5941,7 @@
                         <a:rPr lang="en-US" altLang="zh-CN" sz="1600"/>
                         <a:t>0.65</a:t>
                       </a:r>
+                      <a:endParaRPr lang="en-US" altLang="zh-CN" sz="1600"/>
                     </a:p>
                   </a:txBody>
                   <a:tcPr marL="79115" marR="79115" marT="39558" marB="39558" anchor="ctr">
@@ -5011,11 +5956,6 @@
                     </a:lnT>
                   </a:tcPr>
                 </a:tc>
-                <a:extLst>
-                  <a:ext uri="{0D108BD9-81ED-4DB2-BD59-A6C34878D82A}">
-                    <a16:rowId xmlns:a16="http://schemas.microsoft.com/office/drawing/2014/main" val="10006"/>
-                  </a:ext>
-                </a:extLst>
               </a:tr>
               <a:tr h="316461">
                 <a:tc>
@@ -5037,6 +5977,7 @@
                         <a:rPr lang="en-US" sz="1600"/>
                         <a:t>neutral</a:t>
                       </a:r>
+                      <a:endParaRPr lang="en-US" sz="1600"/>
                     </a:p>
                   </a:txBody>
                   <a:tcPr marL="79115" marR="79115" marT="39558" marB="39558" anchor="ctr"/>
@@ -5050,6 +5991,7 @@
                         <a:rPr lang="en-US" altLang="zh-CN" sz="1600"/>
                         <a:t>0.21</a:t>
                       </a:r>
+                      <a:endParaRPr lang="en-US" altLang="zh-CN" sz="1600"/>
                     </a:p>
                   </a:txBody>
                   <a:tcPr marL="79115" marR="79115" marT="39558" marB="39558" anchor="ctr"/>
@@ -5063,6 +6005,7 @@
                         <a:rPr lang="en-US" altLang="zh-CN" sz="1600"/>
                         <a:t>0.20</a:t>
                       </a:r>
+                      <a:endParaRPr lang="en-US" altLang="zh-CN" sz="1600"/>
                     </a:p>
                   </a:txBody>
                   <a:tcPr marL="79115" marR="79115" marT="39558" marB="39558" anchor="ctr"/>
@@ -5073,7 +6016,11 @@
                     <a:lstStyle/>
                     <a:p>
                       <a:r>
-                        <a:rPr lang="en-US" altLang="zh-CN" sz="1600" b="1" dirty="0"/>
+                        <a:rPr lang="en-US" altLang="zh-CN" sz="1600" b="1" dirty="0">
+                          <a:solidFill>
+                            <a:srgbClr val="FF0000"/>
+                          </a:solidFill>
+                        </a:rPr>
                         <a:t>0.22</a:t>
                       </a:r>
                       <a:endParaRPr lang="en-US" altLang="zh-CN" sz="1600" b="1" dirty="0">
@@ -5094,6 +6041,7 @@
                         <a:rPr lang="en-US" altLang="zh-CN" sz="1600"/>
                         <a:t>0.20</a:t>
                       </a:r>
+                      <a:endParaRPr lang="en-US" altLang="zh-CN" sz="1600"/>
                     </a:p>
                   </a:txBody>
                   <a:tcPr marL="79115" marR="79115" marT="39558" marB="39558" anchor="ctr"/>
@@ -5107,6 +6055,7 @@
                         <a:rPr lang="en-US" altLang="zh-CN" sz="1600"/>
                         <a:t>0.18</a:t>
                       </a:r>
+                      <a:endParaRPr lang="en-US" altLang="zh-CN" sz="1600"/>
                     </a:p>
                   </a:txBody>
                   <a:tcPr marL="79115" marR="79115" marT="39558" marB="39558" anchor="ctr"/>
@@ -5120,15 +6069,11 @@
                         <a:rPr lang="en-US" altLang="zh-CN" sz="1600"/>
                         <a:t>0.19</a:t>
                       </a:r>
+                      <a:endParaRPr lang="en-US" altLang="zh-CN" sz="1600"/>
                     </a:p>
                   </a:txBody>
                   <a:tcPr marL="79115" marR="79115" marT="39558" marB="39558" anchor="ctr"/>
                 </a:tc>
-                <a:extLst>
-                  <a:ext uri="{0D108BD9-81ED-4DB2-BD59-A6C34878D82A}">
-                    <a16:rowId xmlns:a16="http://schemas.microsoft.com/office/drawing/2014/main" val="10007"/>
-                  </a:ext>
-                </a:extLst>
               </a:tr>
               <a:tr h="316461">
                 <a:tc>
@@ -5160,6 +6105,7 @@
                         <a:rPr lang="en-US" sz="1600"/>
                         <a:t>positive</a:t>
                       </a:r>
+                      <a:endParaRPr lang="en-US" sz="1600"/>
                     </a:p>
                   </a:txBody>
                   <a:tcPr marL="79115" marR="79115" marT="39558" marB="39558" anchor="ctr">
@@ -5183,6 +6129,7 @@
                         <a:rPr lang="en-US" altLang="zh-CN" sz="1600"/>
                         <a:t>0.48</a:t>
                       </a:r>
+                      <a:endParaRPr lang="en-US" altLang="zh-CN" sz="1600"/>
                     </a:p>
                   </a:txBody>
                   <a:tcPr marL="79115" marR="79115" marT="39558" marB="39558" anchor="ctr">
@@ -5206,6 +6153,7 @@
                         <a:rPr lang="en-US" altLang="zh-CN" sz="1600"/>
                         <a:t>0.47</a:t>
                       </a:r>
+                      <a:endParaRPr lang="en-US" altLang="zh-CN" sz="1600"/>
                     </a:p>
                   </a:txBody>
                   <a:tcPr marL="79115" marR="79115" marT="39558" marB="39558" anchor="ctr">
@@ -5229,6 +6177,7 @@
                         <a:rPr lang="en-US" altLang="zh-CN" sz="1600"/>
                         <a:t>0.70</a:t>
                       </a:r>
+                      <a:endParaRPr lang="en-US" altLang="zh-CN" sz="1600"/>
                     </a:p>
                   </a:txBody>
                   <a:tcPr marL="79115" marR="79115" marT="39558" marB="39558" anchor="ctr">
@@ -5249,7 +6198,11 @@
                     <a:lstStyle/>
                     <a:p>
                       <a:r>
-                        <a:rPr lang="en-US" altLang="zh-CN" sz="1600" b="1" dirty="0"/>
+                        <a:rPr lang="en-US" altLang="zh-CN" sz="1600" b="1" dirty="0">
+                          <a:solidFill>
+                            <a:srgbClr val="FF0000"/>
+                          </a:solidFill>
+                        </a:rPr>
                         <a:t>0.71</a:t>
                       </a:r>
                       <a:endParaRPr lang="en-US" altLang="zh-CN" sz="1600" b="1" dirty="0">
@@ -5280,6 +6233,7 @@
                         <a:rPr lang="en-US" altLang="zh-CN" sz="1600"/>
                         <a:t>0.26</a:t>
                       </a:r>
+                      <a:endParaRPr lang="en-US" altLang="zh-CN" sz="1600"/>
                     </a:p>
                   </a:txBody>
                   <a:tcPr marL="79115" marR="79115" marT="39558" marB="39558" anchor="ctr">
@@ -5303,6 +6257,7 @@
                         <a:rPr lang="en-US" altLang="zh-CN" sz="1600" dirty="0"/>
                         <a:t>0.37</a:t>
                       </a:r>
+                      <a:endParaRPr lang="en-US" altLang="zh-CN" sz="1600" dirty="0"/>
                     </a:p>
                   </a:txBody>
                   <a:tcPr marL="79115" marR="79115" marT="39558" marB="39558" anchor="ctr">
@@ -5317,11 +6272,6 @@
                     </a:lnB>
                   </a:tcPr>
                 </a:tc>
-                <a:extLst>
-                  <a:ext uri="{0D108BD9-81ED-4DB2-BD59-A6C34878D82A}">
-                    <a16:rowId xmlns:a16="http://schemas.microsoft.com/office/drawing/2014/main" val="10008"/>
-                  </a:ext>
-                </a:extLst>
               </a:tr>
               <a:tr h="484163">
                 <a:tc>
@@ -5360,6 +6310,7 @@
                         <a:rPr lang="en-US" sz="1600" dirty="0"/>
                         <a:t>negative</a:t>
                       </a:r>
+                      <a:endParaRPr lang="en-US" sz="1600" dirty="0"/>
                     </a:p>
                   </a:txBody>
                   <a:tcPr marL="79115" marR="79115" marT="39558" marB="39558" anchor="ctr">
@@ -5400,6 +6351,7 @@
                         <a:rPr lang="en-US" altLang="zh-CN" sz="1600"/>
                         <a:t>0.94</a:t>
                       </a:r>
+                      <a:endParaRPr lang="en-US" altLang="zh-CN" sz="1600"/>
                     </a:p>
                   </a:txBody>
                   <a:tcPr marL="79115" marR="79115" marT="39558" marB="39558" anchor="ctr">
@@ -5426,6 +6378,7 @@
                         <a:rPr lang="en-US" altLang="zh-CN" sz="1600"/>
                         <a:t>0.93</a:t>
                       </a:r>
+                      <a:endParaRPr lang="en-US" altLang="zh-CN" sz="1600"/>
                     </a:p>
                   </a:txBody>
                   <a:tcPr marL="79115" marR="79115" marT="39558" marB="39558" anchor="ctr">
@@ -5446,7 +6399,11 @@
                     <a:lstStyle/>
                     <a:p>
                       <a:r>
-                        <a:rPr lang="en-US" altLang="zh-CN" sz="1600" b="1" dirty="0"/>
+                        <a:rPr lang="en-US" altLang="zh-CN" sz="1600" b="1" dirty="0">
+                          <a:solidFill>
+                            <a:srgbClr val="FF0000"/>
+                          </a:solidFill>
+                        </a:rPr>
                         <a:t>0.94</a:t>
                       </a:r>
                       <a:endParaRPr lang="en-US" altLang="zh-CN" sz="1600" b="1" dirty="0">
@@ -5477,6 +6434,7 @@
                         <a:rPr lang="en-US" altLang="zh-CN" sz="1600"/>
                         <a:t>0.94</a:t>
                       </a:r>
+                      <a:endParaRPr lang="en-US" altLang="zh-CN" sz="1600"/>
                     </a:p>
                   </a:txBody>
                   <a:tcPr marL="79115" marR="79115" marT="39558" marB="39558" anchor="ctr">
@@ -5500,6 +6458,7 @@
                         <a:rPr lang="en-US" altLang="zh-CN" sz="1600"/>
                         <a:t>0.91</a:t>
                       </a:r>
+                      <a:endParaRPr lang="en-US" altLang="zh-CN" sz="1600"/>
                     </a:p>
                   </a:txBody>
                   <a:tcPr marL="79115" marR="79115" marT="39558" marB="39558" anchor="ctr">
@@ -5523,6 +6482,7 @@
                         <a:rPr lang="en-US" altLang="zh-CN" sz="1600" dirty="0"/>
                         <a:t>0.91</a:t>
                       </a:r>
+                      <a:endParaRPr lang="en-US" altLang="zh-CN" sz="1600" dirty="0"/>
                     </a:p>
                   </a:txBody>
                   <a:tcPr marL="79115" marR="79115" marT="39558" marB="39558" anchor="ctr">
@@ -5537,11 +6497,6 @@
                     </a:lnT>
                   </a:tcPr>
                 </a:tc>
-                <a:extLst>
-                  <a:ext uri="{0D108BD9-81ED-4DB2-BD59-A6C34878D82A}">
-                    <a16:rowId xmlns:a16="http://schemas.microsoft.com/office/drawing/2014/main" val="10009"/>
-                  </a:ext>
-                </a:extLst>
               </a:tr>
               <a:tr h="316461">
                 <a:tc>
@@ -5573,6 +6528,7 @@
                         <a:rPr lang="en-US" sz="1600"/>
                         <a:t>positive</a:t>
                       </a:r>
+                      <a:endParaRPr lang="en-US" sz="1600"/>
                     </a:p>
                   </a:txBody>
                   <a:tcPr marL="79115" marR="79115" marT="39558" marB="39558" anchor="ctr">
@@ -5599,6 +6555,7 @@
                         <a:rPr lang="en-US" altLang="zh-CN" sz="1600"/>
                         <a:t>0.93</a:t>
                       </a:r>
+                      <a:endParaRPr lang="en-US" altLang="zh-CN" sz="1600"/>
                     </a:p>
                   </a:txBody>
                   <a:tcPr marL="79115" marR="79115" marT="39558" marB="39558" anchor="ctr">
@@ -5622,6 +6579,7 @@
                         <a:rPr lang="en-US" altLang="zh-CN" sz="1600"/>
                         <a:t>0.93</a:t>
                       </a:r>
+                      <a:endParaRPr lang="en-US" altLang="zh-CN" sz="1600"/>
                     </a:p>
                   </a:txBody>
                   <a:tcPr marL="79115" marR="79115" marT="39558" marB="39558" anchor="ctr">
@@ -5644,11 +6602,16 @@
                       <a:r>
                         <a:rPr lang="en-US" altLang="zh-CN" sz="1600" b="1" dirty="0">
                           <a:solidFill>
-                            <a:schemeClr val="tx1"/>
+                            <a:srgbClr val="FF0000"/>
                           </a:solidFill>
                         </a:rPr>
                         <a:t>0.94</a:t>
                       </a:r>
+                      <a:endParaRPr lang="en-US" altLang="zh-CN" sz="1600" b="1" dirty="0">
+                        <a:solidFill>
+                          <a:srgbClr val="FF0000"/>
+                        </a:solidFill>
+                      </a:endParaRPr>
                     </a:p>
                   </a:txBody>
                   <a:tcPr marL="79115" marR="79115" marT="39558" marB="39558" anchor="ctr">
@@ -5672,6 +6635,7 @@
                         <a:rPr lang="en-US" altLang="zh-CN" sz="1600"/>
                         <a:t>0.93</a:t>
                       </a:r>
+                      <a:endParaRPr lang="en-US" altLang="zh-CN" sz="1600"/>
                     </a:p>
                   </a:txBody>
                   <a:tcPr marL="79115" marR="79115" marT="39558" marB="39558" anchor="ctr">
@@ -5695,6 +6659,7 @@
                         <a:rPr lang="en-US" altLang="zh-CN" sz="1600"/>
                         <a:t>0.89</a:t>
                       </a:r>
+                      <a:endParaRPr lang="en-US" altLang="zh-CN" sz="1600"/>
                     </a:p>
                   </a:txBody>
                   <a:tcPr marL="79115" marR="79115" marT="39558" marB="39558" anchor="ctr">
@@ -5718,6 +6683,7 @@
                         <a:rPr lang="en-US" altLang="zh-CN" sz="1600" dirty="0"/>
                         <a:t>0.90</a:t>
                       </a:r>
+                      <a:endParaRPr lang="en-US" altLang="zh-CN" sz="1600" dirty="0"/>
                     </a:p>
                   </a:txBody>
                   <a:tcPr marL="79115" marR="79115" marT="39558" marB="39558" anchor="ctr">
@@ -5732,11 +6698,6 @@
                     </a:lnB>
                   </a:tcPr>
                 </a:tc>
-                <a:extLst>
-                  <a:ext uri="{0D108BD9-81ED-4DB2-BD59-A6C34878D82A}">
-                    <a16:rowId xmlns:a16="http://schemas.microsoft.com/office/drawing/2014/main" val="10010"/>
-                  </a:ext>
-                </a:extLst>
               </a:tr>
               <a:tr h="316461">
                 <a:tc>
@@ -5748,6 +6709,7 @@
                         <a:rPr lang="en-US" sz="1600"/>
                         <a:t>sst2</a:t>
                       </a:r>
+                      <a:endParaRPr lang="en-US" sz="1600"/>
                     </a:p>
                   </a:txBody>
                   <a:tcPr marL="79115" marR="79115" marT="39558" marB="39558" anchor="ctr">
@@ -5771,6 +6733,7 @@
                         <a:rPr lang="en-US" sz="1600"/>
                         <a:t>negative</a:t>
                       </a:r>
+                      <a:endParaRPr lang="en-US" sz="1600"/>
                     </a:p>
                   </a:txBody>
                   <a:tcPr marL="79115" marR="79115" marT="39558" marB="39558" anchor="ctr">
@@ -5794,6 +6757,7 @@
                         <a:rPr lang="en-US" altLang="zh-CN" sz="1600"/>
                         <a:t>0.86</a:t>
                       </a:r>
+                      <a:endParaRPr lang="en-US" altLang="zh-CN" sz="1600"/>
                     </a:p>
                   </a:txBody>
                   <a:tcPr marL="79115" marR="79115" marT="39558" marB="39558" anchor="ctr">
@@ -5817,6 +6781,7 @@
                         <a:rPr lang="en-US" altLang="zh-CN" sz="1600"/>
                         <a:t>0.87</a:t>
                       </a:r>
+                      <a:endParaRPr lang="en-US" altLang="zh-CN" sz="1600"/>
                     </a:p>
                   </a:txBody>
                   <a:tcPr marL="79115" marR="79115" marT="39558" marB="39558" anchor="ctr">
@@ -5837,7 +6802,11 @@
                     <a:lstStyle/>
                     <a:p>
                       <a:r>
-                        <a:rPr lang="en-US" altLang="zh-CN" sz="1600" b="1" dirty="0"/>
+                        <a:rPr lang="en-US" altLang="zh-CN" sz="1600" b="1" dirty="0">
+                          <a:solidFill>
+                            <a:srgbClr val="FF0000"/>
+                          </a:solidFill>
+                        </a:rPr>
                         <a:t>0.89</a:t>
                       </a:r>
                       <a:endParaRPr lang="en-US" altLang="zh-CN" sz="1600" b="1" dirty="0">
@@ -5868,6 +6837,7 @@
                         <a:rPr lang="en-US" altLang="zh-CN" sz="1600"/>
                         <a:t>0.89</a:t>
                       </a:r>
+                      <a:endParaRPr lang="en-US" altLang="zh-CN" sz="1600"/>
                     </a:p>
                   </a:txBody>
                   <a:tcPr marL="79115" marR="79115" marT="39558" marB="39558" anchor="ctr">
@@ -5891,6 +6861,7 @@
                         <a:rPr lang="en-US" altLang="zh-CN" sz="1600"/>
                         <a:t>0.82</a:t>
                       </a:r>
+                      <a:endParaRPr lang="en-US" altLang="zh-CN" sz="1600"/>
                     </a:p>
                   </a:txBody>
                   <a:tcPr marL="79115" marR="79115" marT="39558" marB="39558" anchor="ctr">
@@ -5914,6 +6885,7 @@
                         <a:rPr lang="en-US" altLang="zh-CN" sz="1600"/>
                         <a:t>0.82</a:t>
                       </a:r>
+                      <a:endParaRPr lang="en-US" altLang="zh-CN" sz="1600"/>
                     </a:p>
                   </a:txBody>
                   <a:tcPr marL="79115" marR="79115" marT="39558" marB="39558" anchor="ctr">
@@ -5928,11 +6900,6 @@
                     </a:lnT>
                   </a:tcPr>
                 </a:tc>
-                <a:extLst>
-                  <a:ext uri="{0D108BD9-81ED-4DB2-BD59-A6C34878D82A}">
-                    <a16:rowId xmlns:a16="http://schemas.microsoft.com/office/drawing/2014/main" val="10011"/>
-                  </a:ext>
-                </a:extLst>
               </a:tr>
               <a:tr h="316461">
                 <a:tc>
@@ -5954,6 +6921,7 @@
                         <a:rPr lang="en-US" sz="1600"/>
                         <a:t>positive</a:t>
                       </a:r>
+                      <a:endParaRPr lang="en-US" sz="1600"/>
                     </a:p>
                   </a:txBody>
                   <a:tcPr marL="79115" marR="79115" marT="39558" marB="39558" anchor="ctr"/>
@@ -5967,6 +6935,7 @@
                         <a:rPr lang="en-US" altLang="zh-CN" sz="1600"/>
                         <a:t>0.85</a:t>
                       </a:r>
+                      <a:endParaRPr lang="en-US" altLang="zh-CN" sz="1600"/>
                     </a:p>
                   </a:txBody>
                   <a:tcPr marL="79115" marR="79115" marT="39558" marB="39558" anchor="ctr"/>
@@ -5980,6 +6949,7 @@
                         <a:rPr lang="en-US" altLang="zh-CN" sz="1600" dirty="0"/>
                         <a:t>0.85</a:t>
                       </a:r>
+                      <a:endParaRPr lang="en-US" altLang="zh-CN" sz="1600" dirty="0"/>
                     </a:p>
                   </a:txBody>
                   <a:tcPr marL="79115" marR="79115" marT="39558" marB="39558" anchor="ctr"/>
@@ -5990,7 +6960,11 @@
                     <a:lstStyle/>
                     <a:p>
                       <a:r>
-                        <a:rPr lang="en-US" altLang="zh-CN" sz="1600" b="1" dirty="0"/>
+                        <a:rPr lang="en-US" altLang="zh-CN" sz="1600" b="1" dirty="0">
+                          <a:solidFill>
+                            <a:srgbClr val="FF0000"/>
+                          </a:solidFill>
+                        </a:rPr>
                         <a:t>0.90</a:t>
                       </a:r>
                       <a:endParaRPr lang="en-US" altLang="zh-CN" sz="1600" b="1" dirty="0">
@@ -6011,6 +6985,7 @@
                         <a:rPr lang="en-US" altLang="zh-CN" sz="1600"/>
                         <a:t>0.90</a:t>
                       </a:r>
+                      <a:endParaRPr lang="en-US" altLang="zh-CN" sz="1600"/>
                     </a:p>
                   </a:txBody>
                   <a:tcPr marL="79115" marR="79115" marT="39558" marB="39558" anchor="ctr"/>
@@ -6024,6 +6999,7 @@
                         <a:rPr lang="en-US" altLang="zh-CN" sz="1600"/>
                         <a:t>0.73</a:t>
                       </a:r>
+                      <a:endParaRPr lang="en-US" altLang="zh-CN" sz="1600"/>
                     </a:p>
                   </a:txBody>
                   <a:tcPr marL="79115" marR="79115" marT="39558" marB="39558" anchor="ctr"/>
@@ -6037,15 +7013,11 @@
                         <a:rPr lang="en-US" altLang="zh-CN" sz="1600" dirty="0"/>
                         <a:t>0.76</a:t>
                       </a:r>
+                      <a:endParaRPr lang="en-US" altLang="zh-CN" sz="1600" dirty="0"/>
                     </a:p>
                   </a:txBody>
                   <a:tcPr marL="79115" marR="79115" marT="39558" marB="39558" anchor="ctr"/>
                 </a:tc>
-                <a:extLst>
-                  <a:ext uri="{0D108BD9-81ED-4DB2-BD59-A6C34878D82A}">
-                    <a16:rowId xmlns:a16="http://schemas.microsoft.com/office/drawing/2014/main" val="10012"/>
-                  </a:ext>
-                </a:extLst>
               </a:tr>
             </a:tbl>
           </a:graphicData>
@@ -6119,7 +7091,7 @@
               </a:spcAft>
               <a:buClrTx/>
               <a:buSzTx/>
-              <a:buFont typeface="Arial" panose="020B0604020202020204" pitchFamily="34" charset="0"/>
+              <a:buFont typeface="Arial" panose="020B0604020202090204" pitchFamily="34" charset="0"/>
               <a:buChar char="•"/>
             </a:pPr>
             <a:r>
@@ -6269,7 +7241,7 @@
               </a:spcAft>
               <a:buClrTx/>
               <a:buSzTx/>
-              <a:buFont typeface="Arial" panose="020B0604020202020204" pitchFamily="34" charset="0"/>
+              <a:buFont typeface="Arial" panose="020B0604020202090204" pitchFamily="34" charset="0"/>
               <a:buChar char="•"/>
             </a:pPr>
             <a:r>
@@ -6367,7 +7339,7 @@
               </a:spcAft>
               <a:buClrTx/>
               <a:buSzTx/>
-              <a:buFont typeface="Arial" panose="020B0604020202020204" pitchFamily="34" charset="0"/>
+              <a:buFont typeface="Arial" panose="020B0604020202090204" pitchFamily="34" charset="0"/>
               <a:buChar char="•"/>
             </a:pPr>
             <a:r>
@@ -6495,13 +7467,7 @@
       </p:grpSpPr>
       <p:sp>
         <p:nvSpPr>
-          <p:cNvPr id="4" name="标题 1">
-            <a:extLst>
-              <a:ext uri="{FF2B5EF4-FFF2-40B4-BE49-F238E27FC236}">
-                <a16:creationId xmlns:a16="http://schemas.microsoft.com/office/drawing/2014/main" id="{976AC34D-BA76-494E-8A8E-89ECA492EAD8}"/>
-              </a:ext>
-            </a:extLst>
-          </p:cNvPr>
+          <p:cNvPr id="4" name="标题 1"/>
           <p:cNvSpPr>
             <a:spLocks noGrp="1"/>
           </p:cNvSpPr>
@@ -6525,18 +7491,13 @@
               <a:rPr lang="zh-CN" altLang="en-US" sz="2800" dirty="0"/>
               <a:t>后续实验安排</a:t>
             </a:r>
+            <a:endParaRPr lang="zh-CN" altLang="en-US" sz="2800" dirty="0"/>
           </a:p>
         </p:txBody>
       </p:sp>
       <p:sp>
         <p:nvSpPr>
-          <p:cNvPr id="10" name="矩形 9">
-            <a:extLst>
-              <a:ext uri="{FF2B5EF4-FFF2-40B4-BE49-F238E27FC236}">
-                <a16:creationId xmlns:a16="http://schemas.microsoft.com/office/drawing/2014/main" id="{71E99DC7-9EA9-4926-A81F-1B33D80688D8}"/>
-              </a:ext>
-            </a:extLst>
-          </p:cNvPr>
+          <p:cNvPr id="10" name="矩形 9"/>
           <p:cNvSpPr/>
           <p:nvPr/>
         </p:nvSpPr>
@@ -6559,16 +7520,18 @@
               <a:rPr lang="zh-CN" altLang="en-US" b="1" dirty="0"/>
               <a:t>🔬 后续实验安排</a:t>
             </a:r>
+            <a:endParaRPr lang="zh-CN" altLang="en-US" b="1" dirty="0"/>
           </a:p>
           <a:p>
             <a:r>
               <a:rPr lang="zh-CN" altLang="en-US" b="1" dirty="0"/>
               <a:t>① 模型架构与规模</a:t>
             </a:r>
+            <a:endParaRPr lang="zh-CN" altLang="en-US" b="1" dirty="0"/>
           </a:p>
           <a:p>
             <a:pPr>
-              <a:buFont typeface="Arial" panose="020B0604020202020204" pitchFamily="34" charset="0"/>
+              <a:buFont typeface="Arial" panose="020B0604020202090204" pitchFamily="34" charset="0"/>
               <a:buChar char="•"/>
             </a:pPr>
             <a:r>
@@ -6591,10 +7554,11 @@
               <a:rPr lang="zh-CN" altLang="en-US" dirty="0"/>
               <a:t>（不同系列）</a:t>
             </a:r>
+            <a:endParaRPr lang="zh-CN" altLang="en-US" dirty="0"/>
           </a:p>
           <a:p>
             <a:pPr>
-              <a:buFont typeface="Arial" panose="020B0604020202020204" pitchFamily="34" charset="0"/>
+              <a:buFont typeface="Arial" panose="020B0604020202090204" pitchFamily="34" charset="0"/>
               <a:buChar char="•"/>
             </a:pPr>
             <a:r>
@@ -6609,6 +7573,7 @@
               <a:rPr lang="zh-CN" altLang="en-US" dirty="0"/>
               <a:t> 是否同样稳定地产生性格影响</a:t>
             </a:r>
+            <a:endParaRPr lang="zh-CN" altLang="en-US" dirty="0"/>
           </a:p>
           <a:p>
             <a:endParaRPr lang="en-US" altLang="zh-CN" b="1" dirty="0"/>
@@ -6626,10 +7591,11 @@
               <a:rPr lang="zh-CN" altLang="en-US" b="1" dirty="0"/>
               <a:t>维度拓展</a:t>
             </a:r>
+            <a:endParaRPr lang="zh-CN" altLang="en-US" b="1" dirty="0"/>
           </a:p>
           <a:p>
             <a:pPr>
-              <a:buFont typeface="Arial" panose="020B0604020202020204" pitchFamily="34" charset="0"/>
+              <a:buFont typeface="Arial" panose="020B0604020202090204" pitchFamily="34" charset="0"/>
               <a:buChar char="•"/>
             </a:pPr>
             <a:r>
@@ -6644,10 +7610,11 @@
               <a:rPr lang="zh-CN" altLang="en-US" dirty="0"/>
               <a:t> 维度上实验</a:t>
             </a:r>
+            <a:endParaRPr lang="zh-CN" altLang="en-US" dirty="0"/>
           </a:p>
           <a:p>
             <a:pPr>
-              <a:buFont typeface="Arial" panose="020B0604020202020204" pitchFamily="34" charset="0"/>
+              <a:buFont typeface="Arial" panose="020B0604020202090204" pitchFamily="34" charset="0"/>
               <a:buChar char="•"/>
             </a:pPr>
             <a:r>
@@ -6670,10 +7637,11 @@
               <a:rPr lang="zh-CN" altLang="en-US" dirty="0"/>
               <a:t>等）</a:t>
             </a:r>
+            <a:endParaRPr lang="zh-CN" altLang="en-US" dirty="0"/>
           </a:p>
           <a:p>
             <a:pPr>
-              <a:buFont typeface="Arial" panose="020B0604020202020204" pitchFamily="34" charset="0"/>
+              <a:buFont typeface="Arial" panose="020B0604020202090204" pitchFamily="34" charset="0"/>
               <a:buChar char="•"/>
             </a:pPr>
             <a:r>
@@ -6694,10 +7662,11 @@
               <a:rPr lang="zh-CN" altLang="en-US" b="1" dirty="0"/>
               <a:t>③ 数据集与任务拓展</a:t>
             </a:r>
+            <a:endParaRPr lang="zh-CN" altLang="en-US" b="1" dirty="0"/>
           </a:p>
           <a:p>
             <a:pPr>
-              <a:buFont typeface="Arial" panose="020B0604020202020204" pitchFamily="34" charset="0"/>
+              <a:buFont typeface="Arial" panose="020B0604020202090204" pitchFamily="34" charset="0"/>
               <a:buChar char="•"/>
             </a:pPr>
             <a:r>
@@ -6716,7 +7685,7 @@
           </a:p>
           <a:p>
             <a:pPr>
-              <a:buFont typeface="Arial" panose="020B0604020202020204" pitchFamily="34" charset="0"/>
+              <a:buFont typeface="Arial" panose="020B0604020202090204" pitchFamily="34" charset="0"/>
               <a:buChar char="•"/>
             </a:pPr>
             <a:r>
@@ -6737,10 +7706,11 @@
               <a:rPr lang="zh-CN" altLang="en-US" b="1" dirty="0"/>
               <a:t>④ 方法探索（低优先级的探索性实验）</a:t>
             </a:r>
+            <a:endParaRPr lang="zh-CN" altLang="en-US" b="1" dirty="0"/>
           </a:p>
           <a:p>
             <a:pPr>
-              <a:buFont typeface="Arial" panose="020B0604020202020204" pitchFamily="34" charset="0"/>
+              <a:buFont typeface="Arial" panose="020B0604020202090204" pitchFamily="34" charset="0"/>
               <a:buChar char="•"/>
             </a:pPr>
             <a:r>
@@ -6755,10 +7725,11 @@
               <a:rPr lang="zh-CN" altLang="en-US" dirty="0"/>
               <a:t> 等其他训练手段</a:t>
             </a:r>
+            <a:endParaRPr lang="zh-CN" altLang="en-US" dirty="0"/>
           </a:p>
           <a:p>
             <a:pPr>
-              <a:buFont typeface="Arial" panose="020B0604020202020204" pitchFamily="34" charset="0"/>
+              <a:buFont typeface="Arial" panose="020B0604020202090204" pitchFamily="34" charset="0"/>
               <a:buChar char="•"/>
             </a:pPr>
             <a:r>
@@ -6781,15 +7752,11 @@
               <a:rPr lang="zh-CN" altLang="en-US" dirty="0"/>
               <a:t>调控的效果</a:t>
             </a:r>
+            <a:endParaRPr lang="zh-CN" altLang="en-US" dirty="0"/>
           </a:p>
         </p:txBody>
       </p:sp>
     </p:spTree>
-    <p:extLst>
-      <p:ext uri="{BB962C8B-B14F-4D97-AF65-F5344CB8AC3E}">
-        <p14:creationId xmlns:p14="http://schemas.microsoft.com/office/powerpoint/2010/main" val="917502065"/>
-      </p:ext>
-    </p:extLst>
   </p:cSld>
   <p:clrMapOvr>
     <a:masterClrMapping/>
@@ -6816,13 +7783,7 @@
       </p:grpSpPr>
       <p:sp>
         <p:nvSpPr>
-          <p:cNvPr id="2" name="标题 1">
-            <a:extLst>
-              <a:ext uri="{FF2B5EF4-FFF2-40B4-BE49-F238E27FC236}">
-                <a16:creationId xmlns:a16="http://schemas.microsoft.com/office/drawing/2014/main" id="{EBFA129B-181D-492B-8E0D-2C2BBFA34D97}"/>
-              </a:ext>
-            </a:extLst>
-          </p:cNvPr>
+          <p:cNvPr id="2" name="标题 1"/>
           <p:cNvSpPr>
             <a:spLocks noGrp="1"/>
           </p:cNvSpPr>
@@ -6846,18 +7807,13 @@
               <a:rPr lang="zh-CN" altLang="en-US" sz="2800" b="1" dirty="0"/>
               <a:t>最新的相关研究</a:t>
             </a:r>
+            <a:endParaRPr lang="zh-CN" altLang="en-US" sz="2800" b="1" dirty="0"/>
           </a:p>
         </p:txBody>
       </p:sp>
       <p:sp>
         <p:nvSpPr>
-          <p:cNvPr id="3" name="内容占位符 2">
-            <a:extLst>
-              <a:ext uri="{FF2B5EF4-FFF2-40B4-BE49-F238E27FC236}">
-                <a16:creationId xmlns:a16="http://schemas.microsoft.com/office/drawing/2014/main" id="{83F07928-1930-4483-9191-072FDCCC0AD7}"/>
-              </a:ext>
-            </a:extLst>
-          </p:cNvPr>
+          <p:cNvPr id="3" name="内容占位符 2"/>
           <p:cNvSpPr>
             <a:spLocks noGrp="1"/>
           </p:cNvSpPr>
@@ -6891,6 +7847,7 @@
               <a:rPr lang="en-US" altLang="zh-CN" sz="2400" dirty="0"/>
               <a:t>Big Five</a:t>
             </a:r>
+            <a:endParaRPr lang="en-US" altLang="zh-CN" sz="2400" dirty="0"/>
           </a:p>
           <a:p>
             <a:r>
@@ -6901,11 +7858,16 @@
               <a:rPr lang="en-US" altLang="zh-CN" sz="2400" dirty="0"/>
               <a:t>SFT, Prompt, Steering Vectors, DPO</a:t>
             </a:r>
+            <a:endParaRPr lang="en-US" altLang="zh-CN" sz="2400" dirty="0"/>
           </a:p>
           <a:p>
             <a:r>
               <a:rPr lang="zh-CN" altLang="en-US" sz="2400" dirty="0"/>
-              <a:t>应用：调整价值偏好和社会行为</a:t>
+              <a:t>应用：调整价值偏好（</a:t>
+            </a:r>
+            <a:r>
+              <a:rPr lang="zh-CN" altLang="en-US" sz="2400" dirty="0"/>
+              <a:t>对齐）和社会行为</a:t>
             </a:r>
             <a:endParaRPr lang="en-US" altLang="zh-CN" sz="2400" dirty="0"/>
           </a:p>
@@ -6915,11 +7877,6 @@
         </p:txBody>
       </p:sp>
     </p:spTree>
-    <p:extLst>
-      <p:ext uri="{BB962C8B-B14F-4D97-AF65-F5344CB8AC3E}">
-        <p14:creationId xmlns:p14="http://schemas.microsoft.com/office/powerpoint/2010/main" val="1286086236"/>
-      </p:ext>
-    </p:extLst>
   </p:cSld>
   <p:clrMapOvr>
     <a:masterClrMapping/>
@@ -6984,25 +7941,20 @@
               <a:rPr lang="zh-CN" altLang="en-US" sz="3200" dirty="0"/>
               <a:t>不会损害模型基础能力</a:t>
             </a:r>
+            <a:endParaRPr lang="zh-CN" altLang="en-US" sz="3200" dirty="0"/>
           </a:p>
         </p:txBody>
       </p:sp>
       <p:pic>
         <p:nvPicPr>
-          <p:cNvPr id="5" name="图片 4">
-            <a:extLst>
-              <a:ext uri="{FF2B5EF4-FFF2-40B4-BE49-F238E27FC236}">
-                <a16:creationId xmlns:a16="http://schemas.microsoft.com/office/drawing/2014/main" id="{50D992CA-7C2B-4EA9-B330-6D4253813E8A}"/>
-              </a:ext>
-            </a:extLst>
-          </p:cNvPr>
+          <p:cNvPr id="5" name="图片 4"/>
           <p:cNvPicPr>
             <a:picLocks noChangeAspect="1"/>
           </p:cNvPicPr>
           <p:nvPr/>
         </p:nvPicPr>
         <p:blipFill>
-          <a:blip r:embed="rId2"/>
+          <a:blip r:embed="rId1"/>
           <a:stretch>
             <a:fillRect/>
           </a:stretch>
@@ -7019,20 +7971,14 @@
       </p:pic>
       <p:sp>
         <p:nvSpPr>
-          <p:cNvPr id="13" name="矩形 12">
-            <a:extLst>
-              <a:ext uri="{FF2B5EF4-FFF2-40B4-BE49-F238E27FC236}">
-                <a16:creationId xmlns:a16="http://schemas.microsoft.com/office/drawing/2014/main" id="{6D8CF295-4413-4394-AD57-BD6922D8CA8D}"/>
-              </a:ext>
-            </a:extLst>
-          </p:cNvPr>
+          <p:cNvPr id="13" name="矩形 12"/>
           <p:cNvSpPr/>
           <p:nvPr/>
         </p:nvSpPr>
         <p:spPr>
           <a:xfrm>
-            <a:off x="5953957" y="889843"/>
-            <a:ext cx="6096000" cy="5355312"/>
+            <a:off x="5803265" y="889635"/>
+            <a:ext cx="6246495" cy="5591810"/>
           </a:xfrm>
           <a:prstGeom prst="rect">
             <a:avLst/>
@@ -7040,13 +7986,13 @@
         </p:spPr>
         <p:txBody>
           <a:bodyPr>
-            <a:spAutoFit/>
+            <a:noAutofit/>
           </a:bodyPr>
           <a:lstStyle/>
           <a:p>
             <a:r>
               <a:rPr lang="zh-CN" altLang="en-US" dirty="0"/>
-              <a:t>在对比实验中，我们将基线模型（</a:t>
+              <a:t>在对比实验中，将基线模型（</a:t>
             </a:r>
             <a:r>
               <a:rPr lang="en-US" altLang="zh-CN" dirty="0"/>
@@ -7066,7 +8012,7 @@
             </a:r>
             <a:r>
               <a:rPr lang="en-US" altLang="zh-CN" b="1" dirty="0"/>
-              <a:t>DPO + </a:t>
+              <a:t>DPO</a:t>
             </a:r>
             <a:r>
               <a:rPr lang="zh-CN" altLang="en-US" b="1" dirty="0"/>
@@ -7090,7 +8036,7 @@
             </a:r>
             <a:r>
               <a:rPr lang="zh-CN" altLang="en-US" dirty="0"/>
-              <a:t>）进行了多任务评测结果显示：</a:t>
+              <a:t>）进行了多任务评测：</a:t>
             </a:r>
             <a:endParaRPr lang="en-US" altLang="zh-CN" dirty="0"/>
           </a:p>
@@ -7110,8 +8056,8 @@
           </a:p>
           <a:p>
             <a:pPr marL="742950" lvl="1" indent="-285750">
-              <a:buFont typeface="+mj-lt"/>
-              <a:buAutoNum type="arabicPeriod"/>
+              <a:buFont typeface="Arial" panose="020B0604020202090204" pitchFamily="34" charset="0"/>
+              <a:buChar char="•"/>
             </a:pPr>
             <a:r>
               <a:rPr lang="zh-CN" altLang="en-US" dirty="0"/>
@@ -7141,16 +8087,39 @@
               <a:rPr lang="zh-CN" altLang="en-US" dirty="0"/>
               <a:t>。</a:t>
             </a:r>
+            <a:endParaRPr lang="zh-CN" altLang="en-US" dirty="0"/>
           </a:p>
           <a:p>
             <a:pPr marL="742950" lvl="1" indent="-285750">
-              <a:buFont typeface="+mj-lt"/>
-              <a:buAutoNum type="arabicPeriod"/>
+              <a:buFont typeface="Arial" panose="020B0604020202090204" pitchFamily="34" charset="0"/>
+              <a:buChar char="•"/>
+            </a:pPr>
+            <a:endParaRPr lang="zh-CN" altLang="en-US" dirty="0"/>
+          </a:p>
+          <a:p>
+            <a:pPr marL="742950" lvl="1" indent="-285750">
+              <a:buFont typeface="Arial" panose="020B0604020202090204" pitchFamily="34" charset="0"/>
+              <a:buChar char="•"/>
             </a:pPr>
             <a:r>
               <a:rPr lang="zh-CN" altLang="en-US" dirty="0"/>
               <a:t>各个任务的数值差异仅在小范围波动，没有出现系统性下降。</a:t>
             </a:r>
+            <a:endParaRPr lang="zh-CN" altLang="en-US" dirty="0"/>
+          </a:p>
+          <a:p>
+            <a:pPr lvl="1" indent="0">
+              <a:buFont typeface="Arial" panose="020B0604020202090204" pitchFamily="34" charset="0"/>
+              <a:buNone/>
+            </a:pPr>
+            <a:endParaRPr lang="zh-CN" altLang="en-US" dirty="0"/>
+          </a:p>
+          <a:p>
+            <a:pPr lvl="1" indent="0">
+              <a:buFont typeface="Arial" panose="020B0604020202090204" pitchFamily="34" charset="0"/>
+              <a:buNone/>
+            </a:pPr>
+            <a:endParaRPr lang="zh-CN" altLang="en-US" dirty="0"/>
           </a:p>
           <a:p>
             <a:pPr>
@@ -7165,8 +8134,8 @@
           </a:p>
           <a:p>
             <a:pPr marL="742950" lvl="1" indent="-285750">
-              <a:buFont typeface="+mj-lt"/>
-              <a:buAutoNum type="arabicPeriod"/>
+              <a:buFont typeface="Arial" panose="020B0604020202090204" pitchFamily="34" charset="0"/>
+              <a:buChar char="•"/>
             </a:pPr>
             <a:r>
               <a:rPr lang="zh-CN" altLang="en-US" dirty="0"/>
@@ -7204,11 +8173,19 @@
               <a:rPr lang="zh-CN" altLang="en-US" dirty="0"/>
               <a:t>水平均保持在与基线一致的水平。</a:t>
             </a:r>
+            <a:endParaRPr lang="zh-CN" altLang="en-US" dirty="0"/>
           </a:p>
           <a:p>
             <a:pPr marL="742950" lvl="1" indent="-285750">
-              <a:buFont typeface="+mj-lt"/>
-              <a:buAutoNum type="arabicPeriod"/>
+              <a:buFont typeface="Arial" panose="020B0604020202090204" pitchFamily="34" charset="0"/>
+              <a:buChar char="•"/>
+            </a:pPr>
+            <a:endParaRPr lang="zh-CN" altLang="en-US" dirty="0"/>
+          </a:p>
+          <a:p>
+            <a:pPr marL="742950" lvl="1" indent="-285750">
+              <a:buFont typeface="Arial" panose="020B0604020202090204" pitchFamily="34" charset="0"/>
+              <a:buChar char="•"/>
             </a:pPr>
             <a:r>
               <a:rPr lang="zh-CN" altLang="en-US" dirty="0"/>
@@ -7226,35 +8203,14 @@
               <a:rPr lang="zh-CN" altLang="en-US" b="1" dirty="0"/>
               <a:t>并不会削弱模型的推理与理解能力。</a:t>
             </a:r>
-          </a:p>
-          <a:p>
-            <a:pPr>
+            <a:endParaRPr lang="zh-CN" altLang="en-US" b="1" dirty="0"/>
+          </a:p>
+          <a:p>
+            <a:pPr indent="0">
               <a:buFont typeface="+mj-lt"/>
-              <a:buAutoNum type="arabicPeriod"/>
+              <a:buNone/>
             </a:pPr>
-            <a:r>
-              <a:rPr lang="zh-CN" altLang="en-US" b="1" dirty="0"/>
-              <a:t>验证了方法的稳健性</a:t>
-            </a:r>
             <a:endParaRPr lang="zh-CN" altLang="en-US" dirty="0"/>
-          </a:p>
-          <a:p>
-            <a:pPr marL="742950" lvl="1" indent="-285750">
-              <a:buFont typeface="+mj-lt"/>
-              <a:buAutoNum type="arabicPeriod"/>
-            </a:pPr>
-            <a:r>
-              <a:rPr lang="zh-CN" altLang="en-US" dirty="0"/>
-              <a:t>实验结果证明：</a:t>
-            </a:r>
-            <a:r>
-              <a:rPr lang="en-US" altLang="zh-CN" dirty="0"/>
-              <a:t>DPO </a:t>
-            </a:r>
-            <a:r>
-              <a:rPr lang="zh-CN" altLang="en-US" dirty="0"/>
-              <a:t>不仅能够实现性格调控，还能保证模型基础能力不受损伤，为后续的实验提供了可靠前提。</a:t>
-            </a:r>
           </a:p>
         </p:txBody>
       </p:sp>
@@ -7292,7 +8248,7 @@
           <p:nvPr/>
         </p:nvPicPr>
         <p:blipFill>
-          <a:blip r:embed="rId2" cstate="print">
+          <a:blip r:embed="rId1" cstate="print">
             <a:extLst>
               <a:ext uri="{28A0092B-C50C-407E-A947-70E740481C1C}">
                 <a14:useLocalDpi xmlns:a14="http://schemas.microsoft.com/office/drawing/2010/main" val="0"/>
@@ -7322,7 +8278,7 @@
           <p:nvPr/>
         </p:nvPicPr>
         <p:blipFill>
-          <a:blip r:embed="rId3" cstate="print">
+          <a:blip r:embed="rId2" cstate="print">
             <a:extLst>
               <a:ext uri="{28A0092B-C50C-407E-A947-70E740481C1C}">
                 <a14:useLocalDpi xmlns:a14="http://schemas.microsoft.com/office/drawing/2010/main" val="0"/>
@@ -7352,7 +8308,7 @@
           <p:nvPr/>
         </p:nvPicPr>
         <p:blipFill>
-          <a:blip r:embed="rId4" cstate="print">
+          <a:blip r:embed="rId3" cstate="print">
             <a:extLst>
               <a:ext uri="{28A0092B-C50C-407E-A947-70E740481C1C}">
                 <a14:useLocalDpi xmlns:a14="http://schemas.microsoft.com/office/drawing/2010/main" val="0"/>
@@ -7382,7 +8338,7 @@
           <p:nvPr/>
         </p:nvPicPr>
         <p:blipFill>
-          <a:blip r:embed="rId5" cstate="print">
+          <a:blip r:embed="rId4" cstate="print">
             <a:extLst>
               <a:ext uri="{28A0092B-C50C-407E-A947-70E740481C1C}">
                 <a14:useLocalDpi xmlns:a14="http://schemas.microsoft.com/office/drawing/2010/main" val="0"/>
@@ -7412,7 +8368,7 @@
           <p:nvPr/>
         </p:nvPicPr>
         <p:blipFill>
-          <a:blip r:embed="rId6" cstate="print">
+          <a:blip r:embed="rId5" cstate="print">
             <a:extLst>
               <a:ext uri="{28A0092B-C50C-407E-A947-70E740481C1C}">
                 <a14:useLocalDpi xmlns:a14="http://schemas.microsoft.com/office/drawing/2010/main" val="0"/>
@@ -7442,7 +8398,7 @@
           <p:nvPr/>
         </p:nvPicPr>
         <p:blipFill>
-          <a:blip r:embed="rId7" cstate="print">
+          <a:blip r:embed="rId6" cstate="print">
             <a:extLst>
               <a:ext uri="{28A0092B-C50C-407E-A947-70E740481C1C}">
                 <a14:useLocalDpi xmlns:a14="http://schemas.microsoft.com/office/drawing/2010/main" val="0"/>
@@ -7519,6 +8475,7 @@
               <a:rPr lang="zh-CN" altLang="en-US" b="1" dirty="0"/>
               <a:t>模型</a:t>
             </a:r>
+            <a:endParaRPr lang="zh-CN" altLang="en-US" b="1" dirty="0"/>
           </a:p>
           <a:p>
             <a:r>
@@ -7561,6 +8518,7 @@
               <a:rPr lang="zh-CN" altLang="en-US" dirty="0"/>
               <a:t>。</a:t>
             </a:r>
+            <a:endParaRPr lang="zh-CN" altLang="en-US" dirty="0"/>
           </a:p>
           <a:p>
             <a:endParaRPr lang="en-US" altLang="zh-CN" dirty="0"/>
@@ -7574,6 +8532,7 @@
               <a:rPr lang="zh-CN" altLang="en-US" b="1" dirty="0"/>
               <a:t>模型</a:t>
             </a:r>
+            <a:endParaRPr lang="zh-CN" altLang="en-US" b="1" dirty="0"/>
           </a:p>
           <a:p>
             <a:r>
@@ -7616,6 +8575,7 @@
               <a:rPr lang="zh-CN" altLang="en-US" dirty="0"/>
               <a:t>。</a:t>
             </a:r>
+            <a:endParaRPr lang="zh-CN" altLang="en-US" dirty="0"/>
           </a:p>
           <a:p>
             <a:endParaRPr lang="zh-CN" altLang="en-US" dirty="0"/>
@@ -7683,6 +8643,7 @@
               <a:rPr lang="zh-CN" altLang="en-US" dirty="0"/>
               <a:t>。</a:t>
             </a:r>
+            <a:endParaRPr lang="zh-CN" altLang="en-US" dirty="0"/>
           </a:p>
         </p:txBody>
       </p:sp>
@@ -7720,7 +8681,7 @@
           <p:nvPr/>
         </p:nvPicPr>
         <p:blipFill>
-          <a:blip r:embed="rId2" cstate="print">
+          <a:blip r:embed="rId1" cstate="print">
             <a:extLst>
               <a:ext uri="{28A0092B-C50C-407E-A947-70E740481C1C}">
                 <a14:useLocalDpi xmlns:a14="http://schemas.microsoft.com/office/drawing/2010/main" val="0"/>
@@ -7750,7 +8711,7 @@
           <p:nvPr/>
         </p:nvPicPr>
         <p:blipFill>
-          <a:blip r:embed="rId3" cstate="print">
+          <a:blip r:embed="rId2" cstate="print">
             <a:extLst>
               <a:ext uri="{28A0092B-C50C-407E-A947-70E740481C1C}">
                 <a14:useLocalDpi xmlns:a14="http://schemas.microsoft.com/office/drawing/2010/main" val="0"/>
@@ -7780,7 +8741,7 @@
           <p:nvPr/>
         </p:nvPicPr>
         <p:blipFill>
-          <a:blip r:embed="rId4" cstate="print">
+          <a:blip r:embed="rId3" cstate="print">
             <a:extLst>
               <a:ext uri="{28A0092B-C50C-407E-A947-70E740481C1C}">
                 <a14:useLocalDpi xmlns:a14="http://schemas.microsoft.com/office/drawing/2010/main" val="0"/>
@@ -7810,7 +8771,7 @@
           <p:nvPr/>
         </p:nvPicPr>
         <p:blipFill>
-          <a:blip r:embed="rId5" cstate="print">
+          <a:blip r:embed="rId4" cstate="print">
             <a:extLst>
               <a:ext uri="{28A0092B-C50C-407E-A947-70E740481C1C}">
                 <a14:useLocalDpi xmlns:a14="http://schemas.microsoft.com/office/drawing/2010/main" val="0"/>
@@ -7840,7 +8801,7 @@
           <p:nvPr/>
         </p:nvPicPr>
         <p:blipFill>
-          <a:blip r:embed="rId6" cstate="print">
+          <a:blip r:embed="rId5" cstate="print">
             <a:extLst>
               <a:ext uri="{28A0092B-C50C-407E-A947-70E740481C1C}">
                 <a14:useLocalDpi xmlns:a14="http://schemas.microsoft.com/office/drawing/2010/main" val="0"/>
@@ -7870,7 +8831,7 @@
           <p:nvPr/>
         </p:nvPicPr>
         <p:blipFill>
-          <a:blip r:embed="rId7" cstate="print">
+          <a:blip r:embed="rId6" cstate="print">
             <a:extLst>
               <a:ext uri="{28A0092B-C50C-407E-A947-70E740481C1C}">
                 <a14:useLocalDpi xmlns:a14="http://schemas.microsoft.com/office/drawing/2010/main" val="0"/>
@@ -8023,6 +8984,7 @@
               <a:rPr lang="zh-CN" altLang="en-US" dirty="0"/>
               <a:t> 略低。</a:t>
             </a:r>
+            <a:endParaRPr lang="zh-CN" altLang="en-US" dirty="0"/>
           </a:p>
           <a:p>
             <a:endParaRPr lang="zh-CN" altLang="en-US" dirty="0"/>
@@ -8082,6 +9044,7 @@
               <a:rPr lang="zh-CN" altLang="en-US" sz="1600"/>
               <a:t>）。</a:t>
             </a:r>
+            <a:endParaRPr lang="zh-CN" altLang="en-US" sz="1600"/>
           </a:p>
         </p:txBody>
       </p:sp>
@@ -8119,7 +9082,7 @@
           <p:nvPr/>
         </p:nvPicPr>
         <p:blipFill>
-          <a:blip r:embed="rId2" cstate="print">
+          <a:blip r:embed="rId1" cstate="print">
             <a:extLst>
               <a:ext uri="{28A0092B-C50C-407E-A947-70E740481C1C}">
                 <a14:useLocalDpi xmlns:a14="http://schemas.microsoft.com/office/drawing/2010/main" val="0"/>
@@ -8149,7 +9112,7 @@
           <p:nvPr/>
         </p:nvPicPr>
         <p:blipFill>
-          <a:blip r:embed="rId3" cstate="print">
+          <a:blip r:embed="rId2" cstate="print">
             <a:extLst>
               <a:ext uri="{28A0092B-C50C-407E-A947-70E740481C1C}">
                 <a14:useLocalDpi xmlns:a14="http://schemas.microsoft.com/office/drawing/2010/main" val="0"/>
@@ -8179,7 +9142,7 @@
           <p:nvPr/>
         </p:nvPicPr>
         <p:blipFill>
-          <a:blip r:embed="rId4" cstate="print">
+          <a:blip r:embed="rId3" cstate="print">
             <a:extLst>
               <a:ext uri="{28A0092B-C50C-407E-A947-70E740481C1C}">
                 <a14:useLocalDpi xmlns:a14="http://schemas.microsoft.com/office/drawing/2010/main" val="0"/>
@@ -8209,7 +9172,7 @@
           <p:nvPr/>
         </p:nvPicPr>
         <p:blipFill>
-          <a:blip r:embed="rId5" cstate="print">
+          <a:blip r:embed="rId4" cstate="print">
             <a:extLst>
               <a:ext uri="{28A0092B-C50C-407E-A947-70E740481C1C}">
                 <a14:useLocalDpi xmlns:a14="http://schemas.microsoft.com/office/drawing/2010/main" val="0"/>
@@ -8239,7 +9202,7 @@
           <p:nvPr/>
         </p:nvPicPr>
         <p:blipFill>
-          <a:blip r:embed="rId6" cstate="print">
+          <a:blip r:embed="rId5" cstate="print">
             <a:extLst>
               <a:ext uri="{28A0092B-C50C-407E-A947-70E740481C1C}">
                 <a14:useLocalDpi xmlns:a14="http://schemas.microsoft.com/office/drawing/2010/main" val="0"/>
@@ -8269,7 +9232,7 @@
           <p:nvPr/>
         </p:nvPicPr>
         <p:blipFill>
-          <a:blip r:embed="rId7" cstate="print">
+          <a:blip r:embed="rId6" cstate="print">
             <a:extLst>
               <a:ext uri="{28A0092B-C50C-407E-A947-70E740481C1C}">
                 <a14:useLocalDpi xmlns:a14="http://schemas.microsoft.com/office/drawing/2010/main" val="0"/>
@@ -8320,6 +9283,7 @@
               <a:rPr lang="zh-CN" altLang="en-US" b="1" dirty="0"/>
               <a:t>模型</a:t>
             </a:r>
+            <a:endParaRPr lang="zh-CN" altLang="en-US" b="1" dirty="0"/>
           </a:p>
           <a:p>
             <a:r>
@@ -8354,6 +9318,7 @@
               <a:rPr lang="zh-CN" altLang="en-US" dirty="0"/>
               <a:t>。</a:t>
             </a:r>
+            <a:endParaRPr lang="zh-CN" altLang="en-US" dirty="0"/>
           </a:p>
           <a:p>
             <a:endParaRPr lang="en-US" altLang="zh-CN" dirty="0"/>
@@ -8367,6 +9332,7 @@
               <a:rPr lang="zh-CN" altLang="en-US" b="1" dirty="0"/>
               <a:t>模型</a:t>
             </a:r>
+            <a:endParaRPr lang="zh-CN" altLang="en-US" b="1" dirty="0"/>
           </a:p>
           <a:p>
             <a:r>
@@ -8409,6 +9375,7 @@
               <a:rPr lang="zh-CN" altLang="en-US" dirty="0"/>
               <a:t>。</a:t>
             </a:r>
+            <a:endParaRPr lang="zh-CN" altLang="en-US" dirty="0"/>
           </a:p>
           <a:p>
             <a:endParaRPr lang="zh-CN" altLang="en-US" dirty="0"/>
@@ -8468,6 +9435,7 @@
               <a:rPr lang="zh-CN" altLang="en-US" sz="1600"/>
               <a:t>），</a:t>
             </a:r>
+            <a:endParaRPr lang="zh-CN" altLang="en-US" sz="1600"/>
           </a:p>
         </p:txBody>
       </p:sp>
@@ -8505,7 +9473,7 @@
           <p:nvPr/>
         </p:nvPicPr>
         <p:blipFill>
-          <a:blip r:embed="rId2" cstate="print">
+          <a:blip r:embed="rId1" cstate="print">
             <a:extLst>
               <a:ext uri="{28A0092B-C50C-407E-A947-70E740481C1C}">
                 <a14:useLocalDpi xmlns:a14="http://schemas.microsoft.com/office/drawing/2010/main" val="0"/>
@@ -8535,7 +9503,7 @@
           <p:nvPr/>
         </p:nvPicPr>
         <p:blipFill>
-          <a:blip r:embed="rId3" cstate="print">
+          <a:blip r:embed="rId2" cstate="print">
             <a:extLst>
               <a:ext uri="{28A0092B-C50C-407E-A947-70E740481C1C}">
                 <a14:useLocalDpi xmlns:a14="http://schemas.microsoft.com/office/drawing/2010/main" val="0"/>
@@ -8565,7 +9533,7 @@
           <p:nvPr/>
         </p:nvPicPr>
         <p:blipFill>
-          <a:blip r:embed="rId4" cstate="print">
+          <a:blip r:embed="rId3" cstate="print">
             <a:extLst>
               <a:ext uri="{28A0092B-C50C-407E-A947-70E740481C1C}">
                 <a14:useLocalDpi xmlns:a14="http://schemas.microsoft.com/office/drawing/2010/main" val="0"/>
@@ -8595,7 +9563,7 @@
           <p:nvPr/>
         </p:nvPicPr>
         <p:blipFill>
-          <a:blip r:embed="rId5" cstate="print">
+          <a:blip r:embed="rId4" cstate="print">
             <a:extLst>
               <a:ext uri="{28A0092B-C50C-407E-A947-70E740481C1C}">
                 <a14:useLocalDpi xmlns:a14="http://schemas.microsoft.com/office/drawing/2010/main" val="0"/>
@@ -8625,7 +9593,7 @@
           <p:nvPr/>
         </p:nvPicPr>
         <p:blipFill>
-          <a:blip r:embed="rId6" cstate="print">
+          <a:blip r:embed="rId5" cstate="print">
             <a:extLst>
               <a:ext uri="{28A0092B-C50C-407E-A947-70E740481C1C}">
                 <a14:useLocalDpi xmlns:a14="http://schemas.microsoft.com/office/drawing/2010/main" val="0"/>
@@ -8655,7 +9623,7 @@
           <p:nvPr/>
         </p:nvPicPr>
         <p:blipFill>
-          <a:blip r:embed="rId7" cstate="print">
+          <a:blip r:embed="rId6" cstate="print">
             <a:extLst>
               <a:ext uri="{28A0092B-C50C-407E-A947-70E740481C1C}">
                 <a14:useLocalDpi xmlns:a14="http://schemas.microsoft.com/office/drawing/2010/main" val="0"/>
@@ -8706,6 +9674,7 @@
               <a:rPr lang="zh-CN" altLang="en-US" b="1" dirty="0"/>
               <a:t>模型</a:t>
             </a:r>
+            <a:endParaRPr lang="zh-CN" altLang="en-US" b="1" dirty="0"/>
           </a:p>
           <a:p>
             <a:r>
@@ -8740,6 +9709,7 @@
               <a:rPr lang="zh-CN" altLang="en-US" dirty="0"/>
               <a:t>。</a:t>
             </a:r>
+            <a:endParaRPr lang="zh-CN" altLang="en-US" dirty="0"/>
           </a:p>
           <a:p>
             <a:endParaRPr lang="en-US" altLang="zh-CN" dirty="0"/>
@@ -8753,6 +9723,7 @@
               <a:rPr lang="zh-CN" altLang="en-US" b="1" dirty="0"/>
               <a:t>模型</a:t>
             </a:r>
+            <a:endParaRPr lang="zh-CN" altLang="en-US" b="1" dirty="0"/>
           </a:p>
           <a:p>
             <a:r>
@@ -8787,6 +9758,7 @@
               <a:rPr lang="zh-CN" altLang="en-US" dirty="0"/>
               <a:t>。</a:t>
             </a:r>
+            <a:endParaRPr lang="zh-CN" altLang="en-US" dirty="0"/>
           </a:p>
           <a:p>
             <a:endParaRPr lang="zh-CN" altLang="en-US" dirty="0"/>
@@ -8846,6 +9818,7 @@
               <a:rPr lang="zh-CN" altLang="en-US" sz="1600"/>
               <a:t>两类。</a:t>
             </a:r>
+            <a:endParaRPr lang="zh-CN" altLang="en-US" sz="1600"/>
           </a:p>
         </p:txBody>
       </p:sp>
@@ -8883,7 +9856,7 @@
           <p:nvPr/>
         </p:nvPicPr>
         <p:blipFill>
-          <a:blip r:embed="rId2" cstate="print">
+          <a:blip r:embed="rId1" cstate="print">
             <a:extLst>
               <a:ext uri="{28A0092B-C50C-407E-A947-70E740481C1C}">
                 <a14:useLocalDpi xmlns:a14="http://schemas.microsoft.com/office/drawing/2010/main" val="0"/>
@@ -8913,7 +9886,7 @@
           <p:nvPr/>
         </p:nvPicPr>
         <p:blipFill>
-          <a:blip r:embed="rId3" cstate="print">
+          <a:blip r:embed="rId2" cstate="print">
             <a:extLst>
               <a:ext uri="{28A0092B-C50C-407E-A947-70E740481C1C}">
                 <a14:useLocalDpi xmlns:a14="http://schemas.microsoft.com/office/drawing/2010/main" val="0"/>
@@ -8943,7 +9916,7 @@
           <p:nvPr/>
         </p:nvPicPr>
         <p:blipFill>
-          <a:blip r:embed="rId4" cstate="print">
+          <a:blip r:embed="rId3" cstate="print">
             <a:extLst>
               <a:ext uri="{28A0092B-C50C-407E-A947-70E740481C1C}">
                 <a14:useLocalDpi xmlns:a14="http://schemas.microsoft.com/office/drawing/2010/main" val="0"/>
@@ -8973,7 +9946,7 @@
           <p:nvPr/>
         </p:nvPicPr>
         <p:blipFill>
-          <a:blip r:embed="rId5" cstate="print">
+          <a:blip r:embed="rId4" cstate="print">
             <a:extLst>
               <a:ext uri="{28A0092B-C50C-407E-A947-70E740481C1C}">
                 <a14:useLocalDpi xmlns:a14="http://schemas.microsoft.com/office/drawing/2010/main" val="0"/>
@@ -9003,7 +9976,7 @@
           <p:nvPr/>
         </p:nvPicPr>
         <p:blipFill>
-          <a:blip r:embed="rId6" cstate="print">
+          <a:blip r:embed="rId5" cstate="print">
             <a:extLst>
               <a:ext uri="{28A0092B-C50C-407E-A947-70E740481C1C}">
                 <a14:useLocalDpi xmlns:a14="http://schemas.microsoft.com/office/drawing/2010/main" val="0"/>
@@ -9033,7 +10006,7 @@
           <p:nvPr/>
         </p:nvPicPr>
         <p:blipFill>
-          <a:blip r:embed="rId7" cstate="print">
+          <a:blip r:embed="rId6" cstate="print">
             <a:extLst>
               <a:ext uri="{28A0092B-C50C-407E-A947-70E740481C1C}">
                 <a14:useLocalDpi xmlns:a14="http://schemas.microsoft.com/office/drawing/2010/main" val="0"/>
@@ -9084,6 +10057,7 @@
               <a:rPr lang="zh-CN" altLang="en-US" b="1" dirty="0"/>
               <a:t>模型</a:t>
             </a:r>
+            <a:endParaRPr lang="zh-CN" altLang="en-US" b="1" dirty="0"/>
           </a:p>
           <a:p>
             <a:r>
@@ -9132,6 +10106,7 @@
               <a:rPr lang="zh-CN" altLang="en-US" b="1" dirty="0"/>
               <a:t>模型</a:t>
             </a:r>
+            <a:endParaRPr lang="zh-CN" altLang="en-US" b="1" dirty="0"/>
           </a:p>
           <a:p>
             <a:r>
@@ -9166,6 +10141,7 @@
               <a:rPr lang="zh-CN" altLang="en-US" dirty="0"/>
               <a:t>。</a:t>
             </a:r>
+            <a:endParaRPr lang="zh-CN" altLang="en-US" dirty="0"/>
           </a:p>
           <a:p>
             <a:endParaRPr lang="zh-CN" altLang="en-US" dirty="0"/>
@@ -9233,6 +10209,7 @@
               <a:rPr lang="zh-CN" altLang="en-US" sz="1600"/>
               <a:t>（中性）。</a:t>
             </a:r>
+            <a:endParaRPr lang="zh-CN" altLang="en-US" sz="1600"/>
           </a:p>
         </p:txBody>
       </p:sp>
@@ -9263,13 +10240,7 @@
       </p:grpSpPr>
       <p:sp>
         <p:nvSpPr>
-          <p:cNvPr id="4" name="标题 1">
-            <a:extLst>
-              <a:ext uri="{FF2B5EF4-FFF2-40B4-BE49-F238E27FC236}">
-                <a16:creationId xmlns:a16="http://schemas.microsoft.com/office/drawing/2014/main" id="{2235F0C7-9787-423B-8221-1616C2641DF3}"/>
-              </a:ext>
-            </a:extLst>
-          </p:cNvPr>
+          <p:cNvPr id="4" name="标题 1"/>
           <p:cNvSpPr>
             <a:spLocks noGrp="1"/>
           </p:cNvSpPr>
@@ -9279,7 +10250,7 @@
         </p:nvSpPr>
         <p:spPr>
           <a:xfrm>
-            <a:off x="838199" y="365126"/>
+            <a:off x="776604" y="365126"/>
             <a:ext cx="10134601" cy="575908"/>
           </a:xfrm>
         </p:spPr>
@@ -9293,25 +10264,20 @@
               <a:rPr lang="zh-CN" altLang="en-US" sz="2800" dirty="0"/>
               <a:t>情绪分析结果总结</a:t>
             </a:r>
+            <a:endParaRPr lang="zh-CN" altLang="en-US" sz="2800" dirty="0"/>
           </a:p>
         </p:txBody>
       </p:sp>
       <p:sp>
         <p:nvSpPr>
-          <p:cNvPr id="10" name="矩形 9">
-            <a:extLst>
-              <a:ext uri="{FF2B5EF4-FFF2-40B4-BE49-F238E27FC236}">
-                <a16:creationId xmlns:a16="http://schemas.microsoft.com/office/drawing/2014/main" id="{6264F1F1-BCDB-4A97-AEB8-35D0AC3E7B0E}"/>
-              </a:ext>
-            </a:extLst>
-          </p:cNvPr>
+          <p:cNvPr id="10" name="矩形 9"/>
           <p:cNvSpPr/>
           <p:nvPr/>
         </p:nvSpPr>
         <p:spPr>
           <a:xfrm>
             <a:off x="838199" y="1166842"/>
-            <a:ext cx="9388877" cy="4905484"/>
+            <a:ext cx="9388877" cy="4799965"/>
           </a:xfrm>
           <a:prstGeom prst="rect">
             <a:avLst/>
@@ -9327,10 +10293,11 @@
               <a:rPr lang="zh-CN" altLang="en-US" b="1" dirty="0"/>
               <a:t>情绪分析任务</a:t>
             </a:r>
+            <a:endParaRPr lang="zh-CN" altLang="en-US" b="1" dirty="0"/>
           </a:p>
           <a:p>
             <a:pPr>
-              <a:buFont typeface="Arial" panose="020B0604020202020204" pitchFamily="34" charset="0"/>
+              <a:buFont typeface="Arial" panose="020B0604020202090204" pitchFamily="34" charset="0"/>
               <a:buChar char="•"/>
             </a:pPr>
             <a:r>
@@ -9339,7 +10306,11 @@
             </a:r>
             <a:r>
               <a:rPr lang="zh-CN" altLang="en-US" b="1" dirty="0"/>
-              <a:t>不依赖客观正确性</a:t>
+              <a:t>不完全</a:t>
+            </a:r>
+            <a:r>
+              <a:rPr lang="zh-CN" altLang="en-US" b="1" dirty="0"/>
+              <a:t>依赖客观正确性</a:t>
             </a:r>
             <a:r>
               <a:rPr lang="zh-CN" altLang="en-US" dirty="0"/>
@@ -9353,15 +10324,20 @@
               <a:rPr lang="zh-CN" altLang="en-US" dirty="0"/>
               <a:t>。</a:t>
             </a:r>
+            <a:endParaRPr lang="zh-CN" altLang="en-US" dirty="0"/>
           </a:p>
           <a:p>
             <a:pPr>
-              <a:buFont typeface="Arial" panose="020B0604020202020204" pitchFamily="34" charset="0"/>
+              <a:buFont typeface="Arial" panose="020B0604020202090204" pitchFamily="34" charset="0"/>
               <a:buChar char="•"/>
             </a:pPr>
             <a:r>
               <a:rPr lang="zh-CN" altLang="en-US" dirty="0"/>
-              <a:t> 情绪分析任务符合：同一句话可能存在多种解读，能体现模型的</a:t>
+              <a:t> 情绪分析任务符合：</a:t>
+            </a:r>
+            <a:r>
+              <a:rPr lang="zh-CN" altLang="en-US" dirty="0"/>
+              <a:t>同样文本可能存在多种解读，能体现模型的</a:t>
             </a:r>
             <a:r>
               <a:rPr lang="zh-CN" altLang="en-US" b="1" dirty="0"/>
@@ -9371,6 +10347,7 @@
               <a:rPr lang="zh-CN" altLang="en-US" dirty="0"/>
               <a:t>。</a:t>
             </a:r>
+            <a:endParaRPr lang="zh-CN" altLang="en-US" dirty="0"/>
           </a:p>
           <a:p>
             <a:endParaRPr lang="en-US" altLang="zh-CN" b="1" dirty="0"/>
@@ -9383,10 +10360,11 @@
               <a:rPr lang="zh-CN" altLang="en-US" b="1" dirty="0"/>
               <a:t>数据集覆盖面</a:t>
             </a:r>
+            <a:endParaRPr lang="zh-CN" altLang="en-US" b="1" dirty="0"/>
           </a:p>
           <a:p>
             <a:pPr>
-              <a:buFont typeface="Arial" panose="020B0604020202020204" pitchFamily="34" charset="0"/>
+              <a:buFont typeface="Arial" panose="020B0604020202090204" pitchFamily="34" charset="0"/>
               <a:buChar char="•"/>
             </a:pPr>
             <a:r>
@@ -9413,10 +10391,11 @@
               <a:rPr lang="zh-CN" altLang="en-US" dirty="0"/>
               <a:t>负情绪判别</a:t>
             </a:r>
+            <a:endParaRPr lang="zh-CN" altLang="en-US" dirty="0"/>
           </a:p>
           <a:p>
             <a:pPr>
-              <a:buFont typeface="Arial" panose="020B0604020202020204" pitchFamily="34" charset="0"/>
+              <a:buFont typeface="Arial" panose="020B0604020202090204" pitchFamily="34" charset="0"/>
               <a:buChar char="•"/>
             </a:pPr>
             <a:r>
@@ -9443,10 +10422,11 @@
               <a:rPr lang="zh-CN" altLang="en-US" dirty="0"/>
               <a:t>正常</a:t>
             </a:r>
+            <a:endParaRPr lang="zh-CN" altLang="en-US" dirty="0"/>
           </a:p>
           <a:p>
             <a:pPr>
-              <a:buFont typeface="Arial" panose="020B0604020202020204" pitchFamily="34" charset="0"/>
+              <a:buFont typeface="Arial" panose="020B0604020202090204" pitchFamily="34" charset="0"/>
               <a:buChar char="•"/>
             </a:pPr>
             <a:r>
@@ -9481,10 +10461,11 @@
               <a:rPr lang="zh-CN" altLang="en-US" dirty="0"/>
               <a:t>中性</a:t>
             </a:r>
+            <a:endParaRPr lang="zh-CN" altLang="en-US" dirty="0"/>
           </a:p>
           <a:p>
             <a:pPr>
-              <a:buFont typeface="Arial" panose="020B0604020202020204" pitchFamily="34" charset="0"/>
+              <a:buFont typeface="Arial" panose="020B0604020202090204" pitchFamily="34" charset="0"/>
               <a:buChar char="•"/>
             </a:pPr>
             <a:r>
@@ -9524,7 +10505,7 @@
             </a:br>
             <a:r>
               <a:rPr lang="zh-CN" altLang="en-US" dirty="0"/>
-              <a:t>覆盖 </a:t>
+              <a:t>覆盖</a:t>
             </a:r>
             <a:r>
               <a:rPr lang="zh-CN" altLang="en-US" b="1" dirty="0"/>
@@ -9534,6 +10515,7 @@
               <a:rPr lang="zh-CN" altLang="en-US" dirty="0"/>
               <a:t>，保证结果具有代表性。</a:t>
             </a:r>
+            <a:endParaRPr lang="zh-CN" altLang="en-US" dirty="0"/>
           </a:p>
           <a:p>
             <a:endParaRPr lang="en-US" altLang="zh-CN" b="1" dirty="0"/>
@@ -9546,10 +10528,11 @@
               <a:rPr lang="zh-CN" altLang="en-US" b="1" dirty="0"/>
               <a:t>整体观察</a:t>
             </a:r>
+            <a:endParaRPr lang="zh-CN" altLang="en-US" b="1" dirty="0"/>
           </a:p>
           <a:p>
             <a:pPr>
-              <a:buFont typeface="Arial" panose="020B0604020202020204" pitchFamily="34" charset="0"/>
+              <a:buFont typeface="Arial" panose="020B0604020202090204" pitchFamily="34" charset="0"/>
               <a:buChar char="•"/>
             </a:pPr>
             <a:r>
@@ -9588,10 +10571,11 @@
               <a:rPr lang="zh-CN" altLang="en-US" dirty="0"/>
               <a:t>）</a:t>
             </a:r>
+            <a:endParaRPr lang="zh-CN" altLang="en-US" dirty="0"/>
           </a:p>
           <a:p>
             <a:pPr>
-              <a:buFont typeface="Arial" panose="020B0604020202020204" pitchFamily="34" charset="0"/>
+              <a:buFont typeface="Arial" panose="020B0604020202090204" pitchFamily="34" charset="0"/>
               <a:buChar char="•"/>
             </a:pPr>
             <a:r>
@@ -9630,10 +10614,11 @@
               <a:rPr lang="zh-CN" altLang="en-US" dirty="0"/>
               <a:t>）</a:t>
             </a:r>
+            <a:endParaRPr lang="zh-CN" altLang="en-US" dirty="0"/>
           </a:p>
           <a:p>
             <a:pPr>
-              <a:buFont typeface="Arial" panose="020B0604020202020204" pitchFamily="34" charset="0"/>
+              <a:buFont typeface="Arial" panose="020B0604020202090204" pitchFamily="34" charset="0"/>
               <a:buChar char="•"/>
             </a:pPr>
             <a:r>
@@ -9652,15 +10637,11 @@
               <a:rPr lang="zh-CN" altLang="en-US" dirty="0"/>
               <a:t>，符合预期。</a:t>
             </a:r>
+            <a:endParaRPr lang="zh-CN" altLang="en-US" dirty="0"/>
           </a:p>
         </p:txBody>
       </p:sp>
     </p:spTree>
-    <p:extLst>
-      <p:ext uri="{BB962C8B-B14F-4D97-AF65-F5344CB8AC3E}">
-        <p14:creationId xmlns:p14="http://schemas.microsoft.com/office/powerpoint/2010/main" val="4268742622"/>
-      </p:ext>
-    </p:extLst>
   </p:cSld>
   <p:clrMapOvr>
     <a:masterClrMapping/>
@@ -9732,48 +10713,12 @@
             <a:tbl>
               <a:tblPr/>
               <a:tblGrid>
-                <a:gridCol w="1752600">
-                  <a:extLst>
-                    <a:ext uri="{9D8B030D-6E8A-4147-A177-3AD203B41FA5}">
-                      <a16:colId xmlns:a16="http://schemas.microsoft.com/office/drawing/2014/main" val="20000"/>
-                    </a:ext>
-                  </a:extLst>
-                </a:gridCol>
-                <a:gridCol w="1752600">
-                  <a:extLst>
-                    <a:ext uri="{9D8B030D-6E8A-4147-A177-3AD203B41FA5}">
-                      <a16:colId xmlns:a16="http://schemas.microsoft.com/office/drawing/2014/main" val="20001"/>
-                    </a:ext>
-                  </a:extLst>
-                </a:gridCol>
-                <a:gridCol w="1752600">
-                  <a:extLst>
-                    <a:ext uri="{9D8B030D-6E8A-4147-A177-3AD203B41FA5}">
-                      <a16:colId xmlns:a16="http://schemas.microsoft.com/office/drawing/2014/main" val="20002"/>
-                    </a:ext>
-                  </a:extLst>
-                </a:gridCol>
-                <a:gridCol w="1752600">
-                  <a:extLst>
-                    <a:ext uri="{9D8B030D-6E8A-4147-A177-3AD203B41FA5}">
-                      <a16:colId xmlns:a16="http://schemas.microsoft.com/office/drawing/2014/main" val="20003"/>
-                    </a:ext>
-                  </a:extLst>
-                </a:gridCol>
-                <a:gridCol w="1752600">
-                  <a:extLst>
-                    <a:ext uri="{9D8B030D-6E8A-4147-A177-3AD203B41FA5}">
-                      <a16:colId xmlns:a16="http://schemas.microsoft.com/office/drawing/2014/main" val="20004"/>
-                    </a:ext>
-                  </a:extLst>
-                </a:gridCol>
-                <a:gridCol w="1752600">
-                  <a:extLst>
-                    <a:ext uri="{9D8B030D-6E8A-4147-A177-3AD203B41FA5}">
-                      <a16:colId xmlns:a16="http://schemas.microsoft.com/office/drawing/2014/main" val="20005"/>
-                    </a:ext>
-                  </a:extLst>
-                </a:gridCol>
+                <a:gridCol w="1752600"/>
+                <a:gridCol w="1752600"/>
+                <a:gridCol w="1752600"/>
+                <a:gridCol w="1752600"/>
+                <a:gridCol w="1752600"/>
+                <a:gridCol w="1752600"/>
               </a:tblGrid>
               <a:tr h="0">
                 <a:tc>
@@ -9785,6 +10730,7 @@
                         <a:rPr lang="zh-CN" altLang="en-US"/>
                         <a:t>模型类型</a:t>
                       </a:r>
+                      <a:endParaRPr lang="zh-CN" altLang="en-US"/>
                     </a:p>
                   </a:txBody>
                   <a:tcPr anchor="ctr">
@@ -9811,6 +10757,7 @@
                         <a:rPr lang="en-US"/>
                         <a:t>fiqasa</a:t>
                       </a:r>
+                      <a:endParaRPr lang="en-US"/>
                     </a:p>
                   </a:txBody>
                   <a:tcPr anchor="ctr">
@@ -9837,6 +10784,7 @@
                         <a:rPr lang="en-US"/>
                         <a:t>mental</a:t>
                       </a:r>
+                      <a:endParaRPr lang="en-US"/>
                     </a:p>
                   </a:txBody>
                   <a:tcPr anchor="ctr">
@@ -9863,6 +10811,7 @@
                         <a:rPr lang="en-US"/>
                         <a:t>news</a:t>
                       </a:r>
+                      <a:endParaRPr lang="en-US"/>
                     </a:p>
                   </a:txBody>
                   <a:tcPr anchor="ctr">
@@ -9889,6 +10838,7 @@
                         <a:rPr lang="en-US"/>
                         <a:t>imdb-sklearn</a:t>
                       </a:r>
+                      <a:endParaRPr lang="en-US"/>
                     </a:p>
                   </a:txBody>
                   <a:tcPr anchor="ctr">
@@ -9915,6 +10865,7 @@
                         <a:rPr lang="en-US"/>
                         <a:t>sst2</a:t>
                       </a:r>
+                      <a:endParaRPr lang="en-US"/>
                     </a:p>
                   </a:txBody>
                   <a:tcPr anchor="ctr">
@@ -9932,11 +10883,6 @@
                     </a:lnB>
                   </a:tcPr>
                 </a:tc>
-                <a:extLst>
-                  <a:ext uri="{0D108BD9-81ED-4DB2-BD59-A6C34878D82A}">
-                    <a16:rowId xmlns:a16="http://schemas.microsoft.com/office/drawing/2014/main" val="10000"/>
-                  </a:ext>
-                </a:extLst>
               </a:tr>
               <a:tr h="0">
                 <a:tc>
@@ -9948,6 +10894,7 @@
                         <a:rPr lang="zh-CN" altLang="en-US"/>
                         <a:t>原始基座模型</a:t>
                       </a:r>
+                      <a:endParaRPr lang="zh-CN" altLang="en-US"/>
                     </a:p>
                   </a:txBody>
                   <a:tcPr anchor="ctr">
@@ -9974,6 +10921,7 @@
                         <a:rPr lang="en-US" altLang="zh-CN"/>
                         <a:t>0.46</a:t>
                       </a:r>
+                      <a:endParaRPr lang="en-US" altLang="zh-CN"/>
                     </a:p>
                   </a:txBody>
                   <a:tcPr anchor="ctr">
@@ -10027,6 +10975,7 @@
                         <a:rPr lang="en-US" altLang="zh-CN"/>
                         <a:t>0.60</a:t>
                       </a:r>
+                      <a:endParaRPr lang="en-US" altLang="zh-CN"/>
                     </a:p>
                   </a:txBody>
                   <a:tcPr anchor="ctr">
@@ -10053,6 +11002,7 @@
                         <a:rPr lang="en-US" altLang="zh-CN"/>
                         <a:t>0.93</a:t>
                       </a:r>
+                      <a:endParaRPr lang="en-US" altLang="zh-CN"/>
                     </a:p>
                   </a:txBody>
                   <a:tcPr anchor="ctr">
@@ -10079,6 +11029,7 @@
                         <a:rPr lang="en-US" altLang="zh-CN"/>
                         <a:t>0.83</a:t>
                       </a:r>
+                      <a:endParaRPr lang="en-US" altLang="zh-CN"/>
                     </a:p>
                   </a:txBody>
                   <a:tcPr anchor="ctr">
@@ -10096,11 +11047,6 @@
                     </a:lnB>
                   </a:tcPr>
                 </a:tc>
-                <a:extLst>
-                  <a:ext uri="{0D108BD9-81ED-4DB2-BD59-A6C34878D82A}">
-                    <a16:rowId xmlns:a16="http://schemas.microsoft.com/office/drawing/2014/main" val="10001"/>
-                  </a:ext>
-                </a:extLst>
               </a:tr>
               <a:tr h="0">
                 <a:tc>
@@ -10116,6 +11062,7 @@
                         <a:rPr lang="zh-CN" altLang="en-US"/>
                         <a:t>性格模型</a:t>
                       </a:r>
+                      <a:endParaRPr lang="zh-CN" altLang="en-US"/>
                     </a:p>
                   </a:txBody>
                   <a:tcPr anchor="ctr">
@@ -10169,6 +11116,7 @@
                         <a:rPr lang="en-US" altLang="zh-CN" dirty="0"/>
                         <a:t>0.51</a:t>
                       </a:r>
+                      <a:endParaRPr lang="en-US" altLang="zh-CN" dirty="0"/>
                     </a:p>
                   </a:txBody>
                   <a:tcPr anchor="ctr">
@@ -10195,6 +11143,7 @@
                         <a:rPr lang="en-US" altLang="zh-CN"/>
                         <a:t>0.58</a:t>
                       </a:r>
+                      <a:endParaRPr lang="en-US" altLang="zh-CN"/>
                     </a:p>
                   </a:txBody>
                   <a:tcPr anchor="ctr">
@@ -10221,6 +11170,7 @@
                         <a:rPr lang="en-US" altLang="zh-CN"/>
                         <a:t>0.94</a:t>
                       </a:r>
+                      <a:endParaRPr lang="en-US" altLang="zh-CN"/>
                     </a:p>
                   </a:txBody>
                   <a:tcPr anchor="ctr">
@@ -10265,11 +11215,6 @@
                     </a:lnB>
                   </a:tcPr>
                 </a:tc>
-                <a:extLst>
-                  <a:ext uri="{0D108BD9-81ED-4DB2-BD59-A6C34878D82A}">
-                    <a16:rowId xmlns:a16="http://schemas.microsoft.com/office/drawing/2014/main" val="10002"/>
-                  </a:ext>
-                </a:extLst>
               </a:tr>
               <a:tr h="0">
                 <a:tc>
@@ -10285,6 +11230,7 @@
                         <a:rPr lang="zh-CN" altLang="en-US" dirty="0"/>
                         <a:t>性格模型</a:t>
                       </a:r>
+                      <a:endParaRPr lang="zh-CN" altLang="en-US" dirty="0"/>
                     </a:p>
                   </a:txBody>
                   <a:tcPr anchor="ctr">
@@ -10311,6 +11257,7 @@
                         <a:rPr lang="en-US" altLang="zh-CN"/>
                         <a:t>0.38</a:t>
                       </a:r>
+                      <a:endParaRPr lang="en-US" altLang="zh-CN"/>
                     </a:p>
                   </a:txBody>
                   <a:tcPr anchor="ctr">
@@ -10337,6 +11284,7 @@
                         <a:rPr lang="en-US" altLang="zh-CN"/>
                         <a:t>0.54</a:t>
                       </a:r>
+                      <a:endParaRPr lang="en-US" altLang="zh-CN"/>
                     </a:p>
                   </a:txBody>
                   <a:tcPr anchor="ctr">
@@ -10390,6 +11338,7 @@
                         <a:rPr lang="en-US" altLang="zh-CN"/>
                         <a:t>0.90</a:t>
                       </a:r>
+                      <a:endParaRPr lang="en-US" altLang="zh-CN"/>
                     </a:p>
                   </a:txBody>
                   <a:tcPr anchor="ctr">
@@ -10416,6 +11365,7 @@
                         <a:rPr lang="en-US" altLang="zh-CN" dirty="0"/>
                         <a:t>0.72</a:t>
                       </a:r>
+                      <a:endParaRPr lang="en-US" altLang="zh-CN" dirty="0"/>
                     </a:p>
                   </a:txBody>
                   <a:tcPr anchor="ctr">
@@ -10433,11 +11383,6 @@
                     </a:lnB>
                   </a:tcPr>
                 </a:tc>
-                <a:extLst>
-                  <a:ext uri="{0D108BD9-81ED-4DB2-BD59-A6C34878D82A}">
-                    <a16:rowId xmlns:a16="http://schemas.microsoft.com/office/drawing/2014/main" val="10003"/>
-                  </a:ext>
-                </a:extLst>
               </a:tr>
             </a:tbl>
           </a:graphicData>
@@ -10460,48 +11405,12 @@
             <a:tbl>
               <a:tblPr/>
               <a:tblGrid>
-                <a:gridCol w="1752600">
-                  <a:extLst>
-                    <a:ext uri="{9D8B030D-6E8A-4147-A177-3AD203B41FA5}">
-                      <a16:colId xmlns:a16="http://schemas.microsoft.com/office/drawing/2014/main" val="20000"/>
-                    </a:ext>
-                  </a:extLst>
-                </a:gridCol>
-                <a:gridCol w="1752600">
-                  <a:extLst>
-                    <a:ext uri="{9D8B030D-6E8A-4147-A177-3AD203B41FA5}">
-                      <a16:colId xmlns:a16="http://schemas.microsoft.com/office/drawing/2014/main" val="20001"/>
-                    </a:ext>
-                  </a:extLst>
-                </a:gridCol>
-                <a:gridCol w="1752600">
-                  <a:extLst>
-                    <a:ext uri="{9D8B030D-6E8A-4147-A177-3AD203B41FA5}">
-                      <a16:colId xmlns:a16="http://schemas.microsoft.com/office/drawing/2014/main" val="20002"/>
-                    </a:ext>
-                  </a:extLst>
-                </a:gridCol>
-                <a:gridCol w="1752600">
-                  <a:extLst>
-                    <a:ext uri="{9D8B030D-6E8A-4147-A177-3AD203B41FA5}">
-                      <a16:colId xmlns:a16="http://schemas.microsoft.com/office/drawing/2014/main" val="20003"/>
-                    </a:ext>
-                  </a:extLst>
-                </a:gridCol>
-                <a:gridCol w="1752600">
-                  <a:extLst>
-                    <a:ext uri="{9D8B030D-6E8A-4147-A177-3AD203B41FA5}">
-                      <a16:colId xmlns:a16="http://schemas.microsoft.com/office/drawing/2014/main" val="20004"/>
-                    </a:ext>
-                  </a:extLst>
-                </a:gridCol>
-                <a:gridCol w="1752600">
-                  <a:extLst>
-                    <a:ext uri="{9D8B030D-6E8A-4147-A177-3AD203B41FA5}">
-                      <a16:colId xmlns:a16="http://schemas.microsoft.com/office/drawing/2014/main" val="20005"/>
-                    </a:ext>
-                  </a:extLst>
-                </a:gridCol>
+                <a:gridCol w="1752600"/>
+                <a:gridCol w="1752600"/>
+                <a:gridCol w="1752600"/>
+                <a:gridCol w="1752600"/>
+                <a:gridCol w="1752600"/>
+                <a:gridCol w="1752600"/>
               </a:tblGrid>
               <a:tr h="0">
                 <a:tc>
@@ -10513,6 +11422,7 @@
                         <a:rPr lang="zh-CN" altLang="en-US" dirty="0"/>
                         <a:t>模型类型</a:t>
                       </a:r>
+                      <a:endParaRPr lang="zh-CN" altLang="en-US" dirty="0"/>
                     </a:p>
                   </a:txBody>
                   <a:tcPr anchor="ctr">
@@ -10539,6 +11449,7 @@
                         <a:rPr lang="en-US"/>
                         <a:t>fiqasa</a:t>
                       </a:r>
+                      <a:endParaRPr lang="en-US"/>
                     </a:p>
                   </a:txBody>
                   <a:tcPr anchor="ctr">
@@ -10565,6 +11476,7 @@
                         <a:rPr lang="en-US"/>
                         <a:t>mental</a:t>
                       </a:r>
+                      <a:endParaRPr lang="en-US"/>
                     </a:p>
                   </a:txBody>
                   <a:tcPr anchor="ctr">
@@ -10591,6 +11503,7 @@
                         <a:rPr lang="en-US"/>
                         <a:t>news</a:t>
                       </a:r>
+                      <a:endParaRPr lang="en-US"/>
                     </a:p>
                   </a:txBody>
                   <a:tcPr anchor="ctr">
@@ -10617,6 +11530,7 @@
                         <a:rPr lang="en-US"/>
                         <a:t>imdb-sklearn</a:t>
                       </a:r>
+                      <a:endParaRPr lang="en-US"/>
                     </a:p>
                   </a:txBody>
                   <a:tcPr anchor="ctr">
@@ -10643,6 +11557,7 @@
                         <a:rPr lang="en-US"/>
                         <a:t>sst2</a:t>
                       </a:r>
+                      <a:endParaRPr lang="en-US"/>
                     </a:p>
                   </a:txBody>
                   <a:tcPr anchor="ctr">
@@ -10660,11 +11575,6 @@
                     </a:lnB>
                   </a:tcPr>
                 </a:tc>
-                <a:extLst>
-                  <a:ext uri="{0D108BD9-81ED-4DB2-BD59-A6C34878D82A}">
-                    <a16:rowId xmlns:a16="http://schemas.microsoft.com/office/drawing/2014/main" val="10000"/>
-                  </a:ext>
-                </a:extLst>
               </a:tr>
               <a:tr h="0">
                 <a:tc>
@@ -10676,6 +11586,7 @@
                         <a:rPr lang="zh-CN" altLang="en-US"/>
                         <a:t>原始基座模型</a:t>
                       </a:r>
+                      <a:endParaRPr lang="zh-CN" altLang="en-US"/>
                     </a:p>
                   </a:txBody>
                   <a:tcPr anchor="ctr">
@@ -10702,6 +11613,7 @@
                         <a:rPr lang="en-US" altLang="zh-CN" dirty="0"/>
                         <a:t>0.46</a:t>
                       </a:r>
+                      <a:endParaRPr lang="en-US" altLang="zh-CN" dirty="0"/>
                     </a:p>
                   </a:txBody>
                   <a:tcPr anchor="ctr">
@@ -10728,6 +11640,7 @@
                         <a:rPr lang="en-US" altLang="zh-CN"/>
                         <a:t>0.54</a:t>
                       </a:r>
+                      <a:endParaRPr lang="en-US" altLang="zh-CN"/>
                     </a:p>
                   </a:txBody>
                   <a:tcPr anchor="ctr">
@@ -10754,6 +11667,7 @@
                         <a:rPr lang="en-US" altLang="zh-CN"/>
                         <a:t>0.58</a:t>
                       </a:r>
+                      <a:endParaRPr lang="en-US" altLang="zh-CN"/>
                     </a:p>
                   </a:txBody>
                   <a:tcPr anchor="ctr">
@@ -10780,6 +11694,7 @@
                         <a:rPr lang="en-US" altLang="zh-CN"/>
                         <a:t>0.93</a:t>
                       </a:r>
+                      <a:endParaRPr lang="en-US" altLang="zh-CN"/>
                     </a:p>
                   </a:txBody>
                   <a:tcPr anchor="ctr">
@@ -10806,6 +11721,7 @@
                         <a:rPr lang="en-US" altLang="zh-CN"/>
                         <a:t>0.83</a:t>
                       </a:r>
+                      <a:endParaRPr lang="en-US" altLang="zh-CN"/>
                     </a:p>
                   </a:txBody>
                   <a:tcPr anchor="ctr">
@@ -10823,11 +11739,6 @@
                     </a:lnB>
                   </a:tcPr>
                 </a:tc>
-                <a:extLst>
-                  <a:ext uri="{0D108BD9-81ED-4DB2-BD59-A6C34878D82A}">
-                    <a16:rowId xmlns:a16="http://schemas.microsoft.com/office/drawing/2014/main" val="10001"/>
-                  </a:ext>
-                </a:extLst>
               </a:tr>
               <a:tr h="0">
                 <a:tc>
@@ -10843,6 +11754,7 @@
                         <a:rPr lang="zh-CN" altLang="en-US"/>
                         <a:t>性格模型</a:t>
                       </a:r>
+                      <a:endParaRPr lang="zh-CN" altLang="en-US"/>
                     </a:p>
                   </a:txBody>
                   <a:tcPr anchor="ctr">
@@ -10869,6 +11781,7 @@
                         <a:rPr lang="en-US" altLang="zh-CN" b="1" dirty="0"/>
                         <a:t>0.56</a:t>
                       </a:r>
+                      <a:endParaRPr lang="en-US" altLang="zh-CN" b="1" dirty="0"/>
                     </a:p>
                   </a:txBody>
                   <a:tcPr anchor="ctr">
@@ -10895,6 +11808,7 @@
                         <a:rPr lang="en-US" altLang="zh-CN" dirty="0"/>
                         <a:t>0.46</a:t>
                       </a:r>
+                      <a:endParaRPr lang="en-US" altLang="zh-CN" dirty="0"/>
                     </a:p>
                   </a:txBody>
                   <a:tcPr anchor="ctr">
@@ -10921,6 +11835,7 @@
                         <a:rPr lang="en-US" altLang="zh-CN"/>
                         <a:t>0.53</a:t>
                       </a:r>
+                      <a:endParaRPr lang="en-US" altLang="zh-CN"/>
                     </a:p>
                   </a:txBody>
                   <a:tcPr anchor="ctr">
@@ -10947,6 +11862,7 @@
                         <a:rPr lang="en-US" altLang="zh-CN"/>
                         <a:t>0.93</a:t>
                       </a:r>
+                      <a:endParaRPr lang="en-US" altLang="zh-CN"/>
                     </a:p>
                   </a:txBody>
                   <a:tcPr anchor="ctr">
@@ -10973,6 +11889,7 @@
                         <a:rPr lang="en-US" altLang="zh-CN" b="1" dirty="0"/>
                         <a:t>0.88</a:t>
                       </a:r>
+                      <a:endParaRPr lang="en-US" altLang="zh-CN" b="1" dirty="0"/>
                     </a:p>
                   </a:txBody>
                   <a:tcPr anchor="ctr">
@@ -10990,11 +11907,6 @@
                     </a:lnB>
                   </a:tcPr>
                 </a:tc>
-                <a:extLst>
-                  <a:ext uri="{0D108BD9-81ED-4DB2-BD59-A6C34878D82A}">
-                    <a16:rowId xmlns:a16="http://schemas.microsoft.com/office/drawing/2014/main" val="10002"/>
-                  </a:ext>
-                </a:extLst>
               </a:tr>
               <a:tr h="0">
                 <a:tc>
@@ -11010,6 +11922,7 @@
                         <a:rPr lang="zh-CN" altLang="en-US"/>
                         <a:t>性格模型</a:t>
                       </a:r>
+                      <a:endParaRPr lang="zh-CN" altLang="en-US"/>
                     </a:p>
                   </a:txBody>
                   <a:tcPr anchor="ctr">
@@ -11036,6 +11949,7 @@
                         <a:rPr lang="en-US" altLang="zh-CN" dirty="0"/>
                         <a:t>0.40</a:t>
                       </a:r>
+                      <a:endParaRPr lang="en-US" altLang="zh-CN" dirty="0"/>
                     </a:p>
                   </a:txBody>
                   <a:tcPr anchor="ctr">
@@ -11062,6 +11976,7 @@
                         <a:rPr lang="en-US" altLang="zh-CN" b="1" dirty="0"/>
                         <a:t>0.55</a:t>
                       </a:r>
+                      <a:endParaRPr lang="en-US" altLang="zh-CN" b="1" dirty="0"/>
                     </a:p>
                   </a:txBody>
                   <a:tcPr anchor="ctr">
@@ -11088,6 +12003,7 @@
                         <a:rPr lang="en-US" altLang="zh-CN" b="1" dirty="0"/>
                         <a:t>0.64</a:t>
                       </a:r>
+                      <a:endParaRPr lang="en-US" altLang="zh-CN" b="1" dirty="0"/>
                     </a:p>
                   </a:txBody>
                   <a:tcPr anchor="ctr">
@@ -11114,6 +12030,7 @@
                         <a:rPr lang="en-US" altLang="zh-CN"/>
                         <a:t>0.91</a:t>
                       </a:r>
+                      <a:endParaRPr lang="en-US" altLang="zh-CN"/>
                     </a:p>
                   </a:txBody>
                   <a:tcPr anchor="ctr">
@@ -11140,6 +12057,7 @@
                         <a:rPr lang="en-US" altLang="zh-CN" dirty="0"/>
                         <a:t>0.76</a:t>
                       </a:r>
+                      <a:endParaRPr lang="en-US" altLang="zh-CN" dirty="0"/>
                     </a:p>
                   </a:txBody>
                   <a:tcPr anchor="ctr">
@@ -11157,11 +12075,6 @@
                     </a:lnB>
                   </a:tcPr>
                 </a:tc>
-                <a:extLst>
-                  <a:ext uri="{0D108BD9-81ED-4DB2-BD59-A6C34878D82A}">
-                    <a16:rowId xmlns:a16="http://schemas.microsoft.com/office/drawing/2014/main" val="10003"/>
-                  </a:ext>
-                </a:extLst>
               </a:tr>
             </a:tbl>
           </a:graphicData>
@@ -11235,8 +12148,8 @@
         </p:nvSpPr>
         <p:spPr>
           <a:xfrm>
-            <a:off x="838196" y="5286357"/>
-            <a:ext cx="9477656" cy="1200329"/>
+            <a:off x="838200" y="5286375"/>
+            <a:ext cx="9520555" cy="1198880"/>
           </a:xfrm>
           <a:prstGeom prst="rect">
             <a:avLst/>
@@ -11310,6 +12223,7 @@
               <a:rPr lang="zh-CN" altLang="en-US" dirty="0"/>
               <a:t>倾向更消极）。</a:t>
             </a:r>
+            <a:endParaRPr lang="zh-CN" altLang="en-US" dirty="0"/>
           </a:p>
         </p:txBody>
       </p:sp>
@@ -11572,8 +12486,265 @@
       </a:bgFillStyleLst>
     </a:fmtScheme>
   </a:themeElements>
-  <a:objectDefaults/>
-  <a:extraClrSchemeLst/>
+  <a:extLst>
+    <a:ext uri="{05A4C25C-085E-4340-85A3-A5531E510DB2}">
+      <thm15:themeFamily xmlns:thm15="http://schemas.microsoft.com/office/thememl/2012/main" name="Office Theme" id="{62F939B6-93AF-4DB8-9C6B-D6C7DFDC589F}" vid="{4A3C46E8-61CC-4603-A589-7422A47A8E4A}"/>
+    </a:ext>
+  </a:extLst>
+</a:theme>
+</file>
+
+<file path=ppt/theme/theme2.xml><?xml version="1.0" encoding="utf-8"?>
+<a:theme xmlns:a="http://schemas.openxmlformats.org/drawingml/2006/main" name="Office Theme">
+  <a:themeElements>
+    <a:clrScheme name="Office">
+      <a:dk1>
+        <a:sysClr val="windowText" lastClr="000000"/>
+      </a:dk1>
+      <a:lt1>
+        <a:sysClr val="window" lastClr="FFFFFF"/>
+      </a:lt1>
+      <a:dk2>
+        <a:srgbClr val="44546A"/>
+      </a:dk2>
+      <a:lt2>
+        <a:srgbClr val="E7E6E6"/>
+      </a:lt2>
+      <a:accent1>
+        <a:srgbClr val="5B9BD5"/>
+      </a:accent1>
+      <a:accent2>
+        <a:srgbClr val="ED7D31"/>
+      </a:accent2>
+      <a:accent3>
+        <a:srgbClr val="A5A5A5"/>
+      </a:accent3>
+      <a:accent4>
+        <a:srgbClr val="FFC000"/>
+      </a:accent4>
+      <a:accent5>
+        <a:srgbClr val="4472C4"/>
+      </a:accent5>
+      <a:accent6>
+        <a:srgbClr val="70AD47"/>
+      </a:accent6>
+      <a:hlink>
+        <a:srgbClr val="0563C1"/>
+      </a:hlink>
+      <a:folHlink>
+        <a:srgbClr val="954F72"/>
+      </a:folHlink>
+    </a:clrScheme>
+    <a:fontScheme name="Office">
+      <a:majorFont>
+        <a:latin typeface="Calibri Light"/>
+        <a:ea typeface=""/>
+        <a:cs typeface=""/>
+        <a:font script="Jpan" typeface="ＭＳ Ｐゴシック"/>
+        <a:font script="Hang" typeface="맑은 고딕"/>
+        <a:font script="Hans" typeface="宋体"/>
+        <a:font script="Hant" typeface="新細明體"/>
+        <a:font script="Arab" typeface="Times New Roman"/>
+        <a:font script="Hebr" typeface="Times New Roman"/>
+        <a:font script="Thai" typeface="Angsana New"/>
+        <a:font script="Ethi" typeface="Nyala"/>
+        <a:font script="Beng" typeface="Vrinda"/>
+        <a:font script="Gujr" typeface="Shruti"/>
+        <a:font script="Khmr" typeface="MoolBoran"/>
+        <a:font script="Knda" typeface="Tunga"/>
+        <a:font script="Guru" typeface="Raavi"/>
+        <a:font script="Cans" typeface="Euphemia"/>
+        <a:font script="Cher" typeface="Plantagenet Cherokee"/>
+        <a:font script="Yiii" typeface="Microsoft Yi Baiti"/>
+        <a:font script="Tibt" typeface="Microsoft Himalaya"/>
+        <a:font script="Thaa" typeface="MV Boli"/>
+        <a:font script="Deva" typeface="Mangal"/>
+        <a:font script="Telu" typeface="Gautami"/>
+        <a:font script="Taml" typeface="Latha"/>
+        <a:font script="Syrc" typeface="Estrangelo Edessa"/>
+        <a:font script="Orya" typeface="Kalinga"/>
+        <a:font script="Mlym" typeface="Kartika"/>
+        <a:font script="Laoo" typeface="DokChampa"/>
+        <a:font script="Sinh" typeface="Iskoola Pota"/>
+        <a:font script="Mong" typeface="Mongolian Baiti"/>
+        <a:font script="Viet" typeface="Times New Roman"/>
+        <a:font script="Uigh" typeface="Microsoft Uighur"/>
+        <a:font script="Geor" typeface="Sylfaen"/>
+      </a:majorFont>
+      <a:minorFont>
+        <a:latin typeface="Calibri"/>
+        <a:ea typeface=""/>
+        <a:cs typeface=""/>
+        <a:font script="Jpan" typeface="ＭＳ Ｐゴシック"/>
+        <a:font script="Hang" typeface="맑은 고딕"/>
+        <a:font script="Hans" typeface="宋体"/>
+        <a:font script="Hant" typeface="新細明體"/>
+        <a:font script="Arab" typeface="Arial"/>
+        <a:font script="Hebr" typeface="Arial"/>
+        <a:font script="Thai" typeface="Cordia New"/>
+        <a:font script="Ethi" typeface="Nyala"/>
+        <a:font script="Beng" typeface="Vrinda"/>
+        <a:font script="Gujr" typeface="Shruti"/>
+        <a:font script="Khmr" typeface="DaunPenh"/>
+        <a:font script="Knda" typeface="Tunga"/>
+        <a:font script="Guru" typeface="Raavi"/>
+        <a:font script="Cans" typeface="Euphemia"/>
+        <a:font script="Cher" typeface="Plantagenet Cherokee"/>
+        <a:font script="Yiii" typeface="Microsoft Yi Baiti"/>
+        <a:font script="Tibt" typeface="Microsoft Himalaya"/>
+        <a:font script="Thaa" typeface="MV Boli"/>
+        <a:font script="Deva" typeface="Mangal"/>
+        <a:font script="Telu" typeface="Gautami"/>
+        <a:font script="Taml" typeface="Latha"/>
+        <a:font script="Syrc" typeface="Estrangelo Edessa"/>
+        <a:font script="Orya" typeface="Kalinga"/>
+        <a:font script="Mlym" typeface="Kartika"/>
+        <a:font script="Laoo" typeface="DokChampa"/>
+        <a:font script="Sinh" typeface="Iskoola Pota"/>
+        <a:font script="Mong" typeface="Mongolian Baiti"/>
+        <a:font script="Viet" typeface="Arial"/>
+        <a:font script="Uigh" typeface="Microsoft Uighur"/>
+        <a:font script="Geor" typeface="Sylfaen"/>
+      </a:minorFont>
+    </a:fontScheme>
+    <a:fmtScheme name="Office">
+      <a:fillStyleLst>
+        <a:solidFill>
+          <a:schemeClr val="phClr"/>
+        </a:solidFill>
+        <a:gradFill rotWithShape="1">
+          <a:gsLst>
+            <a:gs pos="0">
+              <a:schemeClr val="phClr">
+                <a:lumMod val="110000"/>
+                <a:satMod val="105000"/>
+                <a:tint val="67000"/>
+              </a:schemeClr>
+            </a:gs>
+            <a:gs pos="50000">
+              <a:schemeClr val="phClr">
+                <a:lumMod val="105000"/>
+                <a:satMod val="103000"/>
+                <a:tint val="73000"/>
+              </a:schemeClr>
+            </a:gs>
+            <a:gs pos="100000">
+              <a:schemeClr val="phClr">
+                <a:lumMod val="105000"/>
+                <a:satMod val="109000"/>
+                <a:tint val="81000"/>
+              </a:schemeClr>
+            </a:gs>
+          </a:gsLst>
+          <a:lin ang="5400000" scaled="0"/>
+        </a:gradFill>
+        <a:gradFill rotWithShape="1">
+          <a:gsLst>
+            <a:gs pos="0">
+              <a:schemeClr val="phClr">
+                <a:satMod val="103000"/>
+                <a:lumMod val="102000"/>
+                <a:tint val="94000"/>
+              </a:schemeClr>
+            </a:gs>
+            <a:gs pos="50000">
+              <a:schemeClr val="phClr">
+                <a:satMod val="110000"/>
+                <a:lumMod val="100000"/>
+                <a:shade val="100000"/>
+              </a:schemeClr>
+            </a:gs>
+            <a:gs pos="100000">
+              <a:schemeClr val="phClr">
+                <a:lumMod val="99000"/>
+                <a:satMod val="120000"/>
+                <a:shade val="78000"/>
+              </a:schemeClr>
+            </a:gs>
+          </a:gsLst>
+          <a:lin ang="5400000" scaled="0"/>
+        </a:gradFill>
+      </a:fillStyleLst>
+      <a:lnStyleLst>
+        <a:ln w="6350" cap="flat" cmpd="sng" algn="ctr">
+          <a:solidFill>
+            <a:schemeClr val="phClr"/>
+          </a:solidFill>
+          <a:prstDash val="solid"/>
+          <a:miter lim="800000"/>
+        </a:ln>
+        <a:ln w="12700" cap="flat" cmpd="sng" algn="ctr">
+          <a:solidFill>
+            <a:schemeClr val="phClr"/>
+          </a:solidFill>
+          <a:prstDash val="solid"/>
+          <a:miter lim="800000"/>
+        </a:ln>
+        <a:ln w="19050" cap="flat" cmpd="sng" algn="ctr">
+          <a:solidFill>
+            <a:schemeClr val="phClr"/>
+          </a:solidFill>
+          <a:prstDash val="solid"/>
+          <a:miter lim="800000"/>
+        </a:ln>
+      </a:lnStyleLst>
+      <a:effectStyleLst>
+        <a:effectStyle>
+          <a:effectLst/>
+        </a:effectStyle>
+        <a:effectStyle>
+          <a:effectLst/>
+        </a:effectStyle>
+        <a:effectStyle>
+          <a:effectLst>
+            <a:outerShdw blurRad="57150" dist="19050" dir="5400000" algn="ctr" rotWithShape="0">
+              <a:srgbClr val="000000">
+                <a:alpha val="63000"/>
+              </a:srgbClr>
+            </a:outerShdw>
+          </a:effectLst>
+        </a:effectStyle>
+      </a:effectStyleLst>
+      <a:bgFillStyleLst>
+        <a:solidFill>
+          <a:schemeClr val="phClr"/>
+        </a:solidFill>
+        <a:solidFill>
+          <a:schemeClr val="phClr">
+            <a:tint val="95000"/>
+            <a:satMod val="170000"/>
+          </a:schemeClr>
+        </a:solidFill>
+        <a:gradFill rotWithShape="1">
+          <a:gsLst>
+            <a:gs pos="0">
+              <a:schemeClr val="phClr">
+                <a:tint val="93000"/>
+                <a:satMod val="150000"/>
+                <a:shade val="98000"/>
+                <a:lumMod val="102000"/>
+              </a:schemeClr>
+            </a:gs>
+            <a:gs pos="50000">
+              <a:schemeClr val="phClr">
+                <a:tint val="98000"/>
+                <a:satMod val="130000"/>
+                <a:shade val="90000"/>
+                <a:lumMod val="103000"/>
+              </a:schemeClr>
+            </a:gs>
+            <a:gs pos="100000">
+              <a:schemeClr val="phClr">
+                <a:shade val="63000"/>
+                <a:satMod val="120000"/>
+              </a:schemeClr>
+            </a:gs>
+          </a:gsLst>
+          <a:lin ang="5400000" scaled="0"/>
+        </a:gradFill>
+      </a:bgFillStyleLst>
+    </a:fmtScheme>
+  </a:themeElements>
   <a:extLst>
     <a:ext uri="{05A4C25C-085E-4340-85A3-A5531E510DB2}">
       <thm15:themeFamily xmlns:thm15="http://schemas.microsoft.com/office/thememl/2012/main" name="Office Theme" id="{62F939B6-93AF-4DB8-9C6B-D6C7DFDC589F}" vid="{4A3C46E8-61CC-4603-A589-7422A47A8E4A}"/>
